--- a/DataDraw.pptx
+++ b/DataDraw.pptx
@@ -211,6 +211,10 @@
 </p:presentation>
 </file>
 
+<file path=ppt/revisionInfo.xml><?xml version="1.0" encoding="utf-8"?>
+<p1510:revInfo xmlns:a="http://schemas.openxmlformats.org/drawingml/2006/main" xmlns:r="http://schemas.openxmlformats.org/officeDocument/2006/relationships" xmlns:p1510="http://schemas.microsoft.com/office/powerpoint/2015/10/main"/>
+</file>
+
 <file path=ppt/handoutMasters/handoutMaster1.xml><?xml version="1.0" encoding="utf-8"?>
 <p:handoutMaster xmlns:a="http://schemas.openxmlformats.org/drawingml/2006/main" xmlns:r="http://schemas.openxmlformats.org/officeDocument/2006/relationships" xmlns:p="http://schemas.openxmlformats.org/presentationml/2006/main">
   <p:cSld>
@@ -294,7 +298,7 @@
             <a:fld id="{128FCA9C-FF92-4024-BDEC-A6D3B663DC09}" type="datetimeFigureOut">
               <a:rPr lang="pl-PL" smtClean="0"/>
               <a:pPr/>
-              <a:t>16.06.2017</a:t>
+              <a:t>18.06.2017</a:t>
             </a:fld>
             <a:endParaRPr lang="pl-PL" dirty="0"/>
           </a:p>
@@ -461,7 +465,7 @@
             <a:fld id="{772AB877-E7B1-4681-847E-D0918612832B}" type="datetimeFigureOut">
               <a:rPr lang="pl-PL" smtClean="0"/>
               <a:pPr/>
-              <a:t>16.06.2017</a:t>
+              <a:t>18.06.2017</a:t>
             </a:fld>
             <a:endParaRPr lang="pl-PL" dirty="0"/>
           </a:p>
@@ -43673,7 +43677,7 @@
             <a:fld id="{EDF33987-6305-4E2A-BF18-EF013ECE927B}" type="datetimeFigureOut">
               <a:rPr lang="pl-PL" smtClean="0"/>
               <a:pPr/>
-              <a:t>16.06.2017</a:t>
+              <a:t>18.06.2017</a:t>
             </a:fld>
             <a:endParaRPr lang="pl-PL" dirty="0"/>
           </a:p>
@@ -43883,7 +43887,7 @@
             <a:fld id="{EDF33987-6305-4E2A-BF18-EF013ECE927B}" type="datetimeFigureOut">
               <a:rPr lang="pl-PL" smtClean="0"/>
               <a:pPr/>
-              <a:t>16.06.2017</a:t>
+              <a:t>18.06.2017</a:t>
             </a:fld>
             <a:endParaRPr lang="pl-PL" dirty="0"/>
           </a:p>
@@ -44083,7 +44087,7 @@
             <a:fld id="{EDF33987-6305-4E2A-BF18-EF013ECE927B}" type="datetimeFigureOut">
               <a:rPr lang="pl-PL" smtClean="0"/>
               <a:pPr/>
-              <a:t>16.06.2017</a:t>
+              <a:t>18.06.2017</a:t>
             </a:fld>
             <a:endParaRPr lang="pl-PL" dirty="0"/>
           </a:p>
@@ -44346,7 +44350,7 @@
             <a:fld id="{EDF33987-6305-4E2A-BF18-EF013ECE927B}" type="datetimeFigureOut">
               <a:rPr lang="pl-PL" smtClean="0"/>
               <a:pPr/>
-              <a:t>16.06.2017</a:t>
+              <a:t>18.06.2017</a:t>
             </a:fld>
             <a:endParaRPr lang="pl-PL" dirty="0"/>
           </a:p>
@@ -44652,7 +44656,7 @@
             <a:fld id="{EDF33987-6305-4E2A-BF18-EF013ECE927B}" type="datetimeFigureOut">
               <a:rPr lang="pl-PL" smtClean="0"/>
               <a:pPr/>
-              <a:t>16.06.2017</a:t>
+              <a:t>18.06.2017</a:t>
             </a:fld>
             <a:endParaRPr lang="pl-PL" dirty="0"/>
           </a:p>
@@ -45115,7 +45119,7 @@
             <a:fld id="{EDF33987-6305-4E2A-BF18-EF013ECE927B}" type="datetimeFigureOut">
               <a:rPr lang="pl-PL" smtClean="0"/>
               <a:pPr/>
-              <a:t>16.06.2017</a:t>
+              <a:t>18.06.2017</a:t>
             </a:fld>
             <a:endParaRPr lang="pl-PL" dirty="0"/>
           </a:p>
@@ -45247,7 +45251,7 @@
             <a:fld id="{EDF33987-6305-4E2A-BF18-EF013ECE927B}" type="datetimeFigureOut">
               <a:rPr lang="pl-PL" smtClean="0"/>
               <a:pPr/>
-              <a:t>16.06.2017</a:t>
+              <a:t>18.06.2017</a:t>
             </a:fld>
             <a:endParaRPr lang="pl-PL" dirty="0"/>
           </a:p>
@@ -45356,7 +45360,7 @@
             <a:fld id="{EDF33987-6305-4E2A-BF18-EF013ECE927B}" type="datetimeFigureOut">
               <a:rPr lang="pl-PL" smtClean="0"/>
               <a:pPr/>
-              <a:t>16.06.2017</a:t>
+              <a:t>18.06.2017</a:t>
             </a:fld>
             <a:endParaRPr lang="pl-PL" dirty="0"/>
           </a:p>
@@ -45725,7 +45729,7 @@
             <a:fld id="{EDF33987-6305-4E2A-BF18-EF013ECE927B}" type="datetimeFigureOut">
               <a:rPr lang="pl-PL" smtClean="0"/>
               <a:pPr/>
-              <a:t>16.06.2017</a:t>
+              <a:t>18.06.2017</a:t>
             </a:fld>
             <a:endParaRPr lang="pl-PL" dirty="0"/>
           </a:p>
@@ -46087,7 +46091,7 @@
             <a:fld id="{EDF33987-6305-4E2A-BF18-EF013ECE927B}" type="datetimeFigureOut">
               <a:rPr lang="pl-PL" smtClean="0"/>
               <a:pPr/>
-              <a:t>16.06.2017</a:t>
+              <a:t>18.06.2017</a:t>
             </a:fld>
             <a:endParaRPr lang="pl-PL" dirty="0"/>
           </a:p>
@@ -46334,7 +46338,7 @@
             <a:fld id="{EDF33987-6305-4E2A-BF18-EF013ECE927B}" type="datetimeFigureOut">
               <a:rPr lang="pl-PL" smtClean="0"/>
               <a:pPr/>
-              <a:t>16.06.2017</a:t>
+              <a:t>18.06.2017</a:t>
             </a:fld>
             <a:endParaRPr lang="pl-PL" dirty="0"/>
           </a:p>
@@ -47073,6 +47077,21 @@
             <a:endParaRPr lang="pl-PL" dirty="0"/>
           </a:p>
           <a:p>
+            <a:pPr lvl="1"/>
+            <a:r>
+              <a:rPr lang="pl-PL" dirty="0"/>
+              <a:t>D3</a:t>
+            </a:r>
+          </a:p>
+          <a:p>
+            <a:pPr lvl="1"/>
+            <a:r>
+              <a:rPr lang="pl-PL" dirty="0" err="1"/>
+              <a:t>Plotly</a:t>
+            </a:r>
+            <a:endParaRPr lang="pl-PL" dirty="0"/>
+          </a:p>
+          <a:p>
             <a:r>
               <a:rPr lang="pl-PL" dirty="0"/>
               <a:t>jQuery</a:t>
@@ -47108,7 +47127,7 @@
         </p:blipFill>
         <p:spPr>
           <a:xfrm>
-            <a:off x="-10955" y="1828800"/>
+            <a:off x="395536" y="4941168"/>
             <a:ext cx="9144000" cy="6104696"/>
           </a:xfrm>
           <a:prstGeom prst="rect">
@@ -47164,7 +47183,7 @@
                                     <p:cond delay="0"/>
                                   </p:stCondLst>
                                   <p:childTnLst>
-                                    <p:animMotion origin="layout" path="M -4.72222E-6 -4.07407E-6 L 0.00122 0.34491 " pathEditMode="relative" rAng="0" ptsTypes="AA">
+                                    <p:animMotion origin="layout" path="M 8.33333E-7 7.40741E-7 L 8.33333E-7 0.45023 " pathEditMode="relative" rAng="0" ptsTypes="AA">
                                       <p:cBhvr>
                                         <p:cTn id="6" dur="2000" fill="hold"/>
                                         <p:tgtEl>
@@ -47175,7 +47194,7 @@
                                           <p:attrName>ppt_y</p:attrName>
                                         </p:attrNameLst>
                                       </p:cBhvr>
-                                      <p:rCtr x="52" y="17245"/>
+                                      <p:rCtr x="0" y="22500"/>
                                     </p:animMotion>
                                   </p:childTnLst>
                                 </p:cTn>
@@ -47249,7 +47268,10 @@
           <a:bodyPr/>
           <a:lstStyle/>
           <a:p>
-            <a:endParaRPr lang="pl-PL" dirty="0"/>
+            <a:r>
+              <a:rPr lang="pl-PL" dirty="0"/>
+              <a:t>Demo</a:t>
+            </a:r>
           </a:p>
         </p:txBody>
       </p:sp>

--- a/DataDraw.pptx
+++ b/DataDraw.pptx
@@ -47087,6 +47087,14 @@
             <a:pPr lvl="1"/>
             <a:r>
               <a:rPr lang="pl-PL" dirty="0" err="1"/>
+              <a:t>Highcharts</a:t>
+            </a:r>
+            <a:endParaRPr lang="pl-PL" dirty="0"/>
+          </a:p>
+          <a:p>
+            <a:pPr lvl="1"/>
+            <a:r>
+              <a:rPr lang="pl-PL" dirty="0" err="1"/>
               <a:t>Plotly</a:t>
             </a:r>
             <a:endParaRPr lang="pl-PL" dirty="0"/>
@@ -47127,8 +47135,8 @@
         </p:blipFill>
         <p:spPr>
           <a:xfrm>
-            <a:off x="395536" y="4941168"/>
-            <a:ext cx="9144000" cy="6104696"/>
+            <a:off x="0" y="1600200"/>
+            <a:ext cx="9144000" cy="6725344"/>
           </a:xfrm>
           <a:prstGeom prst="rect">
             <a:avLst/>
@@ -47183,7 +47191,7 @@
                                     <p:cond delay="0"/>
                                   </p:stCondLst>
                                   <p:childTnLst>
-                                    <p:animMotion origin="layout" path="M 8.33333E-7 7.40741E-7 L 8.33333E-7 0.45023 " pathEditMode="relative" rAng="0" ptsTypes="AA">
+                                    <p:animMotion origin="layout" path="M 0 -1.11111E-6 L 0 0.53241 " pathEditMode="relative" rAng="0" ptsTypes="AA">
                                       <p:cBhvr>
                                         <p:cTn id="6" dur="2000" fill="hold"/>
                                         <p:tgtEl>
@@ -47194,7 +47202,7 @@
                                           <p:attrName>ppt_y</p:attrName>
                                         </p:attrNameLst>
                                       </p:cBhvr>
-                                      <p:rCtr x="0" y="22500"/>
+                                      <p:rCtr x="0" y="26620"/>
                                     </p:animMotion>
                                   </p:childTnLst>
                                 </p:cTn>

--- a/DataDraw.pptx
+++ b/DataDraw.pptx
@@ -5,16 +5,17 @@
     <p:sldMasterId id="2147483648" r:id="rId2"/>
   </p:sldMasterIdLst>
   <p:notesMasterIdLst>
-    <p:notesMasterId r:id="rId7"/>
+    <p:notesMasterId r:id="rId8"/>
   </p:notesMasterIdLst>
   <p:handoutMasterIdLst>
-    <p:handoutMasterId r:id="rId8"/>
+    <p:handoutMasterId r:id="rId9"/>
   </p:handoutMasterIdLst>
   <p:sldIdLst>
     <p:sldId id="256" r:id="rId3"/>
     <p:sldId id="257" r:id="rId4"/>
-    <p:sldId id="258" r:id="rId5"/>
-    <p:sldId id="259" r:id="rId6"/>
+    <p:sldId id="260" r:id="rId5"/>
+    <p:sldId id="258" r:id="rId6"/>
+    <p:sldId id="259" r:id="rId7"/>
   </p:sldIdLst>
   <p:sldSz cx="9144000" cy="6858000" type="screen4x3"/>
   <p:notesSz cx="6858000" cy="9144000"/>
@@ -215,6 +216,2564 @@
 <p1510:revInfo xmlns:a="http://schemas.openxmlformats.org/drawingml/2006/main" xmlns:r="http://schemas.openxmlformats.org/officeDocument/2006/relationships" xmlns:p1510="http://schemas.microsoft.com/office/powerpoint/2015/10/main"/>
 </file>
 
+<file path=ppt/diagrams/colors1.xml><?xml version="1.0" encoding="utf-8"?>
+<dgm:colorsDef xmlns:dgm="http://schemas.openxmlformats.org/drawingml/2006/diagram" xmlns:a="http://schemas.openxmlformats.org/drawingml/2006/main" uniqueId="urn:microsoft.com/office/officeart/2005/8/colors/accent0_1">
+  <dgm:title val=""/>
+  <dgm:desc val=""/>
+  <dgm:catLst>
+    <dgm:cat type="mainScheme" pri="10100"/>
+  </dgm:catLst>
+  <dgm:styleLbl name="node0">
+    <dgm:fillClrLst meth="repeat">
+      <a:schemeClr val="lt1"/>
+    </dgm:fillClrLst>
+    <dgm:linClrLst meth="repeat">
+      <a:schemeClr val="dk1">
+        <a:shade val="80000"/>
+      </a:schemeClr>
+    </dgm:linClrLst>
+    <dgm:effectClrLst/>
+    <dgm:txLinClrLst/>
+    <dgm:txFillClrLst meth="repeat">
+      <a:schemeClr val="dk1"/>
+    </dgm:txFillClrLst>
+    <dgm:txEffectClrLst/>
+  </dgm:styleLbl>
+  <dgm:styleLbl name="node1">
+    <dgm:fillClrLst meth="repeat">
+      <a:schemeClr val="lt1"/>
+    </dgm:fillClrLst>
+    <dgm:linClrLst meth="repeat">
+      <a:schemeClr val="dk1">
+        <a:shade val="80000"/>
+      </a:schemeClr>
+    </dgm:linClrLst>
+    <dgm:effectClrLst/>
+    <dgm:txLinClrLst/>
+    <dgm:txFillClrLst meth="repeat">
+      <a:schemeClr val="dk1"/>
+    </dgm:txFillClrLst>
+    <dgm:txEffectClrLst/>
+  </dgm:styleLbl>
+  <dgm:styleLbl name="alignNode1">
+    <dgm:fillClrLst meth="repeat">
+      <a:schemeClr val="lt1"/>
+    </dgm:fillClrLst>
+    <dgm:linClrLst meth="repeat">
+      <a:schemeClr val="dk1">
+        <a:shade val="80000"/>
+      </a:schemeClr>
+    </dgm:linClrLst>
+    <dgm:effectClrLst/>
+    <dgm:txLinClrLst/>
+    <dgm:txFillClrLst meth="repeat">
+      <a:schemeClr val="dk1"/>
+    </dgm:txFillClrLst>
+    <dgm:txEffectClrLst/>
+  </dgm:styleLbl>
+  <dgm:styleLbl name="lnNode1">
+    <dgm:fillClrLst meth="repeat">
+      <a:schemeClr val="lt1"/>
+    </dgm:fillClrLst>
+    <dgm:linClrLst meth="repeat">
+      <a:schemeClr val="dk1">
+        <a:shade val="80000"/>
+      </a:schemeClr>
+    </dgm:linClrLst>
+    <dgm:effectClrLst/>
+    <dgm:txLinClrLst/>
+    <dgm:txFillClrLst meth="repeat">
+      <a:schemeClr val="dk1"/>
+    </dgm:txFillClrLst>
+    <dgm:txEffectClrLst/>
+  </dgm:styleLbl>
+  <dgm:styleLbl name="vennNode1">
+    <dgm:fillClrLst meth="repeat">
+      <a:schemeClr val="lt1">
+        <a:alpha val="50000"/>
+      </a:schemeClr>
+    </dgm:fillClrLst>
+    <dgm:linClrLst meth="repeat">
+      <a:schemeClr val="dk1">
+        <a:shade val="80000"/>
+      </a:schemeClr>
+    </dgm:linClrLst>
+    <dgm:effectClrLst/>
+    <dgm:txLinClrLst/>
+    <dgm:txFillClrLst/>
+    <dgm:txEffectClrLst/>
+  </dgm:styleLbl>
+  <dgm:styleLbl name="node2">
+    <dgm:fillClrLst meth="repeat">
+      <a:schemeClr val="lt1"/>
+    </dgm:fillClrLst>
+    <dgm:linClrLst meth="repeat">
+      <a:schemeClr val="dk1">
+        <a:shade val="80000"/>
+      </a:schemeClr>
+    </dgm:linClrLst>
+    <dgm:effectClrLst/>
+    <dgm:txLinClrLst/>
+    <dgm:txFillClrLst meth="repeat">
+      <a:schemeClr val="dk1"/>
+    </dgm:txFillClrLst>
+    <dgm:txEffectClrLst/>
+  </dgm:styleLbl>
+  <dgm:styleLbl name="node3">
+    <dgm:fillClrLst meth="repeat">
+      <a:schemeClr val="lt1"/>
+    </dgm:fillClrLst>
+    <dgm:linClrLst meth="repeat">
+      <a:schemeClr val="dk1">
+        <a:shade val="80000"/>
+      </a:schemeClr>
+    </dgm:linClrLst>
+    <dgm:effectClrLst/>
+    <dgm:txLinClrLst/>
+    <dgm:txFillClrLst meth="repeat">
+      <a:schemeClr val="dk1"/>
+    </dgm:txFillClrLst>
+    <dgm:txEffectClrLst/>
+  </dgm:styleLbl>
+  <dgm:styleLbl name="node4">
+    <dgm:fillClrLst meth="repeat">
+      <a:schemeClr val="lt1"/>
+    </dgm:fillClrLst>
+    <dgm:linClrLst meth="repeat">
+      <a:schemeClr val="dk1">
+        <a:shade val="80000"/>
+      </a:schemeClr>
+    </dgm:linClrLst>
+    <dgm:effectClrLst/>
+    <dgm:txLinClrLst/>
+    <dgm:txFillClrLst meth="repeat">
+      <a:schemeClr val="dk1"/>
+    </dgm:txFillClrLst>
+    <dgm:txEffectClrLst/>
+  </dgm:styleLbl>
+  <dgm:styleLbl name="fgImgPlace1">
+    <dgm:fillClrLst meth="repeat">
+      <a:schemeClr val="dk1">
+        <a:tint val="40000"/>
+      </a:schemeClr>
+    </dgm:fillClrLst>
+    <dgm:linClrLst meth="repeat">
+      <a:schemeClr val="dk1">
+        <a:shade val="80000"/>
+      </a:schemeClr>
+    </dgm:linClrLst>
+    <dgm:effectClrLst/>
+    <dgm:txLinClrLst/>
+    <dgm:txFillClrLst meth="repeat">
+      <a:schemeClr val="lt1"/>
+    </dgm:txFillClrLst>
+    <dgm:txEffectClrLst/>
+  </dgm:styleLbl>
+  <dgm:styleLbl name="alignImgPlace1">
+    <dgm:fillClrLst meth="repeat">
+      <a:schemeClr val="dk1">
+        <a:tint val="40000"/>
+      </a:schemeClr>
+    </dgm:fillClrLst>
+    <dgm:linClrLst meth="repeat">
+      <a:schemeClr val="dk1">
+        <a:shade val="80000"/>
+      </a:schemeClr>
+    </dgm:linClrLst>
+    <dgm:effectClrLst/>
+    <dgm:txLinClrLst/>
+    <dgm:txFillClrLst meth="repeat">
+      <a:schemeClr val="lt1"/>
+    </dgm:txFillClrLst>
+    <dgm:txEffectClrLst/>
+  </dgm:styleLbl>
+  <dgm:styleLbl name="bgImgPlace1">
+    <dgm:fillClrLst meth="repeat">
+      <a:schemeClr val="dk1">
+        <a:tint val="40000"/>
+      </a:schemeClr>
+    </dgm:fillClrLst>
+    <dgm:linClrLst meth="repeat">
+      <a:schemeClr val="dk1">
+        <a:shade val="80000"/>
+      </a:schemeClr>
+    </dgm:linClrLst>
+    <dgm:effectClrLst/>
+    <dgm:txLinClrLst/>
+    <dgm:txFillClrLst meth="repeat">
+      <a:schemeClr val="lt1"/>
+    </dgm:txFillClrLst>
+    <dgm:txEffectClrLst/>
+  </dgm:styleLbl>
+  <dgm:styleLbl name="sibTrans2D1">
+    <dgm:fillClrLst meth="repeat">
+      <a:schemeClr val="dk1">
+        <a:tint val="60000"/>
+      </a:schemeClr>
+    </dgm:fillClrLst>
+    <dgm:linClrLst meth="repeat">
+      <a:schemeClr val="dk1">
+        <a:tint val="60000"/>
+      </a:schemeClr>
+    </dgm:linClrLst>
+    <dgm:effectClrLst/>
+    <dgm:txLinClrLst/>
+    <dgm:txFillClrLst meth="repeat">
+      <a:schemeClr val="dk1"/>
+    </dgm:txFillClrLst>
+    <dgm:txEffectClrLst/>
+  </dgm:styleLbl>
+  <dgm:styleLbl name="fgSibTrans2D1">
+    <dgm:fillClrLst meth="repeat">
+      <a:schemeClr val="dk1">
+        <a:tint val="60000"/>
+      </a:schemeClr>
+    </dgm:fillClrLst>
+    <dgm:linClrLst meth="repeat">
+      <a:schemeClr val="dk1">
+        <a:tint val="60000"/>
+      </a:schemeClr>
+    </dgm:linClrLst>
+    <dgm:effectClrLst/>
+    <dgm:txLinClrLst/>
+    <dgm:txFillClrLst meth="repeat">
+      <a:schemeClr val="dk1"/>
+    </dgm:txFillClrLst>
+    <dgm:txEffectClrLst/>
+  </dgm:styleLbl>
+  <dgm:styleLbl name="bgSibTrans2D1">
+    <dgm:fillClrLst meth="repeat">
+      <a:schemeClr val="dk1">
+        <a:tint val="60000"/>
+      </a:schemeClr>
+    </dgm:fillClrLst>
+    <dgm:linClrLst meth="repeat">
+      <a:schemeClr val="dk1">
+        <a:tint val="60000"/>
+      </a:schemeClr>
+    </dgm:linClrLst>
+    <dgm:effectClrLst/>
+    <dgm:txLinClrLst/>
+    <dgm:txFillClrLst meth="repeat">
+      <a:schemeClr val="dk1"/>
+    </dgm:txFillClrLst>
+    <dgm:txEffectClrLst/>
+  </dgm:styleLbl>
+  <dgm:styleLbl name="sibTrans1D1">
+    <dgm:fillClrLst meth="repeat">
+      <a:schemeClr val="dk1"/>
+    </dgm:fillClrLst>
+    <dgm:linClrLst meth="repeat">
+      <a:schemeClr val="dk1"/>
+    </dgm:linClrLst>
+    <dgm:effectClrLst/>
+    <dgm:txLinClrLst/>
+    <dgm:txFillClrLst meth="repeat">
+      <a:schemeClr val="tx1"/>
+    </dgm:txFillClrLst>
+    <dgm:txEffectClrLst/>
+  </dgm:styleLbl>
+  <dgm:styleLbl name="callout">
+    <dgm:fillClrLst meth="repeat">
+      <a:schemeClr val="dk1"/>
+    </dgm:fillClrLst>
+    <dgm:linClrLst meth="repeat">
+      <a:schemeClr val="dk1"/>
+    </dgm:linClrLst>
+    <dgm:effectClrLst/>
+    <dgm:txLinClrLst/>
+    <dgm:txFillClrLst meth="repeat">
+      <a:schemeClr val="tx1"/>
+    </dgm:txFillClrLst>
+    <dgm:txEffectClrLst/>
+  </dgm:styleLbl>
+  <dgm:styleLbl name="asst0">
+    <dgm:fillClrLst meth="repeat">
+      <a:schemeClr val="lt1"/>
+    </dgm:fillClrLst>
+    <dgm:linClrLst meth="repeat">
+      <a:schemeClr val="dk1">
+        <a:shade val="80000"/>
+      </a:schemeClr>
+    </dgm:linClrLst>
+    <dgm:effectClrLst/>
+    <dgm:txLinClrLst/>
+    <dgm:txFillClrLst meth="repeat">
+      <a:schemeClr val="dk1"/>
+    </dgm:txFillClrLst>
+    <dgm:txEffectClrLst/>
+  </dgm:styleLbl>
+  <dgm:styleLbl name="asst1">
+    <dgm:fillClrLst meth="repeat">
+      <a:schemeClr val="lt1"/>
+    </dgm:fillClrLst>
+    <dgm:linClrLst meth="repeat">
+      <a:schemeClr val="dk1">
+        <a:shade val="80000"/>
+      </a:schemeClr>
+    </dgm:linClrLst>
+    <dgm:effectClrLst/>
+    <dgm:txLinClrLst/>
+    <dgm:txFillClrLst meth="repeat">
+      <a:schemeClr val="dk1"/>
+    </dgm:txFillClrLst>
+    <dgm:txEffectClrLst/>
+  </dgm:styleLbl>
+  <dgm:styleLbl name="asst2">
+    <dgm:fillClrLst meth="repeat">
+      <a:schemeClr val="lt1"/>
+    </dgm:fillClrLst>
+    <dgm:linClrLst meth="repeat">
+      <a:schemeClr val="dk1">
+        <a:shade val="80000"/>
+      </a:schemeClr>
+    </dgm:linClrLst>
+    <dgm:effectClrLst/>
+    <dgm:txLinClrLst/>
+    <dgm:txFillClrLst meth="repeat">
+      <a:schemeClr val="dk1"/>
+    </dgm:txFillClrLst>
+    <dgm:txEffectClrLst/>
+  </dgm:styleLbl>
+  <dgm:styleLbl name="asst3">
+    <dgm:fillClrLst meth="repeat">
+      <a:schemeClr val="lt1"/>
+    </dgm:fillClrLst>
+    <dgm:linClrLst meth="repeat">
+      <a:schemeClr val="dk1">
+        <a:shade val="80000"/>
+      </a:schemeClr>
+    </dgm:linClrLst>
+    <dgm:effectClrLst/>
+    <dgm:txLinClrLst/>
+    <dgm:txFillClrLst meth="repeat">
+      <a:schemeClr val="dk1"/>
+    </dgm:txFillClrLst>
+    <dgm:txEffectClrLst/>
+  </dgm:styleLbl>
+  <dgm:styleLbl name="asst4">
+    <dgm:fillClrLst meth="repeat">
+      <a:schemeClr val="lt1"/>
+    </dgm:fillClrLst>
+    <dgm:linClrLst meth="repeat">
+      <a:schemeClr val="dk1">
+        <a:shade val="80000"/>
+      </a:schemeClr>
+    </dgm:linClrLst>
+    <dgm:effectClrLst/>
+    <dgm:txLinClrLst/>
+    <dgm:txFillClrLst meth="repeat">
+      <a:schemeClr val="dk1"/>
+    </dgm:txFillClrLst>
+    <dgm:txEffectClrLst/>
+  </dgm:styleLbl>
+  <dgm:styleLbl name="parChTrans2D1">
+    <dgm:fillClrLst meth="repeat">
+      <a:schemeClr val="dk1">
+        <a:tint val="60000"/>
+      </a:schemeClr>
+    </dgm:fillClrLst>
+    <dgm:linClrLst meth="repeat">
+      <a:schemeClr val="dk1">
+        <a:tint val="60000"/>
+      </a:schemeClr>
+    </dgm:linClrLst>
+    <dgm:effectClrLst/>
+    <dgm:txLinClrLst/>
+    <dgm:txFillClrLst/>
+    <dgm:txEffectClrLst/>
+  </dgm:styleLbl>
+  <dgm:styleLbl name="parChTrans2D2">
+    <dgm:fillClrLst meth="repeat">
+      <a:schemeClr val="dk1"/>
+    </dgm:fillClrLst>
+    <dgm:linClrLst meth="repeat">
+      <a:schemeClr val="dk1"/>
+    </dgm:linClrLst>
+    <dgm:effectClrLst/>
+    <dgm:txLinClrLst/>
+    <dgm:txFillClrLst/>
+    <dgm:txEffectClrLst/>
+  </dgm:styleLbl>
+  <dgm:styleLbl name="parChTrans2D3">
+    <dgm:fillClrLst meth="repeat">
+      <a:schemeClr val="dk1"/>
+    </dgm:fillClrLst>
+    <dgm:linClrLst meth="repeat">
+      <a:schemeClr val="dk1"/>
+    </dgm:linClrLst>
+    <dgm:effectClrLst/>
+    <dgm:txLinClrLst/>
+    <dgm:txFillClrLst/>
+    <dgm:txEffectClrLst/>
+  </dgm:styleLbl>
+  <dgm:styleLbl name="parChTrans2D4">
+    <dgm:fillClrLst meth="repeat">
+      <a:schemeClr val="dk1"/>
+    </dgm:fillClrLst>
+    <dgm:linClrLst meth="repeat">
+      <a:schemeClr val="dk1"/>
+    </dgm:linClrLst>
+    <dgm:effectClrLst/>
+    <dgm:txLinClrLst/>
+    <dgm:txFillClrLst meth="repeat">
+      <a:schemeClr val="lt1"/>
+    </dgm:txFillClrLst>
+    <dgm:txEffectClrLst/>
+  </dgm:styleLbl>
+  <dgm:styleLbl name="parChTrans1D1">
+    <dgm:fillClrLst meth="repeat">
+      <a:schemeClr val="dk1"/>
+    </dgm:fillClrLst>
+    <dgm:linClrLst meth="repeat">
+      <a:schemeClr val="dk1">
+        <a:shade val="60000"/>
+      </a:schemeClr>
+    </dgm:linClrLst>
+    <dgm:effectClrLst/>
+    <dgm:txLinClrLst/>
+    <dgm:txFillClrLst meth="repeat">
+      <a:schemeClr val="tx1"/>
+    </dgm:txFillClrLst>
+    <dgm:txEffectClrLst/>
+  </dgm:styleLbl>
+  <dgm:styleLbl name="parChTrans1D2">
+    <dgm:fillClrLst meth="repeat">
+      <a:schemeClr val="dk1"/>
+    </dgm:fillClrLst>
+    <dgm:linClrLst meth="repeat">
+      <a:schemeClr val="dk1">
+        <a:shade val="60000"/>
+      </a:schemeClr>
+    </dgm:linClrLst>
+    <dgm:effectClrLst/>
+    <dgm:txLinClrLst/>
+    <dgm:txFillClrLst meth="repeat">
+      <a:schemeClr val="tx1"/>
+    </dgm:txFillClrLst>
+    <dgm:txEffectClrLst/>
+  </dgm:styleLbl>
+  <dgm:styleLbl name="parChTrans1D3">
+    <dgm:fillClrLst meth="repeat">
+      <a:schemeClr val="dk1"/>
+    </dgm:fillClrLst>
+    <dgm:linClrLst meth="repeat">
+      <a:schemeClr val="dk1">
+        <a:shade val="80000"/>
+      </a:schemeClr>
+    </dgm:linClrLst>
+    <dgm:effectClrLst/>
+    <dgm:txLinClrLst/>
+    <dgm:txFillClrLst meth="repeat">
+      <a:schemeClr val="tx1"/>
+    </dgm:txFillClrLst>
+    <dgm:txEffectClrLst/>
+  </dgm:styleLbl>
+  <dgm:styleLbl name="parChTrans1D4">
+    <dgm:fillClrLst meth="repeat">
+      <a:schemeClr val="dk1"/>
+    </dgm:fillClrLst>
+    <dgm:linClrLst meth="repeat">
+      <a:schemeClr val="dk1">
+        <a:shade val="80000"/>
+      </a:schemeClr>
+    </dgm:linClrLst>
+    <dgm:effectClrLst/>
+    <dgm:txLinClrLst/>
+    <dgm:txFillClrLst meth="repeat">
+      <a:schemeClr val="tx1"/>
+    </dgm:txFillClrLst>
+    <dgm:txEffectClrLst/>
+  </dgm:styleLbl>
+  <dgm:styleLbl name="fgAcc1">
+    <dgm:fillClrLst meth="repeat">
+      <a:schemeClr val="dk1">
+        <a:alpha val="90000"/>
+        <a:tint val="40000"/>
+      </a:schemeClr>
+    </dgm:fillClrLst>
+    <dgm:linClrLst meth="repeat">
+      <a:schemeClr val="dk1"/>
+    </dgm:linClrLst>
+    <dgm:effectClrLst/>
+    <dgm:txLinClrLst/>
+    <dgm:txFillClrLst meth="repeat">
+      <a:schemeClr val="dk1"/>
+    </dgm:txFillClrLst>
+    <dgm:txEffectClrLst/>
+  </dgm:styleLbl>
+  <dgm:styleLbl name="conFgAcc1">
+    <dgm:fillClrLst meth="repeat">
+      <a:schemeClr val="dk1">
+        <a:alpha val="90000"/>
+        <a:tint val="40000"/>
+      </a:schemeClr>
+    </dgm:fillClrLst>
+    <dgm:linClrLst meth="repeat">
+      <a:schemeClr val="dk1"/>
+    </dgm:linClrLst>
+    <dgm:effectClrLst/>
+    <dgm:txLinClrLst/>
+    <dgm:txFillClrLst meth="repeat">
+      <a:schemeClr val="dk1"/>
+    </dgm:txFillClrLst>
+    <dgm:txEffectClrLst/>
+  </dgm:styleLbl>
+  <dgm:styleLbl name="alignAcc1">
+    <dgm:fillClrLst meth="repeat">
+      <a:schemeClr val="dk1">
+        <a:alpha val="90000"/>
+        <a:tint val="40000"/>
+      </a:schemeClr>
+    </dgm:fillClrLst>
+    <dgm:linClrLst meth="repeat">
+      <a:schemeClr val="dk1"/>
+    </dgm:linClrLst>
+    <dgm:effectClrLst/>
+    <dgm:txLinClrLst/>
+    <dgm:txFillClrLst meth="repeat">
+      <a:schemeClr val="dk1"/>
+    </dgm:txFillClrLst>
+    <dgm:txEffectClrLst/>
+  </dgm:styleLbl>
+  <dgm:styleLbl name="trAlignAcc1">
+    <dgm:fillClrLst meth="repeat">
+      <a:schemeClr val="dk1">
+        <a:alpha val="40000"/>
+        <a:tint val="40000"/>
+      </a:schemeClr>
+    </dgm:fillClrLst>
+    <dgm:linClrLst meth="repeat">
+      <a:schemeClr val="dk1"/>
+    </dgm:linClrLst>
+    <dgm:effectClrLst/>
+    <dgm:txLinClrLst/>
+    <dgm:txFillClrLst meth="repeat">
+      <a:schemeClr val="dk1"/>
+    </dgm:txFillClrLst>
+    <dgm:txEffectClrLst/>
+  </dgm:styleLbl>
+  <dgm:styleLbl name="bgAcc1">
+    <dgm:fillClrLst meth="repeat">
+      <a:schemeClr val="dk1">
+        <a:alpha val="90000"/>
+        <a:tint val="40000"/>
+      </a:schemeClr>
+    </dgm:fillClrLst>
+    <dgm:linClrLst meth="repeat">
+      <a:schemeClr val="dk1"/>
+    </dgm:linClrLst>
+    <dgm:effectClrLst/>
+    <dgm:txLinClrLst/>
+    <dgm:txFillClrLst meth="repeat">
+      <a:schemeClr val="dk1"/>
+    </dgm:txFillClrLst>
+    <dgm:txEffectClrLst/>
+  </dgm:styleLbl>
+  <dgm:styleLbl name="solidFgAcc1">
+    <dgm:fillClrLst meth="repeat">
+      <a:schemeClr val="lt1"/>
+    </dgm:fillClrLst>
+    <dgm:linClrLst meth="repeat">
+      <a:schemeClr val="dk1"/>
+    </dgm:linClrLst>
+    <dgm:effectClrLst/>
+    <dgm:txLinClrLst/>
+    <dgm:txFillClrLst meth="repeat">
+      <a:schemeClr val="dk1"/>
+    </dgm:txFillClrLst>
+    <dgm:txEffectClrLst/>
+  </dgm:styleLbl>
+  <dgm:styleLbl name="solidAlignAcc1">
+    <dgm:fillClrLst meth="repeat">
+      <a:schemeClr val="lt1"/>
+    </dgm:fillClrLst>
+    <dgm:linClrLst meth="repeat">
+      <a:schemeClr val="dk1"/>
+    </dgm:linClrLst>
+    <dgm:effectClrLst/>
+    <dgm:txLinClrLst/>
+    <dgm:txFillClrLst meth="repeat">
+      <a:schemeClr val="dk1"/>
+    </dgm:txFillClrLst>
+    <dgm:txEffectClrLst/>
+  </dgm:styleLbl>
+  <dgm:styleLbl name="solidBgAcc1">
+    <dgm:fillClrLst meth="repeat">
+      <a:schemeClr val="lt1"/>
+    </dgm:fillClrLst>
+    <dgm:linClrLst meth="repeat">
+      <a:schemeClr val="dk1"/>
+    </dgm:linClrLst>
+    <dgm:effectClrLst/>
+    <dgm:txLinClrLst/>
+    <dgm:txFillClrLst meth="repeat">
+      <a:schemeClr val="dk1"/>
+    </dgm:txFillClrLst>
+    <dgm:txEffectClrLst/>
+  </dgm:styleLbl>
+  <dgm:styleLbl name="fgAccFollowNode1">
+    <dgm:fillClrLst meth="repeat">
+      <a:schemeClr val="lt1">
+        <a:alpha val="90000"/>
+        <a:tint val="40000"/>
+      </a:schemeClr>
+    </dgm:fillClrLst>
+    <dgm:linClrLst meth="repeat">
+      <a:schemeClr val="dk1">
+        <a:alpha val="90000"/>
+      </a:schemeClr>
+    </dgm:linClrLst>
+    <dgm:effectClrLst/>
+    <dgm:txLinClrLst/>
+    <dgm:txFillClrLst meth="repeat">
+      <a:schemeClr val="dk1"/>
+    </dgm:txFillClrLst>
+    <dgm:txEffectClrLst/>
+  </dgm:styleLbl>
+  <dgm:styleLbl name="alignAccFollowNode1">
+    <dgm:fillClrLst meth="repeat">
+      <a:schemeClr val="lt1">
+        <a:alpha val="90000"/>
+        <a:tint val="40000"/>
+      </a:schemeClr>
+    </dgm:fillClrLst>
+    <dgm:linClrLst meth="repeat">
+      <a:schemeClr val="dk1">
+        <a:alpha val="90000"/>
+      </a:schemeClr>
+    </dgm:linClrLst>
+    <dgm:effectClrLst/>
+    <dgm:txLinClrLst/>
+    <dgm:txFillClrLst meth="repeat">
+      <a:schemeClr val="dk1"/>
+    </dgm:txFillClrLst>
+    <dgm:txEffectClrLst/>
+  </dgm:styleLbl>
+  <dgm:styleLbl name="bgAccFollowNode1">
+    <dgm:fillClrLst meth="repeat">
+      <a:schemeClr val="lt1">
+        <a:alpha val="90000"/>
+        <a:tint val="40000"/>
+      </a:schemeClr>
+    </dgm:fillClrLst>
+    <dgm:linClrLst meth="repeat">
+      <a:schemeClr val="dk1">
+        <a:alpha val="90000"/>
+      </a:schemeClr>
+    </dgm:linClrLst>
+    <dgm:effectClrLst/>
+    <dgm:txLinClrLst/>
+    <dgm:txFillClrLst meth="repeat">
+      <a:schemeClr val="dk1"/>
+    </dgm:txFillClrLst>
+    <dgm:txEffectClrLst/>
+  </dgm:styleLbl>
+  <dgm:styleLbl name="fgAcc0">
+    <dgm:fillClrLst meth="repeat">
+      <a:schemeClr val="dk1">
+        <a:alpha val="90000"/>
+        <a:tint val="40000"/>
+      </a:schemeClr>
+    </dgm:fillClrLst>
+    <dgm:linClrLst meth="repeat">
+      <a:schemeClr val="dk1"/>
+    </dgm:linClrLst>
+    <dgm:effectClrLst/>
+    <dgm:txLinClrLst/>
+    <dgm:txFillClrLst meth="repeat">
+      <a:schemeClr val="dk1"/>
+    </dgm:txFillClrLst>
+    <dgm:txEffectClrLst/>
+  </dgm:styleLbl>
+  <dgm:styleLbl name="fgAcc2">
+    <dgm:fillClrLst meth="repeat">
+      <a:schemeClr val="dk1">
+        <a:alpha val="90000"/>
+        <a:tint val="40000"/>
+      </a:schemeClr>
+    </dgm:fillClrLst>
+    <dgm:linClrLst meth="repeat">
+      <a:schemeClr val="dk1"/>
+    </dgm:linClrLst>
+    <dgm:effectClrLst/>
+    <dgm:txLinClrLst/>
+    <dgm:txFillClrLst meth="repeat">
+      <a:schemeClr val="dk1"/>
+    </dgm:txFillClrLst>
+    <dgm:txEffectClrLst/>
+  </dgm:styleLbl>
+  <dgm:styleLbl name="fgAcc3">
+    <dgm:fillClrLst meth="repeat">
+      <a:schemeClr val="dk1">
+        <a:alpha val="90000"/>
+        <a:tint val="40000"/>
+      </a:schemeClr>
+    </dgm:fillClrLst>
+    <dgm:linClrLst meth="repeat">
+      <a:schemeClr val="dk1"/>
+    </dgm:linClrLst>
+    <dgm:effectClrLst/>
+    <dgm:txLinClrLst/>
+    <dgm:txFillClrLst meth="repeat">
+      <a:schemeClr val="dk1"/>
+    </dgm:txFillClrLst>
+    <dgm:txEffectClrLst/>
+  </dgm:styleLbl>
+  <dgm:styleLbl name="fgAcc4">
+    <dgm:fillClrLst meth="repeat">
+      <a:schemeClr val="dk1">
+        <a:alpha val="90000"/>
+        <a:tint val="40000"/>
+      </a:schemeClr>
+    </dgm:fillClrLst>
+    <dgm:linClrLst meth="repeat">
+      <a:schemeClr val="dk1"/>
+    </dgm:linClrLst>
+    <dgm:effectClrLst/>
+    <dgm:txLinClrLst/>
+    <dgm:txFillClrLst meth="repeat">
+      <a:schemeClr val="dk1"/>
+    </dgm:txFillClrLst>
+    <dgm:txEffectClrLst/>
+  </dgm:styleLbl>
+  <dgm:styleLbl name="bgShp">
+    <dgm:fillClrLst meth="repeat">
+      <a:schemeClr val="dk1">
+        <a:tint val="40000"/>
+      </a:schemeClr>
+    </dgm:fillClrLst>
+    <dgm:linClrLst meth="repeat">
+      <a:schemeClr val="dk1"/>
+    </dgm:linClrLst>
+    <dgm:effectClrLst/>
+    <dgm:txLinClrLst/>
+    <dgm:txFillClrLst meth="repeat">
+      <a:schemeClr val="dk1"/>
+    </dgm:txFillClrLst>
+    <dgm:txEffectClrLst/>
+  </dgm:styleLbl>
+  <dgm:styleLbl name="dkBgShp">
+    <dgm:fillClrLst meth="repeat">
+      <a:schemeClr val="dk1">
+        <a:shade val="80000"/>
+      </a:schemeClr>
+    </dgm:fillClrLst>
+    <dgm:linClrLst meth="repeat">
+      <a:schemeClr val="dk1"/>
+    </dgm:linClrLst>
+    <dgm:effectClrLst/>
+    <dgm:txLinClrLst/>
+    <dgm:txFillClrLst meth="repeat">
+      <a:schemeClr val="lt1"/>
+    </dgm:txFillClrLst>
+    <dgm:txEffectClrLst/>
+  </dgm:styleLbl>
+  <dgm:styleLbl name="trBgShp">
+    <dgm:fillClrLst meth="repeat">
+      <a:schemeClr val="dk1">
+        <a:tint val="50000"/>
+        <a:alpha val="40000"/>
+      </a:schemeClr>
+    </dgm:fillClrLst>
+    <dgm:linClrLst meth="repeat">
+      <a:schemeClr val="dk1"/>
+    </dgm:linClrLst>
+    <dgm:effectClrLst/>
+    <dgm:txLinClrLst/>
+    <dgm:txFillClrLst meth="repeat">
+      <a:schemeClr val="lt1"/>
+    </dgm:txFillClrLst>
+    <dgm:txEffectClrLst/>
+  </dgm:styleLbl>
+  <dgm:styleLbl name="fgShp">
+    <dgm:fillClrLst meth="repeat">
+      <a:schemeClr val="dk1">
+        <a:tint val="60000"/>
+      </a:schemeClr>
+    </dgm:fillClrLst>
+    <dgm:linClrLst meth="repeat">
+      <a:schemeClr val="lt1"/>
+    </dgm:linClrLst>
+    <dgm:effectClrLst/>
+    <dgm:txLinClrLst/>
+    <dgm:txFillClrLst meth="repeat">
+      <a:schemeClr val="dk1"/>
+    </dgm:txFillClrLst>
+    <dgm:txEffectClrLst/>
+  </dgm:styleLbl>
+  <dgm:styleLbl name="revTx">
+    <dgm:fillClrLst meth="repeat">
+      <a:schemeClr val="lt1">
+        <a:alpha val="0"/>
+      </a:schemeClr>
+    </dgm:fillClrLst>
+    <dgm:linClrLst meth="repeat">
+      <a:schemeClr val="dk1">
+        <a:alpha val="0"/>
+      </a:schemeClr>
+    </dgm:linClrLst>
+    <dgm:effectClrLst/>
+    <dgm:txLinClrLst/>
+    <dgm:txFillClrLst meth="repeat">
+      <a:schemeClr val="tx1"/>
+    </dgm:txFillClrLst>
+    <dgm:txEffectClrLst/>
+  </dgm:styleLbl>
+</dgm:colorsDef>
+</file>
+
+<file path=ppt/diagrams/data1.xml><?xml version="1.0" encoding="utf-8"?>
+<dgm:dataModel xmlns:dgm="http://schemas.openxmlformats.org/drawingml/2006/diagram" xmlns:a="http://schemas.openxmlformats.org/drawingml/2006/main">
+  <dgm:ptLst>
+    <dgm:pt modelId="{3D86B2DE-F19A-48BF-8E34-512CB0AC97D3}" type="doc">
+      <dgm:prSet loTypeId="urn:microsoft.com/office/officeart/2005/8/layout/chevron1" loCatId="process" qsTypeId="urn:microsoft.com/office/officeart/2005/8/quickstyle/simple1" qsCatId="simple" csTypeId="urn:microsoft.com/office/officeart/2005/8/colors/accent0_1" csCatId="mainScheme" phldr="1"/>
+      <dgm:spPr/>
+    </dgm:pt>
+    <dgm:pt modelId="{60F4C772-B472-4CD4-99A0-7A1F0D372B86}">
+      <dgm:prSet phldrT="[Tekst]"/>
+      <dgm:spPr/>
+      <dgm:t>
+        <a:bodyPr/>
+        <a:lstStyle/>
+        <a:p>
+          <a:r>
+            <a:rPr lang="pl-PL" dirty="0"/>
+            <a:t>JSON</a:t>
+          </a:r>
+        </a:p>
+      </dgm:t>
+    </dgm:pt>
+    <dgm:pt modelId="{D676C0D2-1109-4FA2-9982-1625EEF62191}" type="parTrans" cxnId="{D8E8CC5A-A6B1-46F7-820A-AA77EF54B924}">
+      <dgm:prSet/>
+      <dgm:spPr/>
+      <dgm:t>
+        <a:bodyPr/>
+        <a:lstStyle/>
+        <a:p>
+          <a:endParaRPr lang="pl-PL"/>
+        </a:p>
+      </dgm:t>
+    </dgm:pt>
+    <dgm:pt modelId="{310C3BEC-1C9A-493D-8F30-207DCF7E05B5}" type="sibTrans" cxnId="{D8E8CC5A-A6B1-46F7-820A-AA77EF54B924}">
+      <dgm:prSet/>
+      <dgm:spPr/>
+      <dgm:t>
+        <a:bodyPr/>
+        <a:lstStyle/>
+        <a:p>
+          <a:endParaRPr lang="pl-PL"/>
+        </a:p>
+      </dgm:t>
+    </dgm:pt>
+    <dgm:pt modelId="{109B5530-C3FE-4555-B075-8314746797C9}">
+      <dgm:prSet phldrT="[Tekst]"/>
+      <dgm:spPr/>
+      <dgm:t>
+        <a:bodyPr/>
+        <a:lstStyle/>
+        <a:p>
+          <a:r>
+            <a:rPr lang="pl-PL" dirty="0"/>
+            <a:t>Filtrowanie danych</a:t>
+          </a:r>
+        </a:p>
+      </dgm:t>
+    </dgm:pt>
+    <dgm:pt modelId="{7CE7CB5D-D52B-428E-AE42-E2483B421C21}" type="parTrans" cxnId="{5A72A89B-7FF8-4EEC-9FE8-DE1D3368C250}">
+      <dgm:prSet/>
+      <dgm:spPr/>
+      <dgm:t>
+        <a:bodyPr/>
+        <a:lstStyle/>
+        <a:p>
+          <a:endParaRPr lang="pl-PL"/>
+        </a:p>
+      </dgm:t>
+    </dgm:pt>
+    <dgm:pt modelId="{03FC9162-06F2-4D30-A97E-5C97CFBD2FC4}" type="sibTrans" cxnId="{5A72A89B-7FF8-4EEC-9FE8-DE1D3368C250}">
+      <dgm:prSet/>
+      <dgm:spPr/>
+      <dgm:t>
+        <a:bodyPr/>
+        <a:lstStyle/>
+        <a:p>
+          <a:endParaRPr lang="pl-PL"/>
+        </a:p>
+      </dgm:t>
+    </dgm:pt>
+    <dgm:pt modelId="{7AEDF44E-31FC-45F2-B3A4-B30043646798}">
+      <dgm:prSet phldrT="[Tekst]"/>
+      <dgm:spPr/>
+      <dgm:t>
+        <a:bodyPr/>
+        <a:lstStyle/>
+        <a:p>
+          <a:r>
+            <a:rPr lang="pl-PL" dirty="0"/>
+            <a:t>Wykres</a:t>
+          </a:r>
+        </a:p>
+      </dgm:t>
+    </dgm:pt>
+    <dgm:pt modelId="{8F8119DC-F054-4186-BEEA-F7B9B4C0D482}" type="parTrans" cxnId="{04CA2751-83B7-43B9-B002-72006139CC38}">
+      <dgm:prSet/>
+      <dgm:spPr/>
+      <dgm:t>
+        <a:bodyPr/>
+        <a:lstStyle/>
+        <a:p>
+          <a:endParaRPr lang="pl-PL"/>
+        </a:p>
+      </dgm:t>
+    </dgm:pt>
+    <dgm:pt modelId="{68652878-A09D-4DBB-AB87-41F4062A475E}" type="sibTrans" cxnId="{04CA2751-83B7-43B9-B002-72006139CC38}">
+      <dgm:prSet/>
+      <dgm:spPr/>
+      <dgm:t>
+        <a:bodyPr/>
+        <a:lstStyle/>
+        <a:p>
+          <a:endParaRPr lang="pl-PL"/>
+        </a:p>
+      </dgm:t>
+    </dgm:pt>
+    <dgm:pt modelId="{92CBD714-6573-4134-8D0E-BEFF9A6764F3}" type="pres">
+      <dgm:prSet presAssocID="{3D86B2DE-F19A-48BF-8E34-512CB0AC97D3}" presName="Name0" presStyleCnt="0">
+        <dgm:presLayoutVars>
+          <dgm:dir/>
+          <dgm:animLvl val="lvl"/>
+          <dgm:resizeHandles val="exact"/>
+        </dgm:presLayoutVars>
+      </dgm:prSet>
+      <dgm:spPr/>
+    </dgm:pt>
+    <dgm:pt modelId="{BB893978-DC76-4E23-85D6-B76CA96A881A}" type="pres">
+      <dgm:prSet presAssocID="{60F4C772-B472-4CD4-99A0-7A1F0D372B86}" presName="parTxOnly" presStyleLbl="node1" presStyleIdx="0" presStyleCnt="3">
+        <dgm:presLayoutVars>
+          <dgm:chMax val="0"/>
+          <dgm:chPref val="0"/>
+          <dgm:bulletEnabled val="1"/>
+        </dgm:presLayoutVars>
+      </dgm:prSet>
+      <dgm:spPr/>
+    </dgm:pt>
+    <dgm:pt modelId="{7085B0EE-828A-4BFA-A59E-217E4B36DFE4}" type="pres">
+      <dgm:prSet presAssocID="{310C3BEC-1C9A-493D-8F30-207DCF7E05B5}" presName="parTxOnlySpace" presStyleCnt="0"/>
+      <dgm:spPr/>
+    </dgm:pt>
+    <dgm:pt modelId="{88C0761A-ECE2-48AA-AE43-4F63F41AA821}" type="pres">
+      <dgm:prSet presAssocID="{109B5530-C3FE-4555-B075-8314746797C9}" presName="parTxOnly" presStyleLbl="node1" presStyleIdx="1" presStyleCnt="3">
+        <dgm:presLayoutVars>
+          <dgm:chMax val="0"/>
+          <dgm:chPref val="0"/>
+          <dgm:bulletEnabled val="1"/>
+        </dgm:presLayoutVars>
+      </dgm:prSet>
+      <dgm:spPr/>
+    </dgm:pt>
+    <dgm:pt modelId="{B752B8C2-95FF-4F39-BBA7-22548BDCE233}" type="pres">
+      <dgm:prSet presAssocID="{03FC9162-06F2-4D30-A97E-5C97CFBD2FC4}" presName="parTxOnlySpace" presStyleCnt="0"/>
+      <dgm:spPr/>
+    </dgm:pt>
+    <dgm:pt modelId="{30D56F37-DD1E-4C89-8FF7-D96A18DF1B02}" type="pres">
+      <dgm:prSet presAssocID="{7AEDF44E-31FC-45F2-B3A4-B30043646798}" presName="parTxOnly" presStyleLbl="node1" presStyleIdx="2" presStyleCnt="3">
+        <dgm:presLayoutVars>
+          <dgm:chMax val="0"/>
+          <dgm:chPref val="0"/>
+          <dgm:bulletEnabled val="1"/>
+        </dgm:presLayoutVars>
+      </dgm:prSet>
+      <dgm:spPr/>
+    </dgm:pt>
+  </dgm:ptLst>
+  <dgm:cxnLst>
+    <dgm:cxn modelId="{18DCAF20-53F0-4169-B6C1-4ACEB2498A10}" type="presOf" srcId="{109B5530-C3FE-4555-B075-8314746797C9}" destId="{88C0761A-ECE2-48AA-AE43-4F63F41AA821}" srcOrd="0" destOrd="0" presId="urn:microsoft.com/office/officeart/2005/8/layout/chevron1"/>
+    <dgm:cxn modelId="{9193CF62-CF53-40A6-8C61-55220B5398C4}" type="presOf" srcId="{3D86B2DE-F19A-48BF-8E34-512CB0AC97D3}" destId="{92CBD714-6573-4134-8D0E-BEFF9A6764F3}" srcOrd="0" destOrd="0" presId="urn:microsoft.com/office/officeart/2005/8/layout/chevron1"/>
+    <dgm:cxn modelId="{2BC6084E-1883-408F-8E92-AEE09142C391}" type="presOf" srcId="{7AEDF44E-31FC-45F2-B3A4-B30043646798}" destId="{30D56F37-DD1E-4C89-8FF7-D96A18DF1B02}" srcOrd="0" destOrd="0" presId="urn:microsoft.com/office/officeart/2005/8/layout/chevron1"/>
+    <dgm:cxn modelId="{04CA2751-83B7-43B9-B002-72006139CC38}" srcId="{3D86B2DE-F19A-48BF-8E34-512CB0AC97D3}" destId="{7AEDF44E-31FC-45F2-B3A4-B30043646798}" srcOrd="2" destOrd="0" parTransId="{8F8119DC-F054-4186-BEEA-F7B9B4C0D482}" sibTransId="{68652878-A09D-4DBB-AB87-41F4062A475E}"/>
+    <dgm:cxn modelId="{D8E8CC5A-A6B1-46F7-820A-AA77EF54B924}" srcId="{3D86B2DE-F19A-48BF-8E34-512CB0AC97D3}" destId="{60F4C772-B472-4CD4-99A0-7A1F0D372B86}" srcOrd="0" destOrd="0" parTransId="{D676C0D2-1109-4FA2-9982-1625EEF62191}" sibTransId="{310C3BEC-1C9A-493D-8F30-207DCF7E05B5}"/>
+    <dgm:cxn modelId="{5A72A89B-7FF8-4EEC-9FE8-DE1D3368C250}" srcId="{3D86B2DE-F19A-48BF-8E34-512CB0AC97D3}" destId="{109B5530-C3FE-4555-B075-8314746797C9}" srcOrd="1" destOrd="0" parTransId="{7CE7CB5D-D52B-428E-AE42-E2483B421C21}" sibTransId="{03FC9162-06F2-4D30-A97E-5C97CFBD2FC4}"/>
+    <dgm:cxn modelId="{EFD8A1AE-C3FC-4948-812F-EE89BFA121AE}" type="presOf" srcId="{60F4C772-B472-4CD4-99A0-7A1F0D372B86}" destId="{BB893978-DC76-4E23-85D6-B76CA96A881A}" srcOrd="0" destOrd="0" presId="urn:microsoft.com/office/officeart/2005/8/layout/chevron1"/>
+    <dgm:cxn modelId="{13BBC2E4-5109-45FB-9462-38047B9BB9C2}" type="presParOf" srcId="{92CBD714-6573-4134-8D0E-BEFF9A6764F3}" destId="{BB893978-DC76-4E23-85D6-B76CA96A881A}" srcOrd="0" destOrd="0" presId="urn:microsoft.com/office/officeart/2005/8/layout/chevron1"/>
+    <dgm:cxn modelId="{58D9FD77-0BE2-4658-8D58-67DED774B428}" type="presParOf" srcId="{92CBD714-6573-4134-8D0E-BEFF9A6764F3}" destId="{7085B0EE-828A-4BFA-A59E-217E4B36DFE4}" srcOrd="1" destOrd="0" presId="urn:microsoft.com/office/officeart/2005/8/layout/chevron1"/>
+    <dgm:cxn modelId="{7721ED5C-6992-4291-8E33-C3B3C7D6BBB6}" type="presParOf" srcId="{92CBD714-6573-4134-8D0E-BEFF9A6764F3}" destId="{88C0761A-ECE2-48AA-AE43-4F63F41AA821}" srcOrd="2" destOrd="0" presId="urn:microsoft.com/office/officeart/2005/8/layout/chevron1"/>
+    <dgm:cxn modelId="{82D23970-445D-45A0-8672-F85EE5339360}" type="presParOf" srcId="{92CBD714-6573-4134-8D0E-BEFF9A6764F3}" destId="{B752B8C2-95FF-4F39-BBA7-22548BDCE233}" srcOrd="3" destOrd="0" presId="urn:microsoft.com/office/officeart/2005/8/layout/chevron1"/>
+    <dgm:cxn modelId="{F43BB05C-0141-429D-B149-255DDFEB6E0D}" type="presParOf" srcId="{92CBD714-6573-4134-8D0E-BEFF9A6764F3}" destId="{30D56F37-DD1E-4C89-8FF7-D96A18DF1B02}" srcOrd="4" destOrd="0" presId="urn:microsoft.com/office/officeart/2005/8/layout/chevron1"/>
+  </dgm:cxnLst>
+  <dgm:bg/>
+  <dgm:whole/>
+  <dgm:extLst>
+    <a:ext uri="http://schemas.microsoft.com/office/drawing/2008/diagram">
+      <dsp:dataModelExt xmlns:dsp="http://schemas.microsoft.com/office/drawing/2008/diagram" relId="rId6" minVer="http://schemas.openxmlformats.org/drawingml/2006/diagram"/>
+    </a:ext>
+  </dgm:extLst>
+</dgm:dataModel>
+</file>
+
+<file path=ppt/diagrams/drawing1.xml><?xml version="1.0" encoding="utf-8"?>
+<dsp:drawing xmlns:dgm="http://schemas.openxmlformats.org/drawingml/2006/diagram" xmlns:dsp="http://schemas.microsoft.com/office/drawing/2008/diagram" xmlns:a="http://schemas.openxmlformats.org/drawingml/2006/main">
+  <dsp:spTree>
+    <dsp:nvGrpSpPr>
+      <dsp:cNvPr id="0" name=""/>
+      <dsp:cNvGrpSpPr/>
+    </dsp:nvGrpSpPr>
+    <dsp:grpSpPr/>
+    <dsp:sp modelId="{BB893978-DC76-4E23-85D6-B76CA96A881A}">
+      <dsp:nvSpPr>
+        <dsp:cNvPr id="0" name=""/>
+        <dsp:cNvSpPr/>
+      </dsp:nvSpPr>
+      <dsp:spPr>
+        <a:xfrm>
+          <a:off x="2144" y="1649265"/>
+          <a:ext cx="2612173" cy="1044869"/>
+        </a:xfrm>
+        <a:prstGeom prst="chevron">
+          <a:avLst/>
+        </a:prstGeom>
+        <a:solidFill>
+          <a:schemeClr val="lt1">
+            <a:hueOff val="0"/>
+            <a:satOff val="0"/>
+            <a:lumOff val="0"/>
+            <a:alphaOff val="0"/>
+          </a:schemeClr>
+        </a:solidFill>
+        <a:ln w="25400" cap="flat" cmpd="sng" algn="ctr">
+          <a:solidFill>
+            <a:schemeClr val="dk1">
+              <a:shade val="80000"/>
+              <a:hueOff val="0"/>
+              <a:satOff val="0"/>
+              <a:lumOff val="0"/>
+              <a:alphaOff val="0"/>
+            </a:schemeClr>
+          </a:solidFill>
+          <a:miter lim="800000"/>
+        </a:ln>
+        <a:effectLst/>
+      </dsp:spPr>
+      <dsp:style>
+        <a:lnRef idx="2">
+          <a:scrgbClr r="0" g="0" b="0"/>
+        </a:lnRef>
+        <a:fillRef idx="1">
+          <a:scrgbClr r="0" g="0" b="0"/>
+        </a:fillRef>
+        <a:effectRef idx="0">
+          <a:scrgbClr r="0" g="0" b="0"/>
+        </a:effectRef>
+        <a:fontRef idx="minor">
+          <a:schemeClr val="lt1"/>
+        </a:fontRef>
+      </dsp:style>
+      <dsp:txBody>
+        <a:bodyPr spcFirstLastPara="0" vert="horz" wrap="square" lIns="88011" tIns="29337" rIns="29337" bIns="29337" numCol="1" spcCol="1270" anchor="ctr" anchorCtr="0">
+          <a:noAutofit/>
+        </a:bodyPr>
+        <a:lstStyle/>
+        <a:p>
+          <a:pPr marL="0" lvl="0" indent="0" algn="ctr" defTabSz="977900">
+            <a:lnSpc>
+              <a:spcPct val="90000"/>
+            </a:lnSpc>
+            <a:spcBef>
+              <a:spcPct val="0"/>
+            </a:spcBef>
+            <a:spcAft>
+              <a:spcPct val="35000"/>
+            </a:spcAft>
+            <a:buNone/>
+          </a:pPr>
+          <a:r>
+            <a:rPr lang="pl-PL" sz="2200" kern="1200" dirty="0"/>
+            <a:t>JSON</a:t>
+          </a:r>
+        </a:p>
+      </dsp:txBody>
+      <dsp:txXfrm>
+        <a:off x="524579" y="1649265"/>
+        <a:ext cx="1567304" cy="1044869"/>
+      </dsp:txXfrm>
+    </dsp:sp>
+    <dsp:sp modelId="{88C0761A-ECE2-48AA-AE43-4F63F41AA821}">
+      <dsp:nvSpPr>
+        <dsp:cNvPr id="0" name=""/>
+        <dsp:cNvSpPr/>
+      </dsp:nvSpPr>
+      <dsp:spPr>
+        <a:xfrm>
+          <a:off x="2353100" y="1649265"/>
+          <a:ext cx="2612173" cy="1044869"/>
+        </a:xfrm>
+        <a:prstGeom prst="chevron">
+          <a:avLst/>
+        </a:prstGeom>
+        <a:solidFill>
+          <a:schemeClr val="lt1">
+            <a:hueOff val="0"/>
+            <a:satOff val="0"/>
+            <a:lumOff val="0"/>
+            <a:alphaOff val="0"/>
+          </a:schemeClr>
+        </a:solidFill>
+        <a:ln w="25400" cap="flat" cmpd="sng" algn="ctr">
+          <a:solidFill>
+            <a:schemeClr val="dk1">
+              <a:shade val="80000"/>
+              <a:hueOff val="0"/>
+              <a:satOff val="0"/>
+              <a:lumOff val="0"/>
+              <a:alphaOff val="0"/>
+            </a:schemeClr>
+          </a:solidFill>
+          <a:miter lim="800000"/>
+        </a:ln>
+        <a:effectLst/>
+      </dsp:spPr>
+      <dsp:style>
+        <a:lnRef idx="2">
+          <a:scrgbClr r="0" g="0" b="0"/>
+        </a:lnRef>
+        <a:fillRef idx="1">
+          <a:scrgbClr r="0" g="0" b="0"/>
+        </a:fillRef>
+        <a:effectRef idx="0">
+          <a:scrgbClr r="0" g="0" b="0"/>
+        </a:effectRef>
+        <a:fontRef idx="minor">
+          <a:schemeClr val="lt1"/>
+        </a:fontRef>
+      </dsp:style>
+      <dsp:txBody>
+        <a:bodyPr spcFirstLastPara="0" vert="horz" wrap="square" lIns="88011" tIns="29337" rIns="29337" bIns="29337" numCol="1" spcCol="1270" anchor="ctr" anchorCtr="0">
+          <a:noAutofit/>
+        </a:bodyPr>
+        <a:lstStyle/>
+        <a:p>
+          <a:pPr marL="0" lvl="0" indent="0" algn="ctr" defTabSz="977900">
+            <a:lnSpc>
+              <a:spcPct val="90000"/>
+            </a:lnSpc>
+            <a:spcBef>
+              <a:spcPct val="0"/>
+            </a:spcBef>
+            <a:spcAft>
+              <a:spcPct val="35000"/>
+            </a:spcAft>
+            <a:buNone/>
+          </a:pPr>
+          <a:r>
+            <a:rPr lang="pl-PL" sz="2200" kern="1200" dirty="0"/>
+            <a:t>Filtrowanie danych</a:t>
+          </a:r>
+        </a:p>
+      </dsp:txBody>
+      <dsp:txXfrm>
+        <a:off x="2875535" y="1649265"/>
+        <a:ext cx="1567304" cy="1044869"/>
+      </dsp:txXfrm>
+    </dsp:sp>
+    <dsp:sp modelId="{30D56F37-DD1E-4C89-8FF7-D96A18DF1B02}">
+      <dsp:nvSpPr>
+        <dsp:cNvPr id="0" name=""/>
+        <dsp:cNvSpPr/>
+      </dsp:nvSpPr>
+      <dsp:spPr>
+        <a:xfrm>
+          <a:off x="4704057" y="1649265"/>
+          <a:ext cx="2612173" cy="1044869"/>
+        </a:xfrm>
+        <a:prstGeom prst="chevron">
+          <a:avLst/>
+        </a:prstGeom>
+        <a:solidFill>
+          <a:schemeClr val="lt1">
+            <a:hueOff val="0"/>
+            <a:satOff val="0"/>
+            <a:lumOff val="0"/>
+            <a:alphaOff val="0"/>
+          </a:schemeClr>
+        </a:solidFill>
+        <a:ln w="25400" cap="flat" cmpd="sng" algn="ctr">
+          <a:solidFill>
+            <a:schemeClr val="dk1">
+              <a:shade val="80000"/>
+              <a:hueOff val="0"/>
+              <a:satOff val="0"/>
+              <a:lumOff val="0"/>
+              <a:alphaOff val="0"/>
+            </a:schemeClr>
+          </a:solidFill>
+          <a:miter lim="800000"/>
+        </a:ln>
+        <a:effectLst/>
+      </dsp:spPr>
+      <dsp:style>
+        <a:lnRef idx="2">
+          <a:scrgbClr r="0" g="0" b="0"/>
+        </a:lnRef>
+        <a:fillRef idx="1">
+          <a:scrgbClr r="0" g="0" b="0"/>
+        </a:fillRef>
+        <a:effectRef idx="0">
+          <a:scrgbClr r="0" g="0" b="0"/>
+        </a:effectRef>
+        <a:fontRef idx="minor">
+          <a:schemeClr val="lt1"/>
+        </a:fontRef>
+      </dsp:style>
+      <dsp:txBody>
+        <a:bodyPr spcFirstLastPara="0" vert="horz" wrap="square" lIns="88011" tIns="29337" rIns="29337" bIns="29337" numCol="1" spcCol="1270" anchor="ctr" anchorCtr="0">
+          <a:noAutofit/>
+        </a:bodyPr>
+        <a:lstStyle/>
+        <a:p>
+          <a:pPr marL="0" lvl="0" indent="0" algn="ctr" defTabSz="977900">
+            <a:lnSpc>
+              <a:spcPct val="90000"/>
+            </a:lnSpc>
+            <a:spcBef>
+              <a:spcPct val="0"/>
+            </a:spcBef>
+            <a:spcAft>
+              <a:spcPct val="35000"/>
+            </a:spcAft>
+            <a:buNone/>
+          </a:pPr>
+          <a:r>
+            <a:rPr lang="pl-PL" sz="2200" kern="1200" dirty="0"/>
+            <a:t>Wykres</a:t>
+          </a:r>
+        </a:p>
+      </dsp:txBody>
+      <dsp:txXfrm>
+        <a:off x="5226492" y="1649265"/>
+        <a:ext cx="1567304" cy="1044869"/>
+      </dsp:txXfrm>
+    </dsp:sp>
+  </dsp:spTree>
+</dsp:drawing>
+</file>
+
+<file path=ppt/diagrams/layout1.xml><?xml version="1.0" encoding="utf-8"?>
+<dgm:layoutDef xmlns:dgm="http://schemas.openxmlformats.org/drawingml/2006/diagram" xmlns:a="http://schemas.openxmlformats.org/drawingml/2006/main" uniqueId="urn:microsoft.com/office/officeart/2005/8/layout/chevron1">
+  <dgm:title val=""/>
+  <dgm:desc val=""/>
+  <dgm:catLst>
+    <dgm:cat type="process" pri="9000"/>
+  </dgm:catLst>
+  <dgm:sampData useDef="1">
+    <dgm:dataModel>
+      <dgm:ptLst/>
+      <dgm:bg/>
+      <dgm:whole/>
+    </dgm:dataModel>
+  </dgm:sampData>
+  <dgm:styleData>
+    <dgm:dataModel>
+      <dgm:ptLst>
+        <dgm:pt modelId="0" type="doc"/>
+        <dgm:pt modelId="1"/>
+        <dgm:pt modelId="2"/>
+      </dgm:ptLst>
+      <dgm:cxnLst>
+        <dgm:cxn modelId="3" srcId="0" destId="1" srcOrd="0" destOrd="0"/>
+        <dgm:cxn modelId="4" srcId="0" destId="2" srcOrd="1" destOrd="0"/>
+      </dgm:cxnLst>
+      <dgm:bg/>
+      <dgm:whole/>
+    </dgm:dataModel>
+  </dgm:styleData>
+  <dgm:clrData>
+    <dgm:dataModel>
+      <dgm:ptLst>
+        <dgm:pt modelId="0" type="doc"/>
+        <dgm:pt modelId="1"/>
+        <dgm:pt modelId="2"/>
+        <dgm:pt modelId="3"/>
+        <dgm:pt modelId="4"/>
+      </dgm:ptLst>
+      <dgm:cxnLst>
+        <dgm:cxn modelId="5" srcId="0" destId="1" srcOrd="0" destOrd="0"/>
+        <dgm:cxn modelId="6" srcId="0" destId="2" srcOrd="1" destOrd="0"/>
+        <dgm:cxn modelId="7" srcId="0" destId="3" srcOrd="2" destOrd="0"/>
+        <dgm:cxn modelId="8" srcId="0" destId="4" srcOrd="3" destOrd="0"/>
+      </dgm:cxnLst>
+      <dgm:bg/>
+      <dgm:whole/>
+    </dgm:dataModel>
+  </dgm:clrData>
+  <dgm:layoutNode name="Name0">
+    <dgm:varLst>
+      <dgm:dir/>
+      <dgm:animLvl val="lvl"/>
+      <dgm:resizeHandles val="exact"/>
+    </dgm:varLst>
+    <dgm:choose name="Name1">
+      <dgm:if name="Name2" func="var" arg="dir" op="equ" val="norm">
+        <dgm:alg type="lin"/>
+      </dgm:if>
+      <dgm:else name="Name3">
+        <dgm:alg type="lin">
+          <dgm:param type="linDir" val="fromR"/>
+        </dgm:alg>
+      </dgm:else>
+    </dgm:choose>
+    <dgm:shape xmlns:r="http://schemas.openxmlformats.org/officeDocument/2006/relationships" r:blip="">
+      <dgm:adjLst/>
+    </dgm:shape>
+    <dgm:presOf/>
+    <dgm:choose name="Name4">
+      <dgm:if name="Name5" axis="des" func="maxDepth" op="gte" val="2">
+        <dgm:constrLst>
+          <dgm:constr type="h" for="ch" forName="composite" refType="h"/>
+          <dgm:constr type="w" for="ch" forName="composite" refType="w"/>
+          <dgm:constr type="w" for="des" forName="parTx"/>
+          <dgm:constr type="h" for="des" forName="parTx" op="equ"/>
+          <dgm:constr type="w" for="des" forName="desTx"/>
+          <dgm:constr type="h" for="des" forName="desTx" op="equ"/>
+          <dgm:constr type="primFontSz" for="des" forName="parTx" val="65"/>
+          <dgm:constr type="secFontSz" for="des" forName="desTx" refType="primFontSz" refFor="des" refForName="parTx" op="equ"/>
+          <dgm:constr type="h" for="des" forName="parTx" refType="primFontSz" refFor="des" refForName="parTx" fact="1.5"/>
+          <dgm:constr type="h" for="des" forName="desTx" refType="primFontSz" refFor="des" refForName="parTx" fact="0.5"/>
+          <dgm:constr type="w" for="ch" forName="space" op="equ" val="-6"/>
+        </dgm:constrLst>
+        <dgm:ruleLst>
+          <dgm:rule type="w" for="ch" forName="composite" val="0" fact="NaN" max="NaN"/>
+          <dgm:rule type="primFontSz" for="des" forName="parTx" val="5" fact="NaN" max="NaN"/>
+        </dgm:ruleLst>
+        <dgm:forEach name="Name6" axis="ch" ptType="node">
+          <dgm:layoutNode name="composite">
+            <dgm:alg type="composite"/>
+            <dgm:shape xmlns:r="http://schemas.openxmlformats.org/officeDocument/2006/relationships" r:blip="">
+              <dgm:adjLst/>
+            </dgm:shape>
+            <dgm:presOf/>
+            <dgm:choose name="Name7">
+              <dgm:if name="Name8" func="var" arg="dir" op="equ" val="norm">
+                <dgm:constrLst>
+                  <dgm:constr type="l" for="ch" forName="parTx"/>
+                  <dgm:constr type="w" for="ch" forName="parTx" refType="w"/>
+                  <dgm:constr type="t" for="ch" forName="parTx"/>
+                  <dgm:constr type="l" for="ch" forName="desTx"/>
+                  <dgm:constr type="w" for="ch" forName="desTx" refType="w" refFor="ch" refForName="parTx" fact="0.8"/>
+                  <dgm:constr type="t" for="ch" forName="desTx" refType="h" refFor="ch" refForName="parTx" fact="1.125"/>
+                </dgm:constrLst>
+              </dgm:if>
+              <dgm:else name="Name9">
+                <dgm:constrLst>
+                  <dgm:constr type="l" for="ch" forName="parTx"/>
+                  <dgm:constr type="w" for="ch" forName="parTx" refType="w"/>
+                  <dgm:constr type="t" for="ch" forName="parTx"/>
+                  <dgm:constr type="l" for="ch" forName="desTx" refType="w" fact="0.2"/>
+                  <dgm:constr type="w" for="ch" forName="desTx" refType="w" refFor="ch" refForName="parTx" fact="0.8"/>
+                  <dgm:constr type="t" for="ch" forName="desTx" refType="h" refFor="ch" refForName="parTx" fact="1.125"/>
+                </dgm:constrLst>
+              </dgm:else>
+            </dgm:choose>
+            <dgm:ruleLst>
+              <dgm:rule type="h" val="INF" fact="NaN" max="NaN"/>
+            </dgm:ruleLst>
+            <dgm:layoutNode name="parTx">
+              <dgm:varLst>
+                <dgm:chMax val="0"/>
+                <dgm:chPref val="0"/>
+                <dgm:bulletEnabled val="1"/>
+              </dgm:varLst>
+              <dgm:alg type="tx"/>
+              <dgm:choose name="Name10">
+                <dgm:if name="Name11" func="var" arg="dir" op="equ" val="norm">
+                  <dgm:shape xmlns:r="http://schemas.openxmlformats.org/officeDocument/2006/relationships" type="chevron" r:blip="">
+                    <dgm:adjLst/>
+                  </dgm:shape>
+                </dgm:if>
+                <dgm:else name="Name12">
+                  <dgm:shape xmlns:r="http://schemas.openxmlformats.org/officeDocument/2006/relationships" rot="180" type="chevron" r:blip="">
+                    <dgm:adjLst/>
+                  </dgm:shape>
+                </dgm:else>
+              </dgm:choose>
+              <dgm:presOf axis="self" ptType="node"/>
+              <dgm:choose name="Name13">
+                <dgm:if name="Name14" func="var" arg="dir" op="equ" val="norm">
+                  <dgm:constrLst>
+                    <dgm:constr type="h" refType="w" op="lte" fact="0.4"/>
+                    <dgm:constr type="h"/>
+                    <dgm:constr type="tMarg" refType="primFontSz" fact="0.105"/>
+                    <dgm:constr type="bMarg" refType="primFontSz" fact="0.105"/>
+                    <dgm:constr type="lMarg" refType="primFontSz" fact="0.315"/>
+                    <dgm:constr type="rMarg" refType="primFontSz" fact="0.105"/>
+                  </dgm:constrLst>
+                </dgm:if>
+                <dgm:else name="Name15">
+                  <dgm:constrLst>
+                    <dgm:constr type="h" refType="w" op="lte" fact="0.4"/>
+                    <dgm:constr type="h"/>
+                    <dgm:constr type="tMarg" refType="primFontSz" fact="0.105"/>
+                    <dgm:constr type="bMarg" refType="primFontSz" fact="0.105"/>
+                    <dgm:constr type="lMarg" refType="primFontSz" fact="0.105"/>
+                    <dgm:constr type="rMarg" refType="primFontSz" fact="0.315"/>
+                  </dgm:constrLst>
+                </dgm:else>
+              </dgm:choose>
+              <dgm:ruleLst>
+                <dgm:rule type="h" val="INF" fact="NaN" max="NaN"/>
+              </dgm:ruleLst>
+            </dgm:layoutNode>
+            <dgm:layoutNode name="desTx" styleLbl="revTx">
+              <dgm:varLst>
+                <dgm:bulletEnabled val="1"/>
+              </dgm:varLst>
+              <dgm:alg type="tx">
+                <dgm:param type="stBulletLvl" val="1"/>
+              </dgm:alg>
+              <dgm:choose name="Name16">
+                <dgm:if name="Name17" axis="ch" ptType="node" func="cnt" op="gte" val="1">
+                  <dgm:shape xmlns:r="http://schemas.openxmlformats.org/officeDocument/2006/relationships" type="rect" r:blip="">
+                    <dgm:adjLst/>
+                  </dgm:shape>
+                </dgm:if>
+                <dgm:else name="Name18">
+                  <dgm:shape xmlns:r="http://schemas.openxmlformats.org/officeDocument/2006/relationships" type="rect" r:blip="" hideGeom="1">
+                    <dgm:adjLst/>
+                  </dgm:shape>
+                </dgm:else>
+              </dgm:choose>
+              <dgm:presOf axis="des" ptType="node"/>
+              <dgm:constrLst>
+                <dgm:constr type="secFontSz" val="65"/>
+                <dgm:constr type="primFontSz" refType="secFontSz"/>
+                <dgm:constr type="h"/>
+                <dgm:constr type="tMarg"/>
+                <dgm:constr type="bMarg"/>
+                <dgm:constr type="rMarg"/>
+                <dgm:constr type="lMarg"/>
+              </dgm:constrLst>
+              <dgm:ruleLst>
+                <dgm:rule type="h" val="INF" fact="NaN" max="NaN"/>
+              </dgm:ruleLst>
+            </dgm:layoutNode>
+          </dgm:layoutNode>
+          <dgm:forEach name="Name19" axis="followSib" ptType="sibTrans" cnt="1">
+            <dgm:layoutNode name="space">
+              <dgm:alg type="sp"/>
+              <dgm:shape xmlns:r="http://schemas.openxmlformats.org/officeDocument/2006/relationships" r:blip="">
+                <dgm:adjLst/>
+              </dgm:shape>
+              <dgm:presOf/>
+              <dgm:constrLst/>
+              <dgm:ruleLst/>
+            </dgm:layoutNode>
+          </dgm:forEach>
+        </dgm:forEach>
+      </dgm:if>
+      <dgm:else name="Name20">
+        <dgm:constrLst>
+          <dgm:constr type="w" for="ch" forName="parTxOnly" refType="w"/>
+          <dgm:constr type="h" for="des" forName="parTxOnly" op="equ"/>
+          <dgm:constr type="primFontSz" for="des" forName="parTxOnly" op="equ" val="65"/>
+          <dgm:constr type="w" for="ch" forName="parTxOnlySpace" refType="w" refFor="ch" refForName="parTxOnly" fact="-0.1"/>
+        </dgm:constrLst>
+        <dgm:ruleLst/>
+        <dgm:forEach name="Name21" axis="ch" ptType="node">
+          <dgm:layoutNode name="parTxOnly">
+            <dgm:varLst>
+              <dgm:chMax val="0"/>
+              <dgm:chPref val="0"/>
+              <dgm:bulletEnabled val="1"/>
+            </dgm:varLst>
+            <dgm:alg type="tx"/>
+            <dgm:choose name="Name22">
+              <dgm:if name="Name23" func="var" arg="dir" op="equ" val="norm">
+                <dgm:shape xmlns:r="http://schemas.openxmlformats.org/officeDocument/2006/relationships" type="chevron" r:blip="">
+                  <dgm:adjLst/>
+                </dgm:shape>
+              </dgm:if>
+              <dgm:else name="Name24">
+                <dgm:shape xmlns:r="http://schemas.openxmlformats.org/officeDocument/2006/relationships" rot="180" type="chevron" r:blip="">
+                  <dgm:adjLst/>
+                </dgm:shape>
+              </dgm:else>
+            </dgm:choose>
+            <dgm:presOf axis="self" ptType="node"/>
+            <dgm:choose name="Name25">
+              <dgm:if name="Name26" func="var" arg="dir" op="equ" val="norm">
+                <dgm:constrLst>
+                  <dgm:constr type="h" refType="w" op="equ" fact="0.4"/>
+                  <dgm:constr type="tMarg" refType="primFontSz" fact="0.105"/>
+                  <dgm:constr type="bMarg" refType="primFontSz" fact="0.105"/>
+                  <dgm:constr type="lMarg" refType="primFontSz" fact="0.315"/>
+                  <dgm:constr type="rMarg" refType="primFontSz" fact="0.105"/>
+                </dgm:constrLst>
+              </dgm:if>
+              <dgm:else name="Name27">
+                <dgm:constrLst>
+                  <dgm:constr type="h" refType="w" op="equ" fact="0.4"/>
+                  <dgm:constr type="tMarg" refType="primFontSz" fact="0.105"/>
+                  <dgm:constr type="bMarg" refType="primFontSz" fact="0.105"/>
+                  <dgm:constr type="lMarg" refType="primFontSz" fact="0.105"/>
+                  <dgm:constr type="rMarg" refType="primFontSz" fact="0.315"/>
+                </dgm:constrLst>
+              </dgm:else>
+            </dgm:choose>
+            <dgm:ruleLst>
+              <dgm:rule type="primFontSz" val="5" fact="NaN" max="NaN"/>
+            </dgm:ruleLst>
+          </dgm:layoutNode>
+          <dgm:forEach name="Name28" axis="followSib" ptType="sibTrans" cnt="1">
+            <dgm:layoutNode name="parTxOnlySpace">
+              <dgm:alg type="sp"/>
+              <dgm:shape xmlns:r="http://schemas.openxmlformats.org/officeDocument/2006/relationships" r:blip="">
+                <dgm:adjLst/>
+              </dgm:shape>
+              <dgm:presOf/>
+              <dgm:constrLst/>
+              <dgm:ruleLst/>
+            </dgm:layoutNode>
+          </dgm:forEach>
+        </dgm:forEach>
+      </dgm:else>
+    </dgm:choose>
+  </dgm:layoutNode>
+</dgm:layoutDef>
+</file>
+
+<file path=ppt/diagrams/quickStyle1.xml><?xml version="1.0" encoding="utf-8"?>
+<dgm:styleDef xmlns:dgm="http://schemas.openxmlformats.org/drawingml/2006/diagram" xmlns:a="http://schemas.openxmlformats.org/drawingml/2006/main" uniqueId="urn:microsoft.com/office/officeart/2005/8/quickstyle/simple1">
+  <dgm:title val=""/>
+  <dgm:desc val=""/>
+  <dgm:catLst>
+    <dgm:cat type="simple" pri="10100"/>
+  </dgm:catLst>
+  <dgm:scene3d>
+    <a:camera prst="orthographicFront"/>
+    <a:lightRig rig="threePt" dir="t"/>
+  </dgm:scene3d>
+  <dgm:styleLbl name="node0">
+    <dgm:scene3d>
+      <a:camera prst="orthographicFront"/>
+      <a:lightRig rig="threePt" dir="t"/>
+    </dgm:scene3d>
+    <dgm:sp3d/>
+    <dgm:txPr/>
+    <dgm:style>
+      <a:lnRef idx="2">
+        <a:scrgbClr r="0" g="0" b="0"/>
+      </a:lnRef>
+      <a:fillRef idx="1">
+        <a:scrgbClr r="0" g="0" b="0"/>
+      </a:fillRef>
+      <a:effectRef idx="0">
+        <a:scrgbClr r="0" g="0" b="0"/>
+      </a:effectRef>
+      <a:fontRef idx="minor">
+        <a:schemeClr val="lt1"/>
+      </a:fontRef>
+    </dgm:style>
+  </dgm:styleLbl>
+  <dgm:styleLbl name="lnNode1">
+    <dgm:scene3d>
+      <a:camera prst="orthographicFront"/>
+      <a:lightRig rig="threePt" dir="t"/>
+    </dgm:scene3d>
+    <dgm:sp3d/>
+    <dgm:txPr/>
+    <dgm:style>
+      <a:lnRef idx="2">
+        <a:scrgbClr r="0" g="0" b="0"/>
+      </a:lnRef>
+      <a:fillRef idx="1">
+        <a:scrgbClr r="0" g="0" b="0"/>
+      </a:fillRef>
+      <a:effectRef idx="0">
+        <a:scrgbClr r="0" g="0" b="0"/>
+      </a:effectRef>
+      <a:fontRef idx="minor">
+        <a:schemeClr val="lt1"/>
+      </a:fontRef>
+    </dgm:style>
+  </dgm:styleLbl>
+  <dgm:styleLbl name="vennNode1">
+    <dgm:scene3d>
+      <a:camera prst="orthographicFront"/>
+      <a:lightRig rig="threePt" dir="t"/>
+    </dgm:scene3d>
+    <dgm:sp3d/>
+    <dgm:txPr/>
+    <dgm:style>
+      <a:lnRef idx="2">
+        <a:scrgbClr r="0" g="0" b="0"/>
+      </a:lnRef>
+      <a:fillRef idx="1">
+        <a:scrgbClr r="0" g="0" b="0"/>
+      </a:fillRef>
+      <a:effectRef idx="0">
+        <a:scrgbClr r="0" g="0" b="0"/>
+      </a:effectRef>
+      <a:fontRef idx="minor">
+        <a:schemeClr val="tx1"/>
+      </a:fontRef>
+    </dgm:style>
+  </dgm:styleLbl>
+  <dgm:styleLbl name="alignNode1">
+    <dgm:scene3d>
+      <a:camera prst="orthographicFront"/>
+      <a:lightRig rig="threePt" dir="t"/>
+    </dgm:scene3d>
+    <dgm:sp3d/>
+    <dgm:txPr/>
+    <dgm:style>
+      <a:lnRef idx="2">
+        <a:scrgbClr r="0" g="0" b="0"/>
+      </a:lnRef>
+      <a:fillRef idx="1">
+        <a:scrgbClr r="0" g="0" b="0"/>
+      </a:fillRef>
+      <a:effectRef idx="0">
+        <a:scrgbClr r="0" g="0" b="0"/>
+      </a:effectRef>
+      <a:fontRef idx="minor">
+        <a:schemeClr val="lt1"/>
+      </a:fontRef>
+    </dgm:style>
+  </dgm:styleLbl>
+  <dgm:styleLbl name="node1">
+    <dgm:scene3d>
+      <a:camera prst="orthographicFront"/>
+      <a:lightRig rig="threePt" dir="t"/>
+    </dgm:scene3d>
+    <dgm:sp3d/>
+    <dgm:txPr/>
+    <dgm:style>
+      <a:lnRef idx="2">
+        <a:scrgbClr r="0" g="0" b="0"/>
+      </a:lnRef>
+      <a:fillRef idx="1">
+        <a:scrgbClr r="0" g="0" b="0"/>
+      </a:fillRef>
+      <a:effectRef idx="0">
+        <a:scrgbClr r="0" g="0" b="0"/>
+      </a:effectRef>
+      <a:fontRef idx="minor">
+        <a:schemeClr val="lt1"/>
+      </a:fontRef>
+    </dgm:style>
+  </dgm:styleLbl>
+  <dgm:styleLbl name="node2">
+    <dgm:scene3d>
+      <a:camera prst="orthographicFront"/>
+      <a:lightRig rig="threePt" dir="t"/>
+    </dgm:scene3d>
+    <dgm:sp3d/>
+    <dgm:txPr/>
+    <dgm:style>
+      <a:lnRef idx="2">
+        <a:scrgbClr r="0" g="0" b="0"/>
+      </a:lnRef>
+      <a:fillRef idx="1">
+        <a:scrgbClr r="0" g="0" b="0"/>
+      </a:fillRef>
+      <a:effectRef idx="0">
+        <a:scrgbClr r="0" g="0" b="0"/>
+      </a:effectRef>
+      <a:fontRef idx="minor">
+        <a:schemeClr val="lt1"/>
+      </a:fontRef>
+    </dgm:style>
+  </dgm:styleLbl>
+  <dgm:styleLbl name="node3">
+    <dgm:scene3d>
+      <a:camera prst="orthographicFront"/>
+      <a:lightRig rig="threePt" dir="t"/>
+    </dgm:scene3d>
+    <dgm:sp3d/>
+    <dgm:txPr/>
+    <dgm:style>
+      <a:lnRef idx="2">
+        <a:scrgbClr r="0" g="0" b="0"/>
+      </a:lnRef>
+      <a:fillRef idx="1">
+        <a:scrgbClr r="0" g="0" b="0"/>
+      </a:fillRef>
+      <a:effectRef idx="0">
+        <a:scrgbClr r="0" g="0" b="0"/>
+      </a:effectRef>
+      <a:fontRef idx="minor">
+        <a:schemeClr val="lt1"/>
+      </a:fontRef>
+    </dgm:style>
+  </dgm:styleLbl>
+  <dgm:styleLbl name="node4">
+    <dgm:scene3d>
+      <a:camera prst="orthographicFront"/>
+      <a:lightRig rig="threePt" dir="t"/>
+    </dgm:scene3d>
+    <dgm:sp3d/>
+    <dgm:txPr/>
+    <dgm:style>
+      <a:lnRef idx="2">
+        <a:scrgbClr r="0" g="0" b="0"/>
+      </a:lnRef>
+      <a:fillRef idx="1">
+        <a:scrgbClr r="0" g="0" b="0"/>
+      </a:fillRef>
+      <a:effectRef idx="0">
+        <a:scrgbClr r="0" g="0" b="0"/>
+      </a:effectRef>
+      <a:fontRef idx="minor">
+        <a:schemeClr val="lt1"/>
+      </a:fontRef>
+    </dgm:style>
+  </dgm:styleLbl>
+  <dgm:styleLbl name="fgImgPlace1">
+    <dgm:scene3d>
+      <a:camera prst="orthographicFront"/>
+      <a:lightRig rig="threePt" dir="t"/>
+    </dgm:scene3d>
+    <dgm:sp3d/>
+    <dgm:txPr/>
+    <dgm:style>
+      <a:lnRef idx="2">
+        <a:scrgbClr r="0" g="0" b="0"/>
+      </a:lnRef>
+      <a:fillRef idx="1">
+        <a:scrgbClr r="0" g="0" b="0"/>
+      </a:fillRef>
+      <a:effectRef idx="0">
+        <a:scrgbClr r="0" g="0" b="0"/>
+      </a:effectRef>
+      <a:fontRef idx="minor"/>
+    </dgm:style>
+  </dgm:styleLbl>
+  <dgm:styleLbl name="alignImgPlace1">
+    <dgm:scene3d>
+      <a:camera prst="orthographicFront"/>
+      <a:lightRig rig="threePt" dir="t"/>
+    </dgm:scene3d>
+    <dgm:sp3d/>
+    <dgm:txPr/>
+    <dgm:style>
+      <a:lnRef idx="2">
+        <a:scrgbClr r="0" g="0" b="0"/>
+      </a:lnRef>
+      <a:fillRef idx="1">
+        <a:scrgbClr r="0" g="0" b="0"/>
+      </a:fillRef>
+      <a:effectRef idx="0">
+        <a:scrgbClr r="0" g="0" b="0"/>
+      </a:effectRef>
+      <a:fontRef idx="minor"/>
+    </dgm:style>
+  </dgm:styleLbl>
+  <dgm:styleLbl name="bgImgPlace1">
+    <dgm:scene3d>
+      <a:camera prst="orthographicFront"/>
+      <a:lightRig rig="threePt" dir="t"/>
+    </dgm:scene3d>
+    <dgm:sp3d/>
+    <dgm:txPr/>
+    <dgm:style>
+      <a:lnRef idx="2">
+        <a:scrgbClr r="0" g="0" b="0"/>
+      </a:lnRef>
+      <a:fillRef idx="1">
+        <a:scrgbClr r="0" g="0" b="0"/>
+      </a:fillRef>
+      <a:effectRef idx="0">
+        <a:scrgbClr r="0" g="0" b="0"/>
+      </a:effectRef>
+      <a:fontRef idx="minor"/>
+    </dgm:style>
+  </dgm:styleLbl>
+  <dgm:styleLbl name="sibTrans2D1">
+    <dgm:scene3d>
+      <a:camera prst="orthographicFront"/>
+      <a:lightRig rig="threePt" dir="t"/>
+    </dgm:scene3d>
+    <dgm:sp3d/>
+    <dgm:txPr/>
+    <dgm:style>
+      <a:lnRef idx="0">
+        <a:scrgbClr r="0" g="0" b="0"/>
+      </a:lnRef>
+      <a:fillRef idx="1">
+        <a:scrgbClr r="0" g="0" b="0"/>
+      </a:fillRef>
+      <a:effectRef idx="0">
+        <a:scrgbClr r="0" g="0" b="0"/>
+      </a:effectRef>
+      <a:fontRef idx="minor">
+        <a:schemeClr val="lt1"/>
+      </a:fontRef>
+    </dgm:style>
+  </dgm:styleLbl>
+  <dgm:styleLbl name="fgSibTrans2D1">
+    <dgm:scene3d>
+      <a:camera prst="orthographicFront"/>
+      <a:lightRig rig="threePt" dir="t"/>
+    </dgm:scene3d>
+    <dgm:sp3d/>
+    <dgm:txPr/>
+    <dgm:style>
+      <a:lnRef idx="0">
+        <a:scrgbClr r="0" g="0" b="0"/>
+      </a:lnRef>
+      <a:fillRef idx="1">
+        <a:scrgbClr r="0" g="0" b="0"/>
+      </a:fillRef>
+      <a:effectRef idx="0">
+        <a:scrgbClr r="0" g="0" b="0"/>
+      </a:effectRef>
+      <a:fontRef idx="minor">
+        <a:schemeClr val="lt1"/>
+      </a:fontRef>
+    </dgm:style>
+  </dgm:styleLbl>
+  <dgm:styleLbl name="bgSibTrans2D1">
+    <dgm:scene3d>
+      <a:camera prst="orthographicFront"/>
+      <a:lightRig rig="threePt" dir="t"/>
+    </dgm:scene3d>
+    <dgm:sp3d/>
+    <dgm:txPr/>
+    <dgm:style>
+      <a:lnRef idx="0">
+        <a:scrgbClr r="0" g="0" b="0"/>
+      </a:lnRef>
+      <a:fillRef idx="1">
+        <a:scrgbClr r="0" g="0" b="0"/>
+      </a:fillRef>
+      <a:effectRef idx="0">
+        <a:scrgbClr r="0" g="0" b="0"/>
+      </a:effectRef>
+      <a:fontRef idx="minor">
+        <a:schemeClr val="lt1"/>
+      </a:fontRef>
+    </dgm:style>
+  </dgm:styleLbl>
+  <dgm:styleLbl name="sibTrans1D1">
+    <dgm:scene3d>
+      <a:camera prst="orthographicFront"/>
+      <a:lightRig rig="threePt" dir="t"/>
+    </dgm:scene3d>
+    <dgm:sp3d/>
+    <dgm:txPr/>
+    <dgm:style>
+      <a:lnRef idx="1">
+        <a:scrgbClr r="0" g="0" b="0"/>
+      </a:lnRef>
+      <a:fillRef idx="0">
+        <a:scrgbClr r="0" g="0" b="0"/>
+      </a:fillRef>
+      <a:effectRef idx="0">
+        <a:scrgbClr r="0" g="0" b="0"/>
+      </a:effectRef>
+      <a:fontRef idx="minor"/>
+    </dgm:style>
+  </dgm:styleLbl>
+  <dgm:styleLbl name="callout">
+    <dgm:scene3d>
+      <a:camera prst="orthographicFront"/>
+      <a:lightRig rig="threePt" dir="t"/>
+    </dgm:scene3d>
+    <dgm:sp3d/>
+    <dgm:txPr/>
+    <dgm:style>
+      <a:lnRef idx="2">
+        <a:scrgbClr r="0" g="0" b="0"/>
+      </a:lnRef>
+      <a:fillRef idx="1">
+        <a:scrgbClr r="0" g="0" b="0"/>
+      </a:fillRef>
+      <a:effectRef idx="0">
+        <a:scrgbClr r="0" g="0" b="0"/>
+      </a:effectRef>
+      <a:fontRef idx="minor"/>
+    </dgm:style>
+  </dgm:styleLbl>
+  <dgm:styleLbl name="asst0">
+    <dgm:scene3d>
+      <a:camera prst="orthographicFront"/>
+      <a:lightRig rig="threePt" dir="t"/>
+    </dgm:scene3d>
+    <dgm:sp3d/>
+    <dgm:txPr/>
+    <dgm:style>
+      <a:lnRef idx="2">
+        <a:scrgbClr r="0" g="0" b="0"/>
+      </a:lnRef>
+      <a:fillRef idx="1">
+        <a:scrgbClr r="0" g="0" b="0"/>
+      </a:fillRef>
+      <a:effectRef idx="0">
+        <a:scrgbClr r="0" g="0" b="0"/>
+      </a:effectRef>
+      <a:fontRef idx="minor">
+        <a:schemeClr val="lt1"/>
+      </a:fontRef>
+    </dgm:style>
+  </dgm:styleLbl>
+  <dgm:styleLbl name="asst1">
+    <dgm:scene3d>
+      <a:camera prst="orthographicFront"/>
+      <a:lightRig rig="threePt" dir="t"/>
+    </dgm:scene3d>
+    <dgm:sp3d/>
+    <dgm:txPr/>
+    <dgm:style>
+      <a:lnRef idx="2">
+        <a:scrgbClr r="0" g="0" b="0"/>
+      </a:lnRef>
+      <a:fillRef idx="1">
+        <a:scrgbClr r="0" g="0" b="0"/>
+      </a:fillRef>
+      <a:effectRef idx="0">
+        <a:scrgbClr r="0" g="0" b="0"/>
+      </a:effectRef>
+      <a:fontRef idx="minor">
+        <a:schemeClr val="lt1"/>
+      </a:fontRef>
+    </dgm:style>
+  </dgm:styleLbl>
+  <dgm:styleLbl name="asst2">
+    <dgm:scene3d>
+      <a:camera prst="orthographicFront"/>
+      <a:lightRig rig="threePt" dir="t"/>
+    </dgm:scene3d>
+    <dgm:sp3d/>
+    <dgm:txPr/>
+    <dgm:style>
+      <a:lnRef idx="2">
+        <a:scrgbClr r="0" g="0" b="0"/>
+      </a:lnRef>
+      <a:fillRef idx="1">
+        <a:scrgbClr r="0" g="0" b="0"/>
+      </a:fillRef>
+      <a:effectRef idx="0">
+        <a:scrgbClr r="0" g="0" b="0"/>
+      </a:effectRef>
+      <a:fontRef idx="minor">
+        <a:schemeClr val="lt1"/>
+      </a:fontRef>
+    </dgm:style>
+  </dgm:styleLbl>
+  <dgm:styleLbl name="asst3">
+    <dgm:scene3d>
+      <a:camera prst="orthographicFront"/>
+      <a:lightRig rig="threePt" dir="t"/>
+    </dgm:scene3d>
+    <dgm:sp3d/>
+    <dgm:txPr/>
+    <dgm:style>
+      <a:lnRef idx="2">
+        <a:scrgbClr r="0" g="0" b="0"/>
+      </a:lnRef>
+      <a:fillRef idx="1">
+        <a:scrgbClr r="0" g="0" b="0"/>
+      </a:fillRef>
+      <a:effectRef idx="0">
+        <a:scrgbClr r="0" g="0" b="0"/>
+      </a:effectRef>
+      <a:fontRef idx="minor">
+        <a:schemeClr val="lt1"/>
+      </a:fontRef>
+    </dgm:style>
+  </dgm:styleLbl>
+  <dgm:styleLbl name="asst4">
+    <dgm:scene3d>
+      <a:camera prst="orthographicFront"/>
+      <a:lightRig rig="threePt" dir="t"/>
+    </dgm:scene3d>
+    <dgm:sp3d/>
+    <dgm:txPr/>
+    <dgm:style>
+      <a:lnRef idx="2">
+        <a:scrgbClr r="0" g="0" b="0"/>
+      </a:lnRef>
+      <a:fillRef idx="1">
+        <a:scrgbClr r="0" g="0" b="0"/>
+      </a:fillRef>
+      <a:effectRef idx="0">
+        <a:scrgbClr r="0" g="0" b="0"/>
+      </a:effectRef>
+      <a:fontRef idx="minor">
+        <a:schemeClr val="lt1"/>
+      </a:fontRef>
+    </dgm:style>
+  </dgm:styleLbl>
+  <dgm:styleLbl name="parChTrans2D1">
+    <dgm:scene3d>
+      <a:camera prst="orthographicFront"/>
+      <a:lightRig rig="threePt" dir="t"/>
+    </dgm:scene3d>
+    <dgm:sp3d/>
+    <dgm:txPr/>
+    <dgm:style>
+      <a:lnRef idx="2">
+        <a:scrgbClr r="0" g="0" b="0"/>
+      </a:lnRef>
+      <a:fillRef idx="1">
+        <a:scrgbClr r="0" g="0" b="0"/>
+      </a:fillRef>
+      <a:effectRef idx="0">
+        <a:scrgbClr r="0" g="0" b="0"/>
+      </a:effectRef>
+      <a:fontRef idx="minor">
+        <a:schemeClr val="lt1"/>
+      </a:fontRef>
+    </dgm:style>
+  </dgm:styleLbl>
+  <dgm:styleLbl name="parChTrans2D2">
+    <dgm:scene3d>
+      <a:camera prst="orthographicFront"/>
+      <a:lightRig rig="threePt" dir="t"/>
+    </dgm:scene3d>
+    <dgm:sp3d/>
+    <dgm:txPr/>
+    <dgm:style>
+      <a:lnRef idx="2">
+        <a:scrgbClr r="0" g="0" b="0"/>
+      </a:lnRef>
+      <a:fillRef idx="1">
+        <a:scrgbClr r="0" g="0" b="0"/>
+      </a:fillRef>
+      <a:effectRef idx="0">
+        <a:scrgbClr r="0" g="0" b="0"/>
+      </a:effectRef>
+      <a:fontRef idx="minor">
+        <a:schemeClr val="lt1"/>
+      </a:fontRef>
+    </dgm:style>
+  </dgm:styleLbl>
+  <dgm:styleLbl name="parChTrans2D3">
+    <dgm:scene3d>
+      <a:camera prst="orthographicFront"/>
+      <a:lightRig rig="threePt" dir="t"/>
+    </dgm:scene3d>
+    <dgm:sp3d/>
+    <dgm:txPr/>
+    <dgm:style>
+      <a:lnRef idx="2">
+        <a:scrgbClr r="0" g="0" b="0"/>
+      </a:lnRef>
+      <a:fillRef idx="1">
+        <a:scrgbClr r="0" g="0" b="0"/>
+      </a:fillRef>
+      <a:effectRef idx="0">
+        <a:scrgbClr r="0" g="0" b="0"/>
+      </a:effectRef>
+      <a:fontRef idx="minor">
+        <a:schemeClr val="lt1"/>
+      </a:fontRef>
+    </dgm:style>
+  </dgm:styleLbl>
+  <dgm:styleLbl name="parChTrans2D4">
+    <dgm:scene3d>
+      <a:camera prst="orthographicFront"/>
+      <a:lightRig rig="threePt" dir="t"/>
+    </dgm:scene3d>
+    <dgm:sp3d/>
+    <dgm:txPr/>
+    <dgm:style>
+      <a:lnRef idx="2">
+        <a:scrgbClr r="0" g="0" b="0"/>
+      </a:lnRef>
+      <a:fillRef idx="1">
+        <a:scrgbClr r="0" g="0" b="0"/>
+      </a:fillRef>
+      <a:effectRef idx="0">
+        <a:scrgbClr r="0" g="0" b="0"/>
+      </a:effectRef>
+      <a:fontRef idx="minor">
+        <a:schemeClr val="lt1"/>
+      </a:fontRef>
+    </dgm:style>
+  </dgm:styleLbl>
+  <dgm:styleLbl name="parChTrans1D1">
+    <dgm:scene3d>
+      <a:camera prst="orthographicFront"/>
+      <a:lightRig rig="threePt" dir="t"/>
+    </dgm:scene3d>
+    <dgm:sp3d/>
+    <dgm:txPr/>
+    <dgm:style>
+      <a:lnRef idx="2">
+        <a:scrgbClr r="0" g="0" b="0"/>
+      </a:lnRef>
+      <a:fillRef idx="0">
+        <a:scrgbClr r="0" g="0" b="0"/>
+      </a:fillRef>
+      <a:effectRef idx="0">
+        <a:scrgbClr r="0" g="0" b="0"/>
+      </a:effectRef>
+      <a:fontRef idx="minor"/>
+    </dgm:style>
+  </dgm:styleLbl>
+  <dgm:styleLbl name="parChTrans1D2">
+    <dgm:scene3d>
+      <a:camera prst="orthographicFront"/>
+      <a:lightRig rig="threePt" dir="t"/>
+    </dgm:scene3d>
+    <dgm:sp3d/>
+    <dgm:txPr/>
+    <dgm:style>
+      <a:lnRef idx="2">
+        <a:scrgbClr r="0" g="0" b="0"/>
+      </a:lnRef>
+      <a:fillRef idx="0">
+        <a:scrgbClr r="0" g="0" b="0"/>
+      </a:fillRef>
+      <a:effectRef idx="0">
+        <a:scrgbClr r="0" g="0" b="0"/>
+      </a:effectRef>
+      <a:fontRef idx="minor"/>
+    </dgm:style>
+  </dgm:styleLbl>
+  <dgm:styleLbl name="parChTrans1D3">
+    <dgm:scene3d>
+      <a:camera prst="orthographicFront"/>
+      <a:lightRig rig="threePt" dir="t"/>
+    </dgm:scene3d>
+    <dgm:sp3d/>
+    <dgm:txPr/>
+    <dgm:style>
+      <a:lnRef idx="2">
+        <a:scrgbClr r="0" g="0" b="0"/>
+      </a:lnRef>
+      <a:fillRef idx="0">
+        <a:scrgbClr r="0" g="0" b="0"/>
+      </a:fillRef>
+      <a:effectRef idx="0">
+        <a:scrgbClr r="0" g="0" b="0"/>
+      </a:effectRef>
+      <a:fontRef idx="minor"/>
+    </dgm:style>
+  </dgm:styleLbl>
+  <dgm:styleLbl name="parChTrans1D4">
+    <dgm:scene3d>
+      <a:camera prst="orthographicFront"/>
+      <a:lightRig rig="threePt" dir="t"/>
+    </dgm:scene3d>
+    <dgm:sp3d/>
+    <dgm:txPr/>
+    <dgm:style>
+      <a:lnRef idx="2">
+        <a:scrgbClr r="0" g="0" b="0"/>
+      </a:lnRef>
+      <a:fillRef idx="0">
+        <a:scrgbClr r="0" g="0" b="0"/>
+      </a:fillRef>
+      <a:effectRef idx="0">
+        <a:scrgbClr r="0" g="0" b="0"/>
+      </a:effectRef>
+      <a:fontRef idx="minor"/>
+    </dgm:style>
+  </dgm:styleLbl>
+  <dgm:styleLbl name="fgAcc1">
+    <dgm:scene3d>
+      <a:camera prst="orthographicFront"/>
+      <a:lightRig rig="threePt" dir="t"/>
+    </dgm:scene3d>
+    <dgm:sp3d/>
+    <dgm:txPr/>
+    <dgm:style>
+      <a:lnRef idx="2">
+        <a:scrgbClr r="0" g="0" b="0"/>
+      </a:lnRef>
+      <a:fillRef idx="1">
+        <a:scrgbClr r="0" g="0" b="0"/>
+      </a:fillRef>
+      <a:effectRef idx="0">
+        <a:scrgbClr r="0" g="0" b="0"/>
+      </a:effectRef>
+      <a:fontRef idx="minor"/>
+    </dgm:style>
+  </dgm:styleLbl>
+  <dgm:styleLbl name="conFgAcc1">
+    <dgm:scene3d>
+      <a:camera prst="orthographicFront"/>
+      <a:lightRig rig="threePt" dir="t"/>
+    </dgm:scene3d>
+    <dgm:sp3d/>
+    <dgm:txPr/>
+    <dgm:style>
+      <a:lnRef idx="2">
+        <a:scrgbClr r="0" g="0" b="0"/>
+      </a:lnRef>
+      <a:fillRef idx="1">
+        <a:scrgbClr r="0" g="0" b="0"/>
+      </a:fillRef>
+      <a:effectRef idx="0">
+        <a:scrgbClr r="0" g="0" b="0"/>
+      </a:effectRef>
+      <a:fontRef idx="minor"/>
+    </dgm:style>
+  </dgm:styleLbl>
+  <dgm:styleLbl name="alignAcc1">
+    <dgm:scene3d>
+      <a:camera prst="orthographicFront"/>
+      <a:lightRig rig="threePt" dir="t"/>
+    </dgm:scene3d>
+    <dgm:sp3d/>
+    <dgm:txPr/>
+    <dgm:style>
+      <a:lnRef idx="2">
+        <a:scrgbClr r="0" g="0" b="0"/>
+      </a:lnRef>
+      <a:fillRef idx="1">
+        <a:scrgbClr r="0" g="0" b="0"/>
+      </a:fillRef>
+      <a:effectRef idx="0">
+        <a:scrgbClr r="0" g="0" b="0"/>
+      </a:effectRef>
+      <a:fontRef idx="minor"/>
+    </dgm:style>
+  </dgm:styleLbl>
+  <dgm:styleLbl name="trAlignAcc1">
+    <dgm:scene3d>
+      <a:camera prst="orthographicFront"/>
+      <a:lightRig rig="threePt" dir="t"/>
+    </dgm:scene3d>
+    <dgm:sp3d/>
+    <dgm:txPr/>
+    <dgm:style>
+      <a:lnRef idx="1">
+        <a:scrgbClr r="0" g="0" b="0"/>
+      </a:lnRef>
+      <a:fillRef idx="1">
+        <a:scrgbClr r="0" g="0" b="0"/>
+      </a:fillRef>
+      <a:effectRef idx="0">
+        <a:scrgbClr r="0" g="0" b="0"/>
+      </a:effectRef>
+      <a:fontRef idx="minor"/>
+    </dgm:style>
+  </dgm:styleLbl>
+  <dgm:styleLbl name="bgAcc1">
+    <dgm:scene3d>
+      <a:camera prst="orthographicFront"/>
+      <a:lightRig rig="threePt" dir="t"/>
+    </dgm:scene3d>
+    <dgm:sp3d/>
+    <dgm:txPr/>
+    <dgm:style>
+      <a:lnRef idx="2">
+        <a:scrgbClr r="0" g="0" b="0"/>
+      </a:lnRef>
+      <a:fillRef idx="1">
+        <a:scrgbClr r="0" g="0" b="0"/>
+      </a:fillRef>
+      <a:effectRef idx="0">
+        <a:scrgbClr r="0" g="0" b="0"/>
+      </a:effectRef>
+      <a:fontRef idx="minor"/>
+    </dgm:style>
+  </dgm:styleLbl>
+  <dgm:styleLbl name="solidFgAcc1">
+    <dgm:scene3d>
+      <a:camera prst="orthographicFront"/>
+      <a:lightRig rig="threePt" dir="t"/>
+    </dgm:scene3d>
+    <dgm:sp3d/>
+    <dgm:txPr/>
+    <dgm:style>
+      <a:lnRef idx="2">
+        <a:scrgbClr r="0" g="0" b="0"/>
+      </a:lnRef>
+      <a:fillRef idx="1">
+        <a:scrgbClr r="0" g="0" b="0"/>
+      </a:fillRef>
+      <a:effectRef idx="0">
+        <a:scrgbClr r="0" g="0" b="0"/>
+      </a:effectRef>
+      <a:fontRef idx="minor"/>
+    </dgm:style>
+  </dgm:styleLbl>
+  <dgm:styleLbl name="solidAlignAcc1">
+    <dgm:scene3d>
+      <a:camera prst="orthographicFront"/>
+      <a:lightRig rig="threePt" dir="t"/>
+    </dgm:scene3d>
+    <dgm:sp3d/>
+    <dgm:txPr/>
+    <dgm:style>
+      <a:lnRef idx="2">
+        <a:scrgbClr r="0" g="0" b="0"/>
+      </a:lnRef>
+      <a:fillRef idx="1">
+        <a:scrgbClr r="0" g="0" b="0"/>
+      </a:fillRef>
+      <a:effectRef idx="0">
+        <a:scrgbClr r="0" g="0" b="0"/>
+      </a:effectRef>
+      <a:fontRef idx="minor"/>
+    </dgm:style>
+  </dgm:styleLbl>
+  <dgm:styleLbl name="solidBgAcc1">
+    <dgm:scene3d>
+      <a:camera prst="orthographicFront"/>
+      <a:lightRig rig="threePt" dir="t"/>
+    </dgm:scene3d>
+    <dgm:sp3d/>
+    <dgm:txPr/>
+    <dgm:style>
+      <a:lnRef idx="2">
+        <a:scrgbClr r="0" g="0" b="0"/>
+      </a:lnRef>
+      <a:fillRef idx="1">
+        <a:scrgbClr r="0" g="0" b="0"/>
+      </a:fillRef>
+      <a:effectRef idx="0">
+        <a:scrgbClr r="0" g="0" b="0"/>
+      </a:effectRef>
+      <a:fontRef idx="minor"/>
+    </dgm:style>
+  </dgm:styleLbl>
+  <dgm:styleLbl name="fgAccFollowNode1">
+    <dgm:scene3d>
+      <a:camera prst="orthographicFront"/>
+      <a:lightRig rig="threePt" dir="t"/>
+    </dgm:scene3d>
+    <dgm:sp3d/>
+    <dgm:txPr/>
+    <dgm:style>
+      <a:lnRef idx="2">
+        <a:scrgbClr r="0" g="0" b="0"/>
+      </a:lnRef>
+      <a:fillRef idx="1">
+        <a:scrgbClr r="0" g="0" b="0"/>
+      </a:fillRef>
+      <a:effectRef idx="0">
+        <a:scrgbClr r="0" g="0" b="0"/>
+      </a:effectRef>
+      <a:fontRef idx="minor"/>
+    </dgm:style>
+  </dgm:styleLbl>
+  <dgm:styleLbl name="alignAccFollowNode1">
+    <dgm:scene3d>
+      <a:camera prst="orthographicFront"/>
+      <a:lightRig rig="threePt" dir="t"/>
+    </dgm:scene3d>
+    <dgm:sp3d/>
+    <dgm:txPr/>
+    <dgm:style>
+      <a:lnRef idx="2">
+        <a:scrgbClr r="0" g="0" b="0"/>
+      </a:lnRef>
+      <a:fillRef idx="1">
+        <a:scrgbClr r="0" g="0" b="0"/>
+      </a:fillRef>
+      <a:effectRef idx="0">
+        <a:scrgbClr r="0" g="0" b="0"/>
+      </a:effectRef>
+      <a:fontRef idx="minor"/>
+    </dgm:style>
+  </dgm:styleLbl>
+  <dgm:styleLbl name="bgAccFollowNode1">
+    <dgm:scene3d>
+      <a:camera prst="orthographicFront"/>
+      <a:lightRig rig="threePt" dir="t"/>
+    </dgm:scene3d>
+    <dgm:sp3d/>
+    <dgm:txPr/>
+    <dgm:style>
+      <a:lnRef idx="2">
+        <a:scrgbClr r="0" g="0" b="0"/>
+      </a:lnRef>
+      <a:fillRef idx="1">
+        <a:scrgbClr r="0" g="0" b="0"/>
+      </a:fillRef>
+      <a:effectRef idx="0">
+        <a:scrgbClr r="0" g="0" b="0"/>
+      </a:effectRef>
+      <a:fontRef idx="minor"/>
+    </dgm:style>
+  </dgm:styleLbl>
+  <dgm:styleLbl name="fgAcc0">
+    <dgm:scene3d>
+      <a:camera prst="orthographicFront"/>
+      <a:lightRig rig="threePt" dir="t"/>
+    </dgm:scene3d>
+    <dgm:sp3d/>
+    <dgm:txPr/>
+    <dgm:style>
+      <a:lnRef idx="2">
+        <a:scrgbClr r="0" g="0" b="0"/>
+      </a:lnRef>
+      <a:fillRef idx="1">
+        <a:scrgbClr r="0" g="0" b="0"/>
+      </a:fillRef>
+      <a:effectRef idx="0">
+        <a:scrgbClr r="0" g="0" b="0"/>
+      </a:effectRef>
+      <a:fontRef idx="minor"/>
+    </dgm:style>
+  </dgm:styleLbl>
+  <dgm:styleLbl name="fgAcc2">
+    <dgm:scene3d>
+      <a:camera prst="orthographicFront"/>
+      <a:lightRig rig="threePt" dir="t"/>
+    </dgm:scene3d>
+    <dgm:sp3d/>
+    <dgm:txPr/>
+    <dgm:style>
+      <a:lnRef idx="2">
+        <a:scrgbClr r="0" g="0" b="0"/>
+      </a:lnRef>
+      <a:fillRef idx="1">
+        <a:scrgbClr r="0" g="0" b="0"/>
+      </a:fillRef>
+      <a:effectRef idx="0">
+        <a:scrgbClr r="0" g="0" b="0"/>
+      </a:effectRef>
+      <a:fontRef idx="minor"/>
+    </dgm:style>
+  </dgm:styleLbl>
+  <dgm:styleLbl name="fgAcc3">
+    <dgm:scene3d>
+      <a:camera prst="orthographicFront"/>
+      <a:lightRig rig="threePt" dir="t"/>
+    </dgm:scene3d>
+    <dgm:sp3d/>
+    <dgm:txPr/>
+    <dgm:style>
+      <a:lnRef idx="2">
+        <a:scrgbClr r="0" g="0" b="0"/>
+      </a:lnRef>
+      <a:fillRef idx="1">
+        <a:scrgbClr r="0" g="0" b="0"/>
+      </a:fillRef>
+      <a:effectRef idx="0">
+        <a:scrgbClr r="0" g="0" b="0"/>
+      </a:effectRef>
+      <a:fontRef idx="minor"/>
+    </dgm:style>
+  </dgm:styleLbl>
+  <dgm:styleLbl name="fgAcc4">
+    <dgm:scene3d>
+      <a:camera prst="orthographicFront"/>
+      <a:lightRig rig="threePt" dir="t"/>
+    </dgm:scene3d>
+    <dgm:sp3d/>
+    <dgm:txPr/>
+    <dgm:style>
+      <a:lnRef idx="2">
+        <a:scrgbClr r="0" g="0" b="0"/>
+      </a:lnRef>
+      <a:fillRef idx="1">
+        <a:scrgbClr r="0" g="0" b="0"/>
+      </a:fillRef>
+      <a:effectRef idx="0">
+        <a:scrgbClr r="0" g="0" b="0"/>
+      </a:effectRef>
+      <a:fontRef idx="minor"/>
+    </dgm:style>
+  </dgm:styleLbl>
+  <dgm:styleLbl name="bgShp">
+    <dgm:scene3d>
+      <a:camera prst="orthographicFront"/>
+      <a:lightRig rig="threePt" dir="t"/>
+    </dgm:scene3d>
+    <dgm:sp3d/>
+    <dgm:txPr/>
+    <dgm:style>
+      <a:lnRef idx="0">
+        <a:scrgbClr r="0" g="0" b="0"/>
+      </a:lnRef>
+      <a:fillRef idx="1">
+        <a:scrgbClr r="0" g="0" b="0"/>
+      </a:fillRef>
+      <a:effectRef idx="0">
+        <a:scrgbClr r="0" g="0" b="0"/>
+      </a:effectRef>
+      <a:fontRef idx="minor"/>
+    </dgm:style>
+  </dgm:styleLbl>
+  <dgm:styleLbl name="dkBgShp">
+    <dgm:scene3d>
+      <a:camera prst="orthographicFront"/>
+      <a:lightRig rig="threePt" dir="t"/>
+    </dgm:scene3d>
+    <dgm:sp3d/>
+    <dgm:txPr/>
+    <dgm:style>
+      <a:lnRef idx="0">
+        <a:scrgbClr r="0" g="0" b="0"/>
+      </a:lnRef>
+      <a:fillRef idx="1">
+        <a:scrgbClr r="0" g="0" b="0"/>
+      </a:fillRef>
+      <a:effectRef idx="0">
+        <a:scrgbClr r="0" g="0" b="0"/>
+      </a:effectRef>
+      <a:fontRef idx="minor"/>
+    </dgm:style>
+  </dgm:styleLbl>
+  <dgm:styleLbl name="trBgShp">
+    <dgm:scene3d>
+      <a:camera prst="orthographicFront"/>
+      <a:lightRig rig="threePt" dir="t"/>
+    </dgm:scene3d>
+    <dgm:sp3d/>
+    <dgm:txPr/>
+    <dgm:style>
+      <a:lnRef idx="0">
+        <a:scrgbClr r="0" g="0" b="0"/>
+      </a:lnRef>
+      <a:fillRef idx="1">
+        <a:scrgbClr r="0" g="0" b="0"/>
+      </a:fillRef>
+      <a:effectRef idx="0">
+        <a:scrgbClr r="0" g="0" b="0"/>
+      </a:effectRef>
+      <a:fontRef idx="minor"/>
+    </dgm:style>
+  </dgm:styleLbl>
+  <dgm:styleLbl name="fgShp">
+    <dgm:scene3d>
+      <a:camera prst="orthographicFront"/>
+      <a:lightRig rig="threePt" dir="t"/>
+    </dgm:scene3d>
+    <dgm:sp3d/>
+    <dgm:txPr/>
+    <dgm:style>
+      <a:lnRef idx="2">
+        <a:scrgbClr r="0" g="0" b="0"/>
+      </a:lnRef>
+      <a:fillRef idx="1">
+        <a:scrgbClr r="0" g="0" b="0"/>
+      </a:fillRef>
+      <a:effectRef idx="0">
+        <a:scrgbClr r="0" g="0" b="0"/>
+      </a:effectRef>
+      <a:fontRef idx="minor"/>
+    </dgm:style>
+  </dgm:styleLbl>
+  <dgm:styleLbl name="revTx">
+    <dgm:scene3d>
+      <a:camera prst="orthographicFront"/>
+      <a:lightRig rig="threePt" dir="t"/>
+    </dgm:scene3d>
+    <dgm:sp3d/>
+    <dgm:txPr/>
+    <dgm:style>
+      <a:lnRef idx="0">
+        <a:scrgbClr r="0" g="0" b="0"/>
+      </a:lnRef>
+      <a:fillRef idx="0">
+        <a:scrgbClr r="0" g="0" b="0"/>
+      </a:fillRef>
+      <a:effectRef idx="0">
+        <a:scrgbClr r="0" g="0" b="0"/>
+      </a:effectRef>
+      <a:fontRef idx="minor"/>
+    </dgm:style>
+  </dgm:styleLbl>
+</dgm:styleDef>
+</file>
+
 <file path=ppt/handoutMasters/handoutMaster1.xml><?xml version="1.0" encoding="utf-8"?>
 <p:handoutMaster xmlns:a="http://schemas.openxmlformats.org/drawingml/2006/main" xmlns:r="http://schemas.openxmlformats.org/officeDocument/2006/relationships" xmlns:p="http://schemas.openxmlformats.org/presentationml/2006/main">
   <p:cSld>
@@ -298,7 +2857,7 @@
             <a:fld id="{128FCA9C-FF92-4024-BDEC-A6D3B663DC09}" type="datetimeFigureOut">
               <a:rPr lang="pl-PL" smtClean="0"/>
               <a:pPr/>
-              <a:t>18.06.2017</a:t>
+              <a:t>19.06.2017</a:t>
             </a:fld>
             <a:endParaRPr lang="pl-PL" dirty="0"/>
           </a:p>
@@ -465,7 +3024,7 @@
             <a:fld id="{772AB877-E7B1-4681-847E-D0918612832B}" type="datetimeFigureOut">
               <a:rPr lang="pl-PL" smtClean="0"/>
               <a:pPr/>
-              <a:t>18.06.2017</a:t>
+              <a:t>19.06.2017</a:t>
             </a:fld>
             <a:endParaRPr lang="pl-PL" dirty="0"/>
           </a:p>
@@ -43677,7 +46236,7 @@
             <a:fld id="{EDF33987-6305-4E2A-BF18-EF013ECE927B}" type="datetimeFigureOut">
               <a:rPr lang="pl-PL" smtClean="0"/>
               <a:pPr/>
-              <a:t>18.06.2017</a:t>
+              <a:t>19.06.2017</a:t>
             </a:fld>
             <a:endParaRPr lang="pl-PL" dirty="0"/>
           </a:p>
@@ -43887,7 +46446,7 @@
             <a:fld id="{EDF33987-6305-4E2A-BF18-EF013ECE927B}" type="datetimeFigureOut">
               <a:rPr lang="pl-PL" smtClean="0"/>
               <a:pPr/>
-              <a:t>18.06.2017</a:t>
+              <a:t>19.06.2017</a:t>
             </a:fld>
             <a:endParaRPr lang="pl-PL" dirty="0"/>
           </a:p>
@@ -44087,7 +46646,7 @@
             <a:fld id="{EDF33987-6305-4E2A-BF18-EF013ECE927B}" type="datetimeFigureOut">
               <a:rPr lang="pl-PL" smtClean="0"/>
               <a:pPr/>
-              <a:t>18.06.2017</a:t>
+              <a:t>19.06.2017</a:t>
             </a:fld>
             <a:endParaRPr lang="pl-PL" dirty="0"/>
           </a:p>
@@ -44350,7 +46909,7 @@
             <a:fld id="{EDF33987-6305-4E2A-BF18-EF013ECE927B}" type="datetimeFigureOut">
               <a:rPr lang="pl-PL" smtClean="0"/>
               <a:pPr/>
-              <a:t>18.06.2017</a:t>
+              <a:t>19.06.2017</a:t>
             </a:fld>
             <a:endParaRPr lang="pl-PL" dirty="0"/>
           </a:p>
@@ -44656,7 +47215,7 @@
             <a:fld id="{EDF33987-6305-4E2A-BF18-EF013ECE927B}" type="datetimeFigureOut">
               <a:rPr lang="pl-PL" smtClean="0"/>
               <a:pPr/>
-              <a:t>18.06.2017</a:t>
+              <a:t>19.06.2017</a:t>
             </a:fld>
             <a:endParaRPr lang="pl-PL" dirty="0"/>
           </a:p>
@@ -45119,7 +47678,7 @@
             <a:fld id="{EDF33987-6305-4E2A-BF18-EF013ECE927B}" type="datetimeFigureOut">
               <a:rPr lang="pl-PL" smtClean="0"/>
               <a:pPr/>
-              <a:t>18.06.2017</a:t>
+              <a:t>19.06.2017</a:t>
             </a:fld>
             <a:endParaRPr lang="pl-PL" dirty="0"/>
           </a:p>
@@ -45251,7 +47810,7 @@
             <a:fld id="{EDF33987-6305-4E2A-BF18-EF013ECE927B}" type="datetimeFigureOut">
               <a:rPr lang="pl-PL" smtClean="0"/>
               <a:pPr/>
-              <a:t>18.06.2017</a:t>
+              <a:t>19.06.2017</a:t>
             </a:fld>
             <a:endParaRPr lang="pl-PL" dirty="0"/>
           </a:p>
@@ -45360,7 +47919,7 @@
             <a:fld id="{EDF33987-6305-4E2A-BF18-EF013ECE927B}" type="datetimeFigureOut">
               <a:rPr lang="pl-PL" smtClean="0"/>
               <a:pPr/>
-              <a:t>18.06.2017</a:t>
+              <a:t>19.06.2017</a:t>
             </a:fld>
             <a:endParaRPr lang="pl-PL" dirty="0"/>
           </a:p>
@@ -45729,7 +48288,7 @@
             <a:fld id="{EDF33987-6305-4E2A-BF18-EF013ECE927B}" type="datetimeFigureOut">
               <a:rPr lang="pl-PL" smtClean="0"/>
               <a:pPr/>
-              <a:t>18.06.2017</a:t>
+              <a:t>19.06.2017</a:t>
             </a:fld>
             <a:endParaRPr lang="pl-PL" dirty="0"/>
           </a:p>
@@ -46091,7 +48650,7 @@
             <a:fld id="{EDF33987-6305-4E2A-BF18-EF013ECE927B}" type="datetimeFigureOut">
               <a:rPr lang="pl-PL" smtClean="0"/>
               <a:pPr/>
-              <a:t>18.06.2017</a:t>
+              <a:t>19.06.2017</a:t>
             </a:fld>
             <a:endParaRPr lang="pl-PL" dirty="0"/>
           </a:p>
@@ -46338,7 +48897,7 @@
             <a:fld id="{EDF33987-6305-4E2A-BF18-EF013ECE927B}" type="datetimeFigureOut">
               <a:rPr lang="pl-PL" smtClean="0"/>
               <a:pPr/>
-              <a:t>18.06.2017</a:t>
+              <a:t>19.06.2017</a:t>
             </a:fld>
             <a:endParaRPr lang="pl-PL" dirty="0"/>
           </a:p>
@@ -46886,6 +49445,147 @@
       </p:transition>
     </mc:Fallback>
   </mc:AlternateContent>
+  <p:timing>
+    <p:tnLst>
+      <p:par>
+        <p:cTn id="1" dur="indefinite" restart="never" nodeType="tmRoot">
+          <p:childTnLst>
+            <p:seq concurrent="1" nextAc="seek">
+              <p:cTn id="2" dur="indefinite" nodeType="mainSeq">
+                <p:childTnLst>
+                  <p:par>
+                    <p:cTn id="3" fill="hold">
+                      <p:stCondLst>
+                        <p:cond delay="indefinite"/>
+                        <p:cond evt="onBegin" delay="0">
+                          <p:tn val="2"/>
+                        </p:cond>
+                      </p:stCondLst>
+                      <p:childTnLst>
+                        <p:par>
+                          <p:cTn id="4" fill="hold">
+                            <p:stCondLst>
+                              <p:cond delay="0"/>
+                            </p:stCondLst>
+                            <p:childTnLst>
+                              <p:par>
+                                <p:cTn id="5" presetID="10" presetClass="entr" presetSubtype="0" fill="hold" nodeType="withEffect">
+                                  <p:stCondLst>
+                                    <p:cond delay="250"/>
+                                  </p:stCondLst>
+                                  <p:childTnLst>
+                                    <p:set>
+                                      <p:cBhvr>
+                                        <p:cTn id="6" dur="1" fill="hold">
+                                          <p:stCondLst>
+                                            <p:cond delay="0"/>
+                                          </p:stCondLst>
+                                        </p:cTn>
+                                        <p:tgtEl>
+                                          <p:spTgt spid="8"/>
+                                        </p:tgtEl>
+                                        <p:attrNameLst>
+                                          <p:attrName>style.visibility</p:attrName>
+                                        </p:attrNameLst>
+                                      </p:cBhvr>
+                                      <p:to>
+                                        <p:strVal val="visible"/>
+                                      </p:to>
+                                    </p:set>
+                                    <p:animEffect transition="in" filter="fade">
+                                      <p:cBhvr>
+                                        <p:cTn id="7" dur="250"/>
+                                        <p:tgtEl>
+                                          <p:spTgt spid="8"/>
+                                        </p:tgtEl>
+                                      </p:cBhvr>
+                                    </p:animEffect>
+                                  </p:childTnLst>
+                                </p:cTn>
+                              </p:par>
+                            </p:childTnLst>
+                          </p:cTn>
+                        </p:par>
+                        <p:par>
+                          <p:cTn id="8" fill="hold">
+                            <p:stCondLst>
+                              <p:cond delay="500"/>
+                            </p:stCondLst>
+                            <p:childTnLst>
+                              <p:par>
+                                <p:cTn id="9" presetID="10" presetClass="entr" presetSubtype="0" fill="hold" grpId="0" nodeType="afterEffect">
+                                  <p:stCondLst>
+                                    <p:cond delay="500"/>
+                                  </p:stCondLst>
+                                  <p:childTnLst>
+                                    <p:set>
+                                      <p:cBhvr>
+                                        <p:cTn id="10" dur="1" fill="hold">
+                                          <p:stCondLst>
+                                            <p:cond delay="0"/>
+                                          </p:stCondLst>
+                                        </p:cTn>
+                                        <p:tgtEl>
+                                          <p:spTgt spid="3">
+                                            <p:txEl>
+                                              <p:pRg st="0" end="0"/>
+                                            </p:txEl>
+                                          </p:spTgt>
+                                        </p:tgtEl>
+                                        <p:attrNameLst>
+                                          <p:attrName>style.visibility</p:attrName>
+                                        </p:attrNameLst>
+                                      </p:cBhvr>
+                                      <p:to>
+                                        <p:strVal val="visible"/>
+                                      </p:to>
+                                    </p:set>
+                                    <p:animEffect transition="in" filter="fade">
+                                      <p:cBhvr>
+                                        <p:cTn id="11" dur="250"/>
+                                        <p:tgtEl>
+                                          <p:spTgt spid="3">
+                                            <p:txEl>
+                                              <p:pRg st="0" end="0"/>
+                                            </p:txEl>
+                                          </p:spTgt>
+                                        </p:tgtEl>
+                                      </p:cBhvr>
+                                    </p:animEffect>
+                                  </p:childTnLst>
+                                </p:cTn>
+                              </p:par>
+                            </p:childTnLst>
+                          </p:cTn>
+                        </p:par>
+                      </p:childTnLst>
+                    </p:cTn>
+                  </p:par>
+                </p:childTnLst>
+              </p:cTn>
+              <p:prevCondLst>
+                <p:cond evt="onPrev" delay="0">
+                  <p:tgtEl>
+                    <p:sldTgt/>
+                  </p:tgtEl>
+                </p:cond>
+              </p:prevCondLst>
+              <p:nextCondLst>
+                <p:cond evt="onNext" delay="0">
+                  <p:tgtEl>
+                    <p:sldTgt/>
+                  </p:tgtEl>
+                </p:cond>
+              </p:nextCondLst>
+            </p:seq>
+          </p:childTnLst>
+        </p:cTn>
+      </p:par>
+    </p:tnLst>
+    <p:bldLst>
+      <p:bldP spid="3" grpId="0" build="p"/>
+    </p:bldLst>
+  </p:timing>
 </p:sld>
 </file>
 
@@ -46929,7 +49629,7 @@
           <a:p>
             <a:r>
               <a:rPr lang="pl-PL" dirty="0"/>
-              <a:t>Po co?</a:t>
+              <a:t>Po co robi?</a:t>
             </a:r>
           </a:p>
         </p:txBody>
@@ -46950,14 +49650,19 @@
             <p:ph idx="1"/>
           </p:nvPr>
         </p:nvSpPr>
-        <p:spPr/>
+        <p:spPr>
+          <a:xfrm>
+            <a:off x="913452" y="1828800"/>
+            <a:ext cx="7317105" cy="3616424"/>
+          </a:xfrm>
+        </p:spPr>
         <p:txBody>
-          <a:bodyPr/>
+          <a:bodyPr anchor="ctr"/>
           <a:lstStyle/>
           <a:p>
             <a:r>
               <a:rPr lang="pl-PL" dirty="0"/>
-              <a:t>Prosta wizualizacja danych liczbowych</a:t>
+              <a:t>Graficzna wizualizacja danych liczbowych</a:t>
             </a:r>
           </a:p>
           <a:p>
@@ -46990,10 +49695,432 @@
       </p:transition>
     </mc:Fallback>
   </mc:AlternateContent>
+  <p:timing>
+    <p:tnLst>
+      <p:par>
+        <p:cTn id="1" dur="indefinite" restart="never" nodeType="tmRoot">
+          <p:childTnLst>
+            <p:seq concurrent="1" nextAc="seek">
+              <p:cTn id="2" dur="indefinite" nodeType="mainSeq">
+                <p:childTnLst>
+                  <p:par>
+                    <p:cTn id="3" fill="hold">
+                      <p:stCondLst>
+                        <p:cond delay="indefinite"/>
+                        <p:cond evt="onBegin" delay="0">
+                          <p:tn val="2"/>
+                        </p:cond>
+                      </p:stCondLst>
+                      <p:childTnLst>
+                        <p:par>
+                          <p:cTn id="4" fill="hold">
+                            <p:stCondLst>
+                              <p:cond delay="0"/>
+                            </p:stCondLst>
+                            <p:childTnLst>
+                              <p:par>
+                                <p:cTn id="5" presetID="10" presetClass="entr" presetSubtype="0" fill="hold" grpId="0" nodeType="afterEffect">
+                                  <p:stCondLst>
+                                    <p:cond delay="0"/>
+                                  </p:stCondLst>
+                                  <p:childTnLst>
+                                    <p:set>
+                                      <p:cBhvr>
+                                        <p:cTn id="6" dur="1" fill="hold">
+                                          <p:stCondLst>
+                                            <p:cond delay="0"/>
+                                          </p:stCondLst>
+                                        </p:cTn>
+                                        <p:tgtEl>
+                                          <p:spTgt spid="2"/>
+                                        </p:tgtEl>
+                                        <p:attrNameLst>
+                                          <p:attrName>style.visibility</p:attrName>
+                                        </p:attrNameLst>
+                                      </p:cBhvr>
+                                      <p:to>
+                                        <p:strVal val="visible"/>
+                                      </p:to>
+                                    </p:set>
+                                    <p:animEffect transition="in" filter="fade">
+                                      <p:cBhvr>
+                                        <p:cTn id="7" dur="500"/>
+                                        <p:tgtEl>
+                                          <p:spTgt spid="2"/>
+                                        </p:tgtEl>
+                                      </p:cBhvr>
+                                    </p:animEffect>
+                                  </p:childTnLst>
+                                </p:cTn>
+                              </p:par>
+                            </p:childTnLst>
+                          </p:cTn>
+                        </p:par>
+                        <p:par>
+                          <p:cTn id="8" fill="hold">
+                            <p:stCondLst>
+                              <p:cond delay="500"/>
+                            </p:stCondLst>
+                            <p:childTnLst>
+                              <p:par>
+                                <p:cTn id="9" presetID="10" presetClass="entr" presetSubtype="0" fill="hold" grpId="0" nodeType="afterEffect">
+                                  <p:stCondLst>
+                                    <p:cond delay="0"/>
+                                  </p:stCondLst>
+                                  <p:childTnLst>
+                                    <p:set>
+                                      <p:cBhvr>
+                                        <p:cTn id="10" dur="1" fill="hold">
+                                          <p:stCondLst>
+                                            <p:cond delay="0"/>
+                                          </p:stCondLst>
+                                        </p:cTn>
+                                        <p:tgtEl>
+                                          <p:spTgt spid="3">
+                                            <p:txEl>
+                                              <p:pRg st="0" end="0"/>
+                                            </p:txEl>
+                                          </p:spTgt>
+                                        </p:tgtEl>
+                                        <p:attrNameLst>
+                                          <p:attrName>style.visibility</p:attrName>
+                                        </p:attrNameLst>
+                                      </p:cBhvr>
+                                      <p:to>
+                                        <p:strVal val="visible"/>
+                                      </p:to>
+                                    </p:set>
+                                    <p:animEffect transition="in" filter="fade">
+                                      <p:cBhvr>
+                                        <p:cTn id="11" dur="500"/>
+                                        <p:tgtEl>
+                                          <p:spTgt spid="3">
+                                            <p:txEl>
+                                              <p:pRg st="0" end="0"/>
+                                            </p:txEl>
+                                          </p:spTgt>
+                                        </p:tgtEl>
+                                      </p:cBhvr>
+                                    </p:animEffect>
+                                  </p:childTnLst>
+                                </p:cTn>
+                              </p:par>
+                              <p:par>
+                                <p:cTn id="12" presetID="10" presetClass="entr" presetSubtype="0" fill="hold" grpId="0" nodeType="withEffect">
+                                  <p:stCondLst>
+                                    <p:cond delay="0"/>
+                                  </p:stCondLst>
+                                  <p:childTnLst>
+                                    <p:set>
+                                      <p:cBhvr>
+                                        <p:cTn id="13" dur="1" fill="hold">
+                                          <p:stCondLst>
+                                            <p:cond delay="0"/>
+                                          </p:stCondLst>
+                                        </p:cTn>
+                                        <p:tgtEl>
+                                          <p:spTgt spid="3">
+                                            <p:txEl>
+                                              <p:pRg st="1" end="1"/>
+                                            </p:txEl>
+                                          </p:spTgt>
+                                        </p:tgtEl>
+                                        <p:attrNameLst>
+                                          <p:attrName>style.visibility</p:attrName>
+                                        </p:attrNameLst>
+                                      </p:cBhvr>
+                                      <p:to>
+                                        <p:strVal val="visible"/>
+                                      </p:to>
+                                    </p:set>
+                                    <p:animEffect transition="in" filter="fade">
+                                      <p:cBhvr>
+                                        <p:cTn id="14" dur="500"/>
+                                        <p:tgtEl>
+                                          <p:spTgt spid="3">
+                                            <p:txEl>
+                                              <p:pRg st="1" end="1"/>
+                                            </p:txEl>
+                                          </p:spTgt>
+                                        </p:tgtEl>
+                                      </p:cBhvr>
+                                    </p:animEffect>
+                                  </p:childTnLst>
+                                </p:cTn>
+                              </p:par>
+                            </p:childTnLst>
+                          </p:cTn>
+                        </p:par>
+                      </p:childTnLst>
+                    </p:cTn>
+                  </p:par>
+                </p:childTnLst>
+              </p:cTn>
+              <p:prevCondLst>
+                <p:cond evt="onPrev" delay="0">
+                  <p:tgtEl>
+                    <p:sldTgt/>
+                  </p:tgtEl>
+                </p:cond>
+              </p:prevCondLst>
+              <p:nextCondLst>
+                <p:cond evt="onNext" delay="0">
+                  <p:tgtEl>
+                    <p:sldTgt/>
+                  </p:tgtEl>
+                </p:cond>
+              </p:nextCondLst>
+            </p:seq>
+          </p:childTnLst>
+        </p:cTn>
+      </p:par>
+    </p:tnLst>
+    <p:bldLst>
+      <p:bldP spid="2" grpId="0"/>
+      <p:bldP spid="3" grpId="0" uiExpand="1" build="p"/>
+    </p:bldLst>
+  </p:timing>
 </p:sld>
 </file>
 
 <file path=ppt/slides/slide3.xml><?xml version="1.0" encoding="utf-8"?>
+<p:sld xmlns:a="http://schemas.openxmlformats.org/drawingml/2006/main" xmlns:r="http://schemas.openxmlformats.org/officeDocument/2006/relationships" xmlns:p="http://schemas.openxmlformats.org/presentationml/2006/main">
+  <p:cSld>
+    <p:spTree>
+      <p:nvGrpSpPr>
+        <p:cNvPr id="1" name=""/>
+        <p:cNvGrpSpPr/>
+        <p:nvPr/>
+      </p:nvGrpSpPr>
+      <p:grpSpPr>
+        <a:xfrm>
+          <a:off x="0" y="0"/>
+          <a:ext cx="0" cy="0"/>
+          <a:chOff x="0" y="0"/>
+          <a:chExt cx="0" cy="0"/>
+        </a:xfrm>
+      </p:grpSpPr>
+      <p:sp>
+        <p:nvSpPr>
+          <p:cNvPr id="2" name="Tytuł 1">
+            <a:extLst>
+              <a:ext uri="{FF2B5EF4-FFF2-40B4-BE49-F238E27FC236}">
+                <a16:creationId xmlns:a16="http://schemas.microsoft.com/office/drawing/2014/main" id="{6A05233D-C646-41B7-8CF5-8170338579F4}"/>
+              </a:ext>
+            </a:extLst>
+          </p:cNvPr>
+          <p:cNvSpPr>
+            <a:spLocks noGrp="1"/>
+          </p:cNvSpPr>
+          <p:nvPr>
+            <p:ph type="title"/>
+          </p:nvPr>
+        </p:nvSpPr>
+        <p:spPr/>
+        <p:txBody>
+          <a:bodyPr/>
+          <a:lstStyle/>
+          <a:p>
+            <a:r>
+              <a:rPr lang="pl-PL" dirty="0"/>
+              <a:t>Co robi?</a:t>
+            </a:r>
+          </a:p>
+        </p:txBody>
+      </p:sp>
+      <p:graphicFrame>
+        <p:nvGraphicFramePr>
+          <p:cNvPr id="4" name="Symbol zastępczy zawartości 3">
+            <a:extLst>
+              <a:ext uri="{FF2B5EF4-FFF2-40B4-BE49-F238E27FC236}">
+                <a16:creationId xmlns:a16="http://schemas.microsoft.com/office/drawing/2014/main" id="{84B90EBD-5F09-4CFB-9A4F-B9066D5A7E7E}"/>
+              </a:ext>
+            </a:extLst>
+          </p:cNvPr>
+          <p:cNvGraphicFramePr>
+            <a:graphicFrameLocks noGrp="1"/>
+          </p:cNvGraphicFramePr>
+          <p:nvPr>
+            <p:ph idx="1"/>
+            <p:extLst>
+              <p:ext uri="{D42A27DB-BD31-4B8C-83A1-F6EECF244321}">
+                <p14:modId xmlns:p14="http://schemas.microsoft.com/office/powerpoint/2010/main" val="67803563"/>
+              </p:ext>
+            </p:extLst>
+          </p:nvPr>
+        </p:nvGraphicFramePr>
+        <p:xfrm>
+          <a:off x="912813" y="1828800"/>
+          <a:ext cx="7318375" cy="4343400"/>
+        </p:xfrm>
+        <a:graphic>
+          <a:graphicData uri="http://schemas.openxmlformats.org/drawingml/2006/diagram">
+            <dgm:relIds xmlns:dgm="http://schemas.openxmlformats.org/drawingml/2006/diagram" xmlns:r="http://schemas.openxmlformats.org/officeDocument/2006/relationships" r:dm="rId2" r:lo="rId3" r:qs="rId4" r:cs="rId5"/>
+          </a:graphicData>
+        </a:graphic>
+      </p:graphicFrame>
+    </p:spTree>
+    <p:extLst>
+      <p:ext uri="{BB962C8B-B14F-4D97-AF65-F5344CB8AC3E}">
+        <p14:creationId xmlns:p14="http://schemas.microsoft.com/office/powerpoint/2010/main" val="3016211128"/>
+      </p:ext>
+    </p:extLst>
+  </p:cSld>
+  <p:clrMapOvr>
+    <a:masterClrMapping/>
+  </p:clrMapOvr>
+  <mc:AlternateContent xmlns:mc="http://schemas.openxmlformats.org/markup-compatibility/2006" xmlns:p14="http://schemas.microsoft.com/office/powerpoint/2010/main">
+    <mc:Choice Requires="p14">
+      <p:transition spd="med" p14:dur="700">
+        <p:fade/>
+      </p:transition>
+    </mc:Choice>
+    <mc:Fallback xmlns="">
+      <p:transition spd="med">
+        <p:fade/>
+      </p:transition>
+    </mc:Fallback>
+  </mc:AlternateContent>
+  <p:timing>
+    <p:tnLst>
+      <p:par>
+        <p:cTn id="1" dur="indefinite" restart="never" nodeType="tmRoot">
+          <p:childTnLst>
+            <p:seq concurrent="1" nextAc="seek">
+              <p:cTn id="2" dur="indefinite" nodeType="mainSeq">
+                <p:childTnLst>
+                  <p:par>
+                    <p:cTn id="3" fill="hold">
+                      <p:stCondLst>
+                        <p:cond delay="indefinite"/>
+                        <p:cond evt="onBegin" delay="0">
+                          <p:tn val="2"/>
+                        </p:cond>
+                      </p:stCondLst>
+                      <p:childTnLst>
+                        <p:par>
+                          <p:cTn id="4" fill="hold">
+                            <p:stCondLst>
+                              <p:cond delay="0"/>
+                            </p:stCondLst>
+                            <p:childTnLst>
+                              <p:par>
+                                <p:cTn id="5" presetID="10" presetClass="entr" presetSubtype="0" fill="hold" grpId="0" nodeType="afterEffect">
+                                  <p:stCondLst>
+                                    <p:cond delay="0"/>
+                                  </p:stCondLst>
+                                  <p:childTnLst>
+                                    <p:set>
+                                      <p:cBhvr>
+                                        <p:cTn id="6" dur="1" fill="hold">
+                                          <p:stCondLst>
+                                            <p:cond delay="0"/>
+                                          </p:stCondLst>
+                                        </p:cTn>
+                                        <p:tgtEl>
+                                          <p:spTgt spid="2"/>
+                                        </p:tgtEl>
+                                        <p:attrNameLst>
+                                          <p:attrName>style.visibility</p:attrName>
+                                        </p:attrNameLst>
+                                      </p:cBhvr>
+                                      <p:to>
+                                        <p:strVal val="visible"/>
+                                      </p:to>
+                                    </p:set>
+                                    <p:animEffect transition="in" filter="fade">
+                                      <p:cBhvr>
+                                        <p:cTn id="7" dur="500"/>
+                                        <p:tgtEl>
+                                          <p:spTgt spid="2"/>
+                                        </p:tgtEl>
+                                      </p:cBhvr>
+                                    </p:animEffect>
+                                  </p:childTnLst>
+                                </p:cTn>
+                              </p:par>
+                            </p:childTnLst>
+                          </p:cTn>
+                        </p:par>
+                        <p:par>
+                          <p:cTn id="8" fill="hold">
+                            <p:stCondLst>
+                              <p:cond delay="500"/>
+                            </p:stCondLst>
+                            <p:childTnLst>
+                              <p:par>
+                                <p:cTn id="9" presetID="10" presetClass="entr" presetSubtype="0" fill="hold" grpId="0" nodeType="afterEffect">
+                                  <p:stCondLst>
+                                    <p:cond delay="0"/>
+                                  </p:stCondLst>
+                                  <p:childTnLst>
+                                    <p:set>
+                                      <p:cBhvr>
+                                        <p:cTn id="10" dur="1" fill="hold">
+                                          <p:stCondLst>
+                                            <p:cond delay="0"/>
+                                          </p:stCondLst>
+                                        </p:cTn>
+                                        <p:tgtEl>
+                                          <p:spTgt spid="4"/>
+                                        </p:tgtEl>
+                                        <p:attrNameLst>
+                                          <p:attrName>style.visibility</p:attrName>
+                                        </p:attrNameLst>
+                                      </p:cBhvr>
+                                      <p:to>
+                                        <p:strVal val="visible"/>
+                                      </p:to>
+                                    </p:set>
+                                    <p:animEffect transition="in" filter="fade">
+                                      <p:cBhvr>
+                                        <p:cTn id="11" dur="500"/>
+                                        <p:tgtEl>
+                                          <p:spTgt spid="4"/>
+                                        </p:tgtEl>
+                                      </p:cBhvr>
+                                    </p:animEffect>
+                                  </p:childTnLst>
+                                </p:cTn>
+                              </p:par>
+                            </p:childTnLst>
+                          </p:cTn>
+                        </p:par>
+                      </p:childTnLst>
+                    </p:cTn>
+                  </p:par>
+                </p:childTnLst>
+              </p:cTn>
+              <p:prevCondLst>
+                <p:cond evt="onPrev" delay="0">
+                  <p:tgtEl>
+                    <p:sldTgt/>
+                  </p:tgtEl>
+                </p:cond>
+              </p:prevCondLst>
+              <p:nextCondLst>
+                <p:cond evt="onNext" delay="0">
+                  <p:tgtEl>
+                    <p:sldTgt/>
+                  </p:tgtEl>
+                </p:cond>
+              </p:nextCondLst>
+            </p:seq>
+          </p:childTnLst>
+        </p:cTn>
+      </p:par>
+    </p:tnLst>
+    <p:bldLst>
+      <p:bldP spid="2" grpId="0"/>
+      <p:bldGraphic spid="4" grpId="0">
+        <p:bldAsOne/>
+      </p:bldGraphic>
+    </p:bldLst>
+  </p:timing>
+</p:sld>
+</file>
+
+<file path=ppt/slides/slide4.xml><?xml version="1.0" encoding="utf-8"?>
 <p:sld xmlns:a="http://schemas.openxmlformats.org/drawingml/2006/main" xmlns:r="http://schemas.openxmlformats.org/officeDocument/2006/relationships" xmlns:p="http://schemas.openxmlformats.org/presentationml/2006/main">
   <p:cSld>
     <p:spTree>
@@ -47038,7 +50165,7 @@
           <a:p>
             <a:r>
               <a:rPr lang="pl-PL" dirty="0"/>
-              <a:t>Użyte technologie</a:t>
+              <a:t>Jak robi?</a:t>
             </a:r>
           </a:p>
         </p:txBody>
@@ -47115,10 +50242,10 @@
       </p:sp>
       <p:pic>
         <p:nvPicPr>
-          <p:cNvPr id="5" name="Obraz 4">
+          <p:cNvPr id="4" name="Obraz 3">
             <a:extLst>
               <a:ext uri="{FF2B5EF4-FFF2-40B4-BE49-F238E27FC236}">
-                <a16:creationId xmlns:a16="http://schemas.microsoft.com/office/drawing/2014/main" id="{38E0B2E8-260F-4B15-8EFE-0B6312181C1C}"/>
+                <a16:creationId xmlns:a16="http://schemas.microsoft.com/office/drawing/2014/main" id="{A127FBB4-D571-4597-BDC4-48A2B518FC58}"/>
               </a:ext>
             </a:extLst>
           </p:cNvPr>
@@ -47135,8 +50262,8 @@
         </p:blipFill>
         <p:spPr>
           <a:xfrm>
-            <a:off x="0" y="1600200"/>
-            <a:ext cx="9144000" cy="6725344"/>
+            <a:off x="-10955" y="1828800"/>
+            <a:ext cx="9144000" cy="6249828"/>
           </a:xfrm>
           <a:prstGeom prst="rect">
             <a:avLst/>
@@ -47177,6 +50304,9 @@
                     <p:cTn id="3" fill="hold">
                       <p:stCondLst>
                         <p:cond delay="indefinite"/>
+                        <p:cond evt="onBegin" delay="0">
+                          <p:tn val="2"/>
+                        </p:cond>
                       </p:stCondLst>
                       <p:childTnLst>
                         <p:par>
@@ -47186,23 +50316,409 @@
                             </p:stCondLst>
                             <p:childTnLst>
                               <p:par>
-                                <p:cTn id="5" presetID="42" presetClass="path" presetSubtype="0" accel="50000" decel="50000" fill="hold" nodeType="clickEffect">
+                                <p:cTn id="5" presetID="10" presetClass="entr" presetSubtype="0" fill="hold" grpId="0" nodeType="afterEffect">
                                   <p:stCondLst>
                                     <p:cond delay="0"/>
                                   </p:stCondLst>
                                   <p:childTnLst>
-                                    <p:animMotion origin="layout" path="M 0 -1.11111E-6 L 0 0.53241 " pathEditMode="relative" rAng="0" ptsTypes="AA">
+                                    <p:set>
                                       <p:cBhvr>
-                                        <p:cTn id="6" dur="2000" fill="hold"/>
+                                        <p:cTn id="6" dur="1" fill="hold">
+                                          <p:stCondLst>
+                                            <p:cond delay="0"/>
+                                          </p:stCondLst>
+                                        </p:cTn>
                                         <p:tgtEl>
-                                          <p:spTgt spid="5"/>
+                                          <p:spTgt spid="2"/>
+                                        </p:tgtEl>
+                                        <p:attrNameLst>
+                                          <p:attrName>style.visibility</p:attrName>
+                                        </p:attrNameLst>
+                                      </p:cBhvr>
+                                      <p:to>
+                                        <p:strVal val="visible"/>
+                                      </p:to>
+                                    </p:set>
+                                    <p:animEffect transition="in" filter="fade">
+                                      <p:cBhvr>
+                                        <p:cTn id="7" dur="500"/>
+                                        <p:tgtEl>
+                                          <p:spTgt spid="2"/>
+                                        </p:tgtEl>
+                                      </p:cBhvr>
+                                    </p:animEffect>
+                                  </p:childTnLst>
+                                </p:cTn>
+                              </p:par>
+                            </p:childTnLst>
+                          </p:cTn>
+                        </p:par>
+                        <p:par>
+                          <p:cTn id="8" fill="hold">
+                            <p:stCondLst>
+                              <p:cond delay="500"/>
+                            </p:stCondLst>
+                            <p:childTnLst>
+                              <p:par>
+                                <p:cTn id="9" presetID="10" presetClass="entr" presetSubtype="0" fill="hold" nodeType="afterEffect">
+                                  <p:stCondLst>
+                                    <p:cond delay="0"/>
+                                  </p:stCondLst>
+                                  <p:childTnLst>
+                                    <p:set>
+                                      <p:cBhvr>
+                                        <p:cTn id="10" dur="1" fill="hold">
+                                          <p:stCondLst>
+                                            <p:cond delay="0"/>
+                                          </p:stCondLst>
+                                        </p:cTn>
+                                        <p:tgtEl>
+                                          <p:spTgt spid="4"/>
+                                        </p:tgtEl>
+                                        <p:attrNameLst>
+                                          <p:attrName>style.visibility</p:attrName>
+                                        </p:attrNameLst>
+                                      </p:cBhvr>
+                                      <p:to>
+                                        <p:strVal val="visible"/>
+                                      </p:to>
+                                    </p:set>
+                                    <p:animEffect transition="in" filter="fade">
+                                      <p:cBhvr>
+                                        <p:cTn id="11" dur="500"/>
+                                        <p:tgtEl>
+                                          <p:spTgt spid="4"/>
+                                        </p:tgtEl>
+                                      </p:cBhvr>
+                                    </p:animEffect>
+                                  </p:childTnLst>
+                                </p:cTn>
+                              </p:par>
+                            </p:childTnLst>
+                          </p:cTn>
+                        </p:par>
+                        <p:par>
+                          <p:cTn id="12" fill="hold">
+                            <p:stCondLst>
+                              <p:cond delay="1000"/>
+                            </p:stCondLst>
+                            <p:childTnLst>
+                              <p:par>
+                                <p:cTn id="13" presetID="1" presetClass="entr" presetSubtype="0" fill="hold" grpId="0" nodeType="afterEffect">
+                                  <p:stCondLst>
+                                    <p:cond delay="0"/>
+                                  </p:stCondLst>
+                                  <p:childTnLst>
+                                    <p:set>
+                                      <p:cBhvr>
+                                        <p:cTn id="14" dur="1" fill="hold">
+                                          <p:stCondLst>
+                                            <p:cond delay="0"/>
+                                          </p:stCondLst>
+                                        </p:cTn>
+                                        <p:tgtEl>
+                                          <p:spTgt spid="3">
+                                            <p:txEl>
+                                              <p:pRg st="0" end="0"/>
+                                            </p:txEl>
+                                          </p:spTgt>
+                                        </p:tgtEl>
+                                        <p:attrNameLst>
+                                          <p:attrName>style.visibility</p:attrName>
+                                        </p:attrNameLst>
+                                      </p:cBhvr>
+                                      <p:to>
+                                        <p:strVal val="visible"/>
+                                      </p:to>
+                                    </p:set>
+                                  </p:childTnLst>
+                                </p:cTn>
+                              </p:par>
+                              <p:par>
+                                <p:cTn id="15" presetID="10" presetClass="entr" presetSubtype="0" fill="hold" grpId="0" nodeType="withEffect">
+                                  <p:stCondLst>
+                                    <p:cond delay="0"/>
+                                  </p:stCondLst>
+                                  <p:childTnLst>
+                                    <p:set>
+                                      <p:cBhvr>
+                                        <p:cTn id="16" dur="1" fill="hold">
+                                          <p:stCondLst>
+                                            <p:cond delay="0"/>
+                                          </p:stCondLst>
+                                        </p:cTn>
+                                        <p:tgtEl>
+                                          <p:spTgt spid="3">
+                                            <p:txEl>
+                                              <p:pRg st="1" end="1"/>
+                                            </p:txEl>
+                                          </p:spTgt>
+                                        </p:tgtEl>
+                                        <p:attrNameLst>
+                                          <p:attrName>style.visibility</p:attrName>
+                                        </p:attrNameLst>
+                                      </p:cBhvr>
+                                      <p:to>
+                                        <p:strVal val="visible"/>
+                                      </p:to>
+                                    </p:set>
+                                    <p:animEffect transition="in" filter="fade">
+                                      <p:cBhvr>
+                                        <p:cTn id="17" dur="500"/>
+                                        <p:tgtEl>
+                                          <p:spTgt spid="3">
+                                            <p:txEl>
+                                              <p:pRg st="1" end="1"/>
+                                            </p:txEl>
+                                          </p:spTgt>
+                                        </p:tgtEl>
+                                      </p:cBhvr>
+                                    </p:animEffect>
+                                  </p:childTnLst>
+                                </p:cTn>
+                              </p:par>
+                              <p:par>
+                                <p:cTn id="18" presetID="10" presetClass="entr" presetSubtype="0" fill="hold" grpId="0" nodeType="withEffect">
+                                  <p:stCondLst>
+                                    <p:cond delay="0"/>
+                                  </p:stCondLst>
+                                  <p:childTnLst>
+                                    <p:set>
+                                      <p:cBhvr>
+                                        <p:cTn id="19" dur="1" fill="hold">
+                                          <p:stCondLst>
+                                            <p:cond delay="0"/>
+                                          </p:stCondLst>
+                                        </p:cTn>
+                                        <p:tgtEl>
+                                          <p:spTgt spid="3">
+                                            <p:txEl>
+                                              <p:pRg st="2" end="2"/>
+                                            </p:txEl>
+                                          </p:spTgt>
+                                        </p:tgtEl>
+                                        <p:attrNameLst>
+                                          <p:attrName>style.visibility</p:attrName>
+                                        </p:attrNameLst>
+                                      </p:cBhvr>
+                                      <p:to>
+                                        <p:strVal val="visible"/>
+                                      </p:to>
+                                    </p:set>
+                                    <p:animEffect transition="in" filter="fade">
+                                      <p:cBhvr>
+                                        <p:cTn id="20" dur="500"/>
+                                        <p:tgtEl>
+                                          <p:spTgt spid="3">
+                                            <p:txEl>
+                                              <p:pRg st="2" end="2"/>
+                                            </p:txEl>
+                                          </p:spTgt>
+                                        </p:tgtEl>
+                                      </p:cBhvr>
+                                    </p:animEffect>
+                                  </p:childTnLst>
+                                </p:cTn>
+                              </p:par>
+                              <p:par>
+                                <p:cTn id="21" presetID="10" presetClass="entr" presetSubtype="0" fill="hold" grpId="0" nodeType="withEffect">
+                                  <p:stCondLst>
+                                    <p:cond delay="0"/>
+                                  </p:stCondLst>
+                                  <p:childTnLst>
+                                    <p:set>
+                                      <p:cBhvr>
+                                        <p:cTn id="22" dur="1" fill="hold">
+                                          <p:stCondLst>
+                                            <p:cond delay="0"/>
+                                          </p:stCondLst>
+                                        </p:cTn>
+                                        <p:tgtEl>
+                                          <p:spTgt spid="3">
+                                            <p:txEl>
+                                              <p:pRg st="3" end="3"/>
+                                            </p:txEl>
+                                          </p:spTgt>
+                                        </p:tgtEl>
+                                        <p:attrNameLst>
+                                          <p:attrName>style.visibility</p:attrName>
+                                        </p:attrNameLst>
+                                      </p:cBhvr>
+                                      <p:to>
+                                        <p:strVal val="visible"/>
+                                      </p:to>
+                                    </p:set>
+                                    <p:animEffect transition="in" filter="fade">
+                                      <p:cBhvr>
+                                        <p:cTn id="23" dur="500"/>
+                                        <p:tgtEl>
+                                          <p:spTgt spid="3">
+                                            <p:txEl>
+                                              <p:pRg st="3" end="3"/>
+                                            </p:txEl>
+                                          </p:spTgt>
+                                        </p:tgtEl>
+                                      </p:cBhvr>
+                                    </p:animEffect>
+                                  </p:childTnLst>
+                                </p:cTn>
+                              </p:par>
+                              <p:par>
+                                <p:cTn id="24" presetID="10" presetClass="entr" presetSubtype="0" fill="hold" grpId="0" nodeType="withEffect">
+                                  <p:stCondLst>
+                                    <p:cond delay="0"/>
+                                  </p:stCondLst>
+                                  <p:childTnLst>
+                                    <p:set>
+                                      <p:cBhvr>
+                                        <p:cTn id="25" dur="1" fill="hold">
+                                          <p:stCondLst>
+                                            <p:cond delay="0"/>
+                                          </p:stCondLst>
+                                        </p:cTn>
+                                        <p:tgtEl>
+                                          <p:spTgt spid="3">
+                                            <p:txEl>
+                                              <p:pRg st="4" end="4"/>
+                                            </p:txEl>
+                                          </p:spTgt>
+                                        </p:tgtEl>
+                                        <p:attrNameLst>
+                                          <p:attrName>style.visibility</p:attrName>
+                                        </p:attrNameLst>
+                                      </p:cBhvr>
+                                      <p:to>
+                                        <p:strVal val="visible"/>
+                                      </p:to>
+                                    </p:set>
+                                    <p:animEffect transition="in" filter="fade">
+                                      <p:cBhvr>
+                                        <p:cTn id="26" dur="500"/>
+                                        <p:tgtEl>
+                                          <p:spTgt spid="3">
+                                            <p:txEl>
+                                              <p:pRg st="4" end="4"/>
+                                            </p:txEl>
+                                          </p:spTgt>
+                                        </p:tgtEl>
+                                      </p:cBhvr>
+                                    </p:animEffect>
+                                  </p:childTnLst>
+                                </p:cTn>
+                              </p:par>
+                              <p:par>
+                                <p:cTn id="27" presetID="10" presetClass="entr" presetSubtype="0" fill="hold" grpId="0" nodeType="withEffect">
+                                  <p:stCondLst>
+                                    <p:cond delay="0"/>
+                                  </p:stCondLst>
+                                  <p:childTnLst>
+                                    <p:set>
+                                      <p:cBhvr>
+                                        <p:cTn id="28" dur="1" fill="hold">
+                                          <p:stCondLst>
+                                            <p:cond delay="0"/>
+                                          </p:stCondLst>
+                                        </p:cTn>
+                                        <p:tgtEl>
+                                          <p:spTgt spid="3">
+                                            <p:txEl>
+                                              <p:pRg st="5" end="5"/>
+                                            </p:txEl>
+                                          </p:spTgt>
+                                        </p:tgtEl>
+                                        <p:attrNameLst>
+                                          <p:attrName>style.visibility</p:attrName>
+                                        </p:attrNameLst>
+                                      </p:cBhvr>
+                                      <p:to>
+                                        <p:strVal val="visible"/>
+                                      </p:to>
+                                    </p:set>
+                                    <p:animEffect transition="in" filter="fade">
+                                      <p:cBhvr>
+                                        <p:cTn id="29" dur="500"/>
+                                        <p:tgtEl>
+                                          <p:spTgt spid="3">
+                                            <p:txEl>
+                                              <p:pRg st="5" end="5"/>
+                                            </p:txEl>
+                                          </p:spTgt>
+                                        </p:tgtEl>
+                                      </p:cBhvr>
+                                    </p:animEffect>
+                                  </p:childTnLst>
+                                </p:cTn>
+                              </p:par>
+                              <p:par>
+                                <p:cTn id="30" presetID="10" presetClass="entr" presetSubtype="0" fill="hold" grpId="0" nodeType="withEffect">
+                                  <p:stCondLst>
+                                    <p:cond delay="0"/>
+                                  </p:stCondLst>
+                                  <p:childTnLst>
+                                    <p:set>
+                                      <p:cBhvr>
+                                        <p:cTn id="31" dur="1" fill="hold">
+                                          <p:stCondLst>
+                                            <p:cond delay="0"/>
+                                          </p:stCondLst>
+                                        </p:cTn>
+                                        <p:tgtEl>
+                                          <p:spTgt spid="3">
+                                            <p:txEl>
+                                              <p:pRg st="6" end="6"/>
+                                            </p:txEl>
+                                          </p:spTgt>
+                                        </p:tgtEl>
+                                        <p:attrNameLst>
+                                          <p:attrName>style.visibility</p:attrName>
+                                        </p:attrNameLst>
+                                      </p:cBhvr>
+                                      <p:to>
+                                        <p:strVal val="visible"/>
+                                      </p:to>
+                                    </p:set>
+                                    <p:animEffect transition="in" filter="fade">
+                                      <p:cBhvr>
+                                        <p:cTn id="32" dur="500"/>
+                                        <p:tgtEl>
+                                          <p:spTgt spid="3">
+                                            <p:txEl>
+                                              <p:pRg st="6" end="6"/>
+                                            </p:txEl>
+                                          </p:spTgt>
+                                        </p:tgtEl>
+                                      </p:cBhvr>
+                                    </p:animEffect>
+                                  </p:childTnLst>
+                                </p:cTn>
+                              </p:par>
+                            </p:childTnLst>
+                          </p:cTn>
+                        </p:par>
+                        <p:par>
+                          <p:cTn id="33" fill="hold">
+                            <p:stCondLst>
+                              <p:cond delay="1500"/>
+                            </p:stCondLst>
+                            <p:childTnLst>
+                              <p:par>
+                                <p:cTn id="34" presetID="42" presetClass="path" presetSubtype="0" accel="50000" decel="50000" fill="hold" nodeType="afterEffect">
+                                  <p:stCondLst>
+                                    <p:cond delay="0"/>
+                                  </p:stCondLst>
+                                  <p:childTnLst>
+                                    <p:animMotion origin="layout" path="M -4.72222E-6 -2.22222E-6 L 0.00122 0.49167 " pathEditMode="relative" rAng="0" ptsTypes="AA">
+                                      <p:cBhvr>
+                                        <p:cTn id="35" dur="2000" fill="hold"/>
+                                        <p:tgtEl>
+                                          <p:spTgt spid="4"/>
                                         </p:tgtEl>
                                         <p:attrNameLst>
                                           <p:attrName>ppt_x</p:attrName>
                                           <p:attrName>ppt_y</p:attrName>
                                         </p:attrNameLst>
                                       </p:cBhvr>
-                                      <p:rCtr x="0" y="26620"/>
+                                      <p:rCtr x="52" y="24583"/>
                                     </p:animMotion>
                                   </p:childTnLst>
                                 </p:cTn>
@@ -47234,11 +50750,15 @@
         </p:cTn>
       </p:par>
     </p:tnLst>
+    <p:bldLst>
+      <p:bldP spid="2" grpId="0"/>
+      <p:bldP spid="3" grpId="0" uiExpand="1" build="p"/>
+    </p:bldLst>
   </p:timing>
 </p:sld>
 </file>
 
-<file path=ppt/slides/slide4.xml><?xml version="1.0" encoding="utf-8"?>
+<file path=ppt/slides/slide5.xml><?xml version="1.0" encoding="utf-8"?>
 <p:sld xmlns:a="http://schemas.openxmlformats.org/drawingml/2006/main" xmlns:r="http://schemas.openxmlformats.org/officeDocument/2006/relationships" xmlns:p="http://schemas.openxmlformats.org/presentationml/2006/main">
   <p:cSld>
     <p:spTree>
@@ -47255,59 +50775,6 @@
           <a:chExt cx="0" cy="0"/>
         </a:xfrm>
       </p:grpSpPr>
-      <p:sp>
-        <p:nvSpPr>
-          <p:cNvPr id="2" name="Tytuł 1">
-            <a:extLst>
-              <a:ext uri="{FF2B5EF4-FFF2-40B4-BE49-F238E27FC236}">
-                <a16:creationId xmlns:a16="http://schemas.microsoft.com/office/drawing/2014/main" id="{8A23F60B-7468-4FBD-82C4-4C072852C005}"/>
-              </a:ext>
-            </a:extLst>
-          </p:cNvPr>
-          <p:cNvSpPr>
-            <a:spLocks noGrp="1"/>
-          </p:cNvSpPr>
-          <p:nvPr>
-            <p:ph type="title"/>
-          </p:nvPr>
-        </p:nvSpPr>
-        <p:spPr/>
-        <p:txBody>
-          <a:bodyPr/>
-          <a:lstStyle/>
-          <a:p>
-            <a:r>
-              <a:rPr lang="pl-PL" dirty="0"/>
-              <a:t>Demo</a:t>
-            </a:r>
-          </a:p>
-        </p:txBody>
-      </p:sp>
-      <p:sp>
-        <p:nvSpPr>
-          <p:cNvPr id="3" name="Symbol zastępczy zawartości 2">
-            <a:extLst>
-              <a:ext uri="{FF2B5EF4-FFF2-40B4-BE49-F238E27FC236}">
-                <a16:creationId xmlns:a16="http://schemas.microsoft.com/office/drawing/2014/main" id="{A44AB08C-B075-43C7-9257-23FA42D7BA89}"/>
-              </a:ext>
-            </a:extLst>
-          </p:cNvPr>
-          <p:cNvSpPr>
-            <a:spLocks noGrp="1"/>
-          </p:cNvSpPr>
-          <p:nvPr>
-            <p:ph idx="1"/>
-          </p:nvPr>
-        </p:nvSpPr>
-        <p:spPr/>
-        <p:txBody>
-          <a:bodyPr/>
-          <a:lstStyle/>
-          <a:p>
-            <a:endParaRPr lang="pl-PL" dirty="0"/>
-          </a:p>
-        </p:txBody>
-      </p:sp>
     </p:spTree>
     <p:extLst>
       <p:ext uri="{BB962C8B-B14F-4D97-AF65-F5344CB8AC3E}">

--- a/DataDraw.pptx
+++ b/DataDraw.pptx
@@ -5,17 +5,16 @@
     <p:sldMasterId id="2147483648" r:id="rId2"/>
   </p:sldMasterIdLst>
   <p:notesMasterIdLst>
-    <p:notesMasterId r:id="rId8"/>
+    <p:notesMasterId r:id="rId7"/>
   </p:notesMasterIdLst>
   <p:handoutMasterIdLst>
-    <p:handoutMasterId r:id="rId9"/>
+    <p:handoutMasterId r:id="rId8"/>
   </p:handoutMasterIdLst>
   <p:sldIdLst>
     <p:sldId id="256" r:id="rId3"/>
     <p:sldId id="257" r:id="rId4"/>
-    <p:sldId id="260" r:id="rId5"/>
-    <p:sldId id="258" r:id="rId6"/>
-    <p:sldId id="259" r:id="rId7"/>
+    <p:sldId id="258" r:id="rId5"/>
+    <p:sldId id="259" r:id="rId6"/>
   </p:sldIdLst>
   <p:sldSz cx="9144000" cy="6858000" type="screen4x3"/>
   <p:notesSz cx="6858000" cy="9144000"/>
@@ -216,2564 +215,6 @@
 <p1510:revInfo xmlns:a="http://schemas.openxmlformats.org/drawingml/2006/main" xmlns:r="http://schemas.openxmlformats.org/officeDocument/2006/relationships" xmlns:p1510="http://schemas.microsoft.com/office/powerpoint/2015/10/main"/>
 </file>
 
-<file path=ppt/diagrams/colors1.xml><?xml version="1.0" encoding="utf-8"?>
-<dgm:colorsDef xmlns:dgm="http://schemas.openxmlformats.org/drawingml/2006/diagram" xmlns:a="http://schemas.openxmlformats.org/drawingml/2006/main" uniqueId="urn:microsoft.com/office/officeart/2005/8/colors/accent0_1">
-  <dgm:title val=""/>
-  <dgm:desc val=""/>
-  <dgm:catLst>
-    <dgm:cat type="mainScheme" pri="10100"/>
-  </dgm:catLst>
-  <dgm:styleLbl name="node0">
-    <dgm:fillClrLst meth="repeat">
-      <a:schemeClr val="lt1"/>
-    </dgm:fillClrLst>
-    <dgm:linClrLst meth="repeat">
-      <a:schemeClr val="dk1">
-        <a:shade val="80000"/>
-      </a:schemeClr>
-    </dgm:linClrLst>
-    <dgm:effectClrLst/>
-    <dgm:txLinClrLst/>
-    <dgm:txFillClrLst meth="repeat">
-      <a:schemeClr val="dk1"/>
-    </dgm:txFillClrLst>
-    <dgm:txEffectClrLst/>
-  </dgm:styleLbl>
-  <dgm:styleLbl name="node1">
-    <dgm:fillClrLst meth="repeat">
-      <a:schemeClr val="lt1"/>
-    </dgm:fillClrLst>
-    <dgm:linClrLst meth="repeat">
-      <a:schemeClr val="dk1">
-        <a:shade val="80000"/>
-      </a:schemeClr>
-    </dgm:linClrLst>
-    <dgm:effectClrLst/>
-    <dgm:txLinClrLst/>
-    <dgm:txFillClrLst meth="repeat">
-      <a:schemeClr val="dk1"/>
-    </dgm:txFillClrLst>
-    <dgm:txEffectClrLst/>
-  </dgm:styleLbl>
-  <dgm:styleLbl name="alignNode1">
-    <dgm:fillClrLst meth="repeat">
-      <a:schemeClr val="lt1"/>
-    </dgm:fillClrLst>
-    <dgm:linClrLst meth="repeat">
-      <a:schemeClr val="dk1">
-        <a:shade val="80000"/>
-      </a:schemeClr>
-    </dgm:linClrLst>
-    <dgm:effectClrLst/>
-    <dgm:txLinClrLst/>
-    <dgm:txFillClrLst meth="repeat">
-      <a:schemeClr val="dk1"/>
-    </dgm:txFillClrLst>
-    <dgm:txEffectClrLst/>
-  </dgm:styleLbl>
-  <dgm:styleLbl name="lnNode1">
-    <dgm:fillClrLst meth="repeat">
-      <a:schemeClr val="lt1"/>
-    </dgm:fillClrLst>
-    <dgm:linClrLst meth="repeat">
-      <a:schemeClr val="dk1">
-        <a:shade val="80000"/>
-      </a:schemeClr>
-    </dgm:linClrLst>
-    <dgm:effectClrLst/>
-    <dgm:txLinClrLst/>
-    <dgm:txFillClrLst meth="repeat">
-      <a:schemeClr val="dk1"/>
-    </dgm:txFillClrLst>
-    <dgm:txEffectClrLst/>
-  </dgm:styleLbl>
-  <dgm:styleLbl name="vennNode1">
-    <dgm:fillClrLst meth="repeat">
-      <a:schemeClr val="lt1">
-        <a:alpha val="50000"/>
-      </a:schemeClr>
-    </dgm:fillClrLst>
-    <dgm:linClrLst meth="repeat">
-      <a:schemeClr val="dk1">
-        <a:shade val="80000"/>
-      </a:schemeClr>
-    </dgm:linClrLst>
-    <dgm:effectClrLst/>
-    <dgm:txLinClrLst/>
-    <dgm:txFillClrLst/>
-    <dgm:txEffectClrLst/>
-  </dgm:styleLbl>
-  <dgm:styleLbl name="node2">
-    <dgm:fillClrLst meth="repeat">
-      <a:schemeClr val="lt1"/>
-    </dgm:fillClrLst>
-    <dgm:linClrLst meth="repeat">
-      <a:schemeClr val="dk1">
-        <a:shade val="80000"/>
-      </a:schemeClr>
-    </dgm:linClrLst>
-    <dgm:effectClrLst/>
-    <dgm:txLinClrLst/>
-    <dgm:txFillClrLst meth="repeat">
-      <a:schemeClr val="dk1"/>
-    </dgm:txFillClrLst>
-    <dgm:txEffectClrLst/>
-  </dgm:styleLbl>
-  <dgm:styleLbl name="node3">
-    <dgm:fillClrLst meth="repeat">
-      <a:schemeClr val="lt1"/>
-    </dgm:fillClrLst>
-    <dgm:linClrLst meth="repeat">
-      <a:schemeClr val="dk1">
-        <a:shade val="80000"/>
-      </a:schemeClr>
-    </dgm:linClrLst>
-    <dgm:effectClrLst/>
-    <dgm:txLinClrLst/>
-    <dgm:txFillClrLst meth="repeat">
-      <a:schemeClr val="dk1"/>
-    </dgm:txFillClrLst>
-    <dgm:txEffectClrLst/>
-  </dgm:styleLbl>
-  <dgm:styleLbl name="node4">
-    <dgm:fillClrLst meth="repeat">
-      <a:schemeClr val="lt1"/>
-    </dgm:fillClrLst>
-    <dgm:linClrLst meth="repeat">
-      <a:schemeClr val="dk1">
-        <a:shade val="80000"/>
-      </a:schemeClr>
-    </dgm:linClrLst>
-    <dgm:effectClrLst/>
-    <dgm:txLinClrLst/>
-    <dgm:txFillClrLst meth="repeat">
-      <a:schemeClr val="dk1"/>
-    </dgm:txFillClrLst>
-    <dgm:txEffectClrLst/>
-  </dgm:styleLbl>
-  <dgm:styleLbl name="fgImgPlace1">
-    <dgm:fillClrLst meth="repeat">
-      <a:schemeClr val="dk1">
-        <a:tint val="40000"/>
-      </a:schemeClr>
-    </dgm:fillClrLst>
-    <dgm:linClrLst meth="repeat">
-      <a:schemeClr val="dk1">
-        <a:shade val="80000"/>
-      </a:schemeClr>
-    </dgm:linClrLst>
-    <dgm:effectClrLst/>
-    <dgm:txLinClrLst/>
-    <dgm:txFillClrLst meth="repeat">
-      <a:schemeClr val="lt1"/>
-    </dgm:txFillClrLst>
-    <dgm:txEffectClrLst/>
-  </dgm:styleLbl>
-  <dgm:styleLbl name="alignImgPlace1">
-    <dgm:fillClrLst meth="repeat">
-      <a:schemeClr val="dk1">
-        <a:tint val="40000"/>
-      </a:schemeClr>
-    </dgm:fillClrLst>
-    <dgm:linClrLst meth="repeat">
-      <a:schemeClr val="dk1">
-        <a:shade val="80000"/>
-      </a:schemeClr>
-    </dgm:linClrLst>
-    <dgm:effectClrLst/>
-    <dgm:txLinClrLst/>
-    <dgm:txFillClrLst meth="repeat">
-      <a:schemeClr val="lt1"/>
-    </dgm:txFillClrLst>
-    <dgm:txEffectClrLst/>
-  </dgm:styleLbl>
-  <dgm:styleLbl name="bgImgPlace1">
-    <dgm:fillClrLst meth="repeat">
-      <a:schemeClr val="dk1">
-        <a:tint val="40000"/>
-      </a:schemeClr>
-    </dgm:fillClrLst>
-    <dgm:linClrLst meth="repeat">
-      <a:schemeClr val="dk1">
-        <a:shade val="80000"/>
-      </a:schemeClr>
-    </dgm:linClrLst>
-    <dgm:effectClrLst/>
-    <dgm:txLinClrLst/>
-    <dgm:txFillClrLst meth="repeat">
-      <a:schemeClr val="lt1"/>
-    </dgm:txFillClrLst>
-    <dgm:txEffectClrLst/>
-  </dgm:styleLbl>
-  <dgm:styleLbl name="sibTrans2D1">
-    <dgm:fillClrLst meth="repeat">
-      <a:schemeClr val="dk1">
-        <a:tint val="60000"/>
-      </a:schemeClr>
-    </dgm:fillClrLst>
-    <dgm:linClrLst meth="repeat">
-      <a:schemeClr val="dk1">
-        <a:tint val="60000"/>
-      </a:schemeClr>
-    </dgm:linClrLst>
-    <dgm:effectClrLst/>
-    <dgm:txLinClrLst/>
-    <dgm:txFillClrLst meth="repeat">
-      <a:schemeClr val="dk1"/>
-    </dgm:txFillClrLst>
-    <dgm:txEffectClrLst/>
-  </dgm:styleLbl>
-  <dgm:styleLbl name="fgSibTrans2D1">
-    <dgm:fillClrLst meth="repeat">
-      <a:schemeClr val="dk1">
-        <a:tint val="60000"/>
-      </a:schemeClr>
-    </dgm:fillClrLst>
-    <dgm:linClrLst meth="repeat">
-      <a:schemeClr val="dk1">
-        <a:tint val="60000"/>
-      </a:schemeClr>
-    </dgm:linClrLst>
-    <dgm:effectClrLst/>
-    <dgm:txLinClrLst/>
-    <dgm:txFillClrLst meth="repeat">
-      <a:schemeClr val="dk1"/>
-    </dgm:txFillClrLst>
-    <dgm:txEffectClrLst/>
-  </dgm:styleLbl>
-  <dgm:styleLbl name="bgSibTrans2D1">
-    <dgm:fillClrLst meth="repeat">
-      <a:schemeClr val="dk1">
-        <a:tint val="60000"/>
-      </a:schemeClr>
-    </dgm:fillClrLst>
-    <dgm:linClrLst meth="repeat">
-      <a:schemeClr val="dk1">
-        <a:tint val="60000"/>
-      </a:schemeClr>
-    </dgm:linClrLst>
-    <dgm:effectClrLst/>
-    <dgm:txLinClrLst/>
-    <dgm:txFillClrLst meth="repeat">
-      <a:schemeClr val="dk1"/>
-    </dgm:txFillClrLst>
-    <dgm:txEffectClrLst/>
-  </dgm:styleLbl>
-  <dgm:styleLbl name="sibTrans1D1">
-    <dgm:fillClrLst meth="repeat">
-      <a:schemeClr val="dk1"/>
-    </dgm:fillClrLst>
-    <dgm:linClrLst meth="repeat">
-      <a:schemeClr val="dk1"/>
-    </dgm:linClrLst>
-    <dgm:effectClrLst/>
-    <dgm:txLinClrLst/>
-    <dgm:txFillClrLst meth="repeat">
-      <a:schemeClr val="tx1"/>
-    </dgm:txFillClrLst>
-    <dgm:txEffectClrLst/>
-  </dgm:styleLbl>
-  <dgm:styleLbl name="callout">
-    <dgm:fillClrLst meth="repeat">
-      <a:schemeClr val="dk1"/>
-    </dgm:fillClrLst>
-    <dgm:linClrLst meth="repeat">
-      <a:schemeClr val="dk1"/>
-    </dgm:linClrLst>
-    <dgm:effectClrLst/>
-    <dgm:txLinClrLst/>
-    <dgm:txFillClrLst meth="repeat">
-      <a:schemeClr val="tx1"/>
-    </dgm:txFillClrLst>
-    <dgm:txEffectClrLst/>
-  </dgm:styleLbl>
-  <dgm:styleLbl name="asst0">
-    <dgm:fillClrLst meth="repeat">
-      <a:schemeClr val="lt1"/>
-    </dgm:fillClrLst>
-    <dgm:linClrLst meth="repeat">
-      <a:schemeClr val="dk1">
-        <a:shade val="80000"/>
-      </a:schemeClr>
-    </dgm:linClrLst>
-    <dgm:effectClrLst/>
-    <dgm:txLinClrLst/>
-    <dgm:txFillClrLst meth="repeat">
-      <a:schemeClr val="dk1"/>
-    </dgm:txFillClrLst>
-    <dgm:txEffectClrLst/>
-  </dgm:styleLbl>
-  <dgm:styleLbl name="asst1">
-    <dgm:fillClrLst meth="repeat">
-      <a:schemeClr val="lt1"/>
-    </dgm:fillClrLst>
-    <dgm:linClrLst meth="repeat">
-      <a:schemeClr val="dk1">
-        <a:shade val="80000"/>
-      </a:schemeClr>
-    </dgm:linClrLst>
-    <dgm:effectClrLst/>
-    <dgm:txLinClrLst/>
-    <dgm:txFillClrLst meth="repeat">
-      <a:schemeClr val="dk1"/>
-    </dgm:txFillClrLst>
-    <dgm:txEffectClrLst/>
-  </dgm:styleLbl>
-  <dgm:styleLbl name="asst2">
-    <dgm:fillClrLst meth="repeat">
-      <a:schemeClr val="lt1"/>
-    </dgm:fillClrLst>
-    <dgm:linClrLst meth="repeat">
-      <a:schemeClr val="dk1">
-        <a:shade val="80000"/>
-      </a:schemeClr>
-    </dgm:linClrLst>
-    <dgm:effectClrLst/>
-    <dgm:txLinClrLst/>
-    <dgm:txFillClrLst meth="repeat">
-      <a:schemeClr val="dk1"/>
-    </dgm:txFillClrLst>
-    <dgm:txEffectClrLst/>
-  </dgm:styleLbl>
-  <dgm:styleLbl name="asst3">
-    <dgm:fillClrLst meth="repeat">
-      <a:schemeClr val="lt1"/>
-    </dgm:fillClrLst>
-    <dgm:linClrLst meth="repeat">
-      <a:schemeClr val="dk1">
-        <a:shade val="80000"/>
-      </a:schemeClr>
-    </dgm:linClrLst>
-    <dgm:effectClrLst/>
-    <dgm:txLinClrLst/>
-    <dgm:txFillClrLst meth="repeat">
-      <a:schemeClr val="dk1"/>
-    </dgm:txFillClrLst>
-    <dgm:txEffectClrLst/>
-  </dgm:styleLbl>
-  <dgm:styleLbl name="asst4">
-    <dgm:fillClrLst meth="repeat">
-      <a:schemeClr val="lt1"/>
-    </dgm:fillClrLst>
-    <dgm:linClrLst meth="repeat">
-      <a:schemeClr val="dk1">
-        <a:shade val="80000"/>
-      </a:schemeClr>
-    </dgm:linClrLst>
-    <dgm:effectClrLst/>
-    <dgm:txLinClrLst/>
-    <dgm:txFillClrLst meth="repeat">
-      <a:schemeClr val="dk1"/>
-    </dgm:txFillClrLst>
-    <dgm:txEffectClrLst/>
-  </dgm:styleLbl>
-  <dgm:styleLbl name="parChTrans2D1">
-    <dgm:fillClrLst meth="repeat">
-      <a:schemeClr val="dk1">
-        <a:tint val="60000"/>
-      </a:schemeClr>
-    </dgm:fillClrLst>
-    <dgm:linClrLst meth="repeat">
-      <a:schemeClr val="dk1">
-        <a:tint val="60000"/>
-      </a:schemeClr>
-    </dgm:linClrLst>
-    <dgm:effectClrLst/>
-    <dgm:txLinClrLst/>
-    <dgm:txFillClrLst/>
-    <dgm:txEffectClrLst/>
-  </dgm:styleLbl>
-  <dgm:styleLbl name="parChTrans2D2">
-    <dgm:fillClrLst meth="repeat">
-      <a:schemeClr val="dk1"/>
-    </dgm:fillClrLst>
-    <dgm:linClrLst meth="repeat">
-      <a:schemeClr val="dk1"/>
-    </dgm:linClrLst>
-    <dgm:effectClrLst/>
-    <dgm:txLinClrLst/>
-    <dgm:txFillClrLst/>
-    <dgm:txEffectClrLst/>
-  </dgm:styleLbl>
-  <dgm:styleLbl name="parChTrans2D3">
-    <dgm:fillClrLst meth="repeat">
-      <a:schemeClr val="dk1"/>
-    </dgm:fillClrLst>
-    <dgm:linClrLst meth="repeat">
-      <a:schemeClr val="dk1"/>
-    </dgm:linClrLst>
-    <dgm:effectClrLst/>
-    <dgm:txLinClrLst/>
-    <dgm:txFillClrLst/>
-    <dgm:txEffectClrLst/>
-  </dgm:styleLbl>
-  <dgm:styleLbl name="parChTrans2D4">
-    <dgm:fillClrLst meth="repeat">
-      <a:schemeClr val="dk1"/>
-    </dgm:fillClrLst>
-    <dgm:linClrLst meth="repeat">
-      <a:schemeClr val="dk1"/>
-    </dgm:linClrLst>
-    <dgm:effectClrLst/>
-    <dgm:txLinClrLst/>
-    <dgm:txFillClrLst meth="repeat">
-      <a:schemeClr val="lt1"/>
-    </dgm:txFillClrLst>
-    <dgm:txEffectClrLst/>
-  </dgm:styleLbl>
-  <dgm:styleLbl name="parChTrans1D1">
-    <dgm:fillClrLst meth="repeat">
-      <a:schemeClr val="dk1"/>
-    </dgm:fillClrLst>
-    <dgm:linClrLst meth="repeat">
-      <a:schemeClr val="dk1">
-        <a:shade val="60000"/>
-      </a:schemeClr>
-    </dgm:linClrLst>
-    <dgm:effectClrLst/>
-    <dgm:txLinClrLst/>
-    <dgm:txFillClrLst meth="repeat">
-      <a:schemeClr val="tx1"/>
-    </dgm:txFillClrLst>
-    <dgm:txEffectClrLst/>
-  </dgm:styleLbl>
-  <dgm:styleLbl name="parChTrans1D2">
-    <dgm:fillClrLst meth="repeat">
-      <a:schemeClr val="dk1"/>
-    </dgm:fillClrLst>
-    <dgm:linClrLst meth="repeat">
-      <a:schemeClr val="dk1">
-        <a:shade val="60000"/>
-      </a:schemeClr>
-    </dgm:linClrLst>
-    <dgm:effectClrLst/>
-    <dgm:txLinClrLst/>
-    <dgm:txFillClrLst meth="repeat">
-      <a:schemeClr val="tx1"/>
-    </dgm:txFillClrLst>
-    <dgm:txEffectClrLst/>
-  </dgm:styleLbl>
-  <dgm:styleLbl name="parChTrans1D3">
-    <dgm:fillClrLst meth="repeat">
-      <a:schemeClr val="dk1"/>
-    </dgm:fillClrLst>
-    <dgm:linClrLst meth="repeat">
-      <a:schemeClr val="dk1">
-        <a:shade val="80000"/>
-      </a:schemeClr>
-    </dgm:linClrLst>
-    <dgm:effectClrLst/>
-    <dgm:txLinClrLst/>
-    <dgm:txFillClrLst meth="repeat">
-      <a:schemeClr val="tx1"/>
-    </dgm:txFillClrLst>
-    <dgm:txEffectClrLst/>
-  </dgm:styleLbl>
-  <dgm:styleLbl name="parChTrans1D4">
-    <dgm:fillClrLst meth="repeat">
-      <a:schemeClr val="dk1"/>
-    </dgm:fillClrLst>
-    <dgm:linClrLst meth="repeat">
-      <a:schemeClr val="dk1">
-        <a:shade val="80000"/>
-      </a:schemeClr>
-    </dgm:linClrLst>
-    <dgm:effectClrLst/>
-    <dgm:txLinClrLst/>
-    <dgm:txFillClrLst meth="repeat">
-      <a:schemeClr val="tx1"/>
-    </dgm:txFillClrLst>
-    <dgm:txEffectClrLst/>
-  </dgm:styleLbl>
-  <dgm:styleLbl name="fgAcc1">
-    <dgm:fillClrLst meth="repeat">
-      <a:schemeClr val="dk1">
-        <a:alpha val="90000"/>
-        <a:tint val="40000"/>
-      </a:schemeClr>
-    </dgm:fillClrLst>
-    <dgm:linClrLst meth="repeat">
-      <a:schemeClr val="dk1"/>
-    </dgm:linClrLst>
-    <dgm:effectClrLst/>
-    <dgm:txLinClrLst/>
-    <dgm:txFillClrLst meth="repeat">
-      <a:schemeClr val="dk1"/>
-    </dgm:txFillClrLst>
-    <dgm:txEffectClrLst/>
-  </dgm:styleLbl>
-  <dgm:styleLbl name="conFgAcc1">
-    <dgm:fillClrLst meth="repeat">
-      <a:schemeClr val="dk1">
-        <a:alpha val="90000"/>
-        <a:tint val="40000"/>
-      </a:schemeClr>
-    </dgm:fillClrLst>
-    <dgm:linClrLst meth="repeat">
-      <a:schemeClr val="dk1"/>
-    </dgm:linClrLst>
-    <dgm:effectClrLst/>
-    <dgm:txLinClrLst/>
-    <dgm:txFillClrLst meth="repeat">
-      <a:schemeClr val="dk1"/>
-    </dgm:txFillClrLst>
-    <dgm:txEffectClrLst/>
-  </dgm:styleLbl>
-  <dgm:styleLbl name="alignAcc1">
-    <dgm:fillClrLst meth="repeat">
-      <a:schemeClr val="dk1">
-        <a:alpha val="90000"/>
-        <a:tint val="40000"/>
-      </a:schemeClr>
-    </dgm:fillClrLst>
-    <dgm:linClrLst meth="repeat">
-      <a:schemeClr val="dk1"/>
-    </dgm:linClrLst>
-    <dgm:effectClrLst/>
-    <dgm:txLinClrLst/>
-    <dgm:txFillClrLst meth="repeat">
-      <a:schemeClr val="dk1"/>
-    </dgm:txFillClrLst>
-    <dgm:txEffectClrLst/>
-  </dgm:styleLbl>
-  <dgm:styleLbl name="trAlignAcc1">
-    <dgm:fillClrLst meth="repeat">
-      <a:schemeClr val="dk1">
-        <a:alpha val="40000"/>
-        <a:tint val="40000"/>
-      </a:schemeClr>
-    </dgm:fillClrLst>
-    <dgm:linClrLst meth="repeat">
-      <a:schemeClr val="dk1"/>
-    </dgm:linClrLst>
-    <dgm:effectClrLst/>
-    <dgm:txLinClrLst/>
-    <dgm:txFillClrLst meth="repeat">
-      <a:schemeClr val="dk1"/>
-    </dgm:txFillClrLst>
-    <dgm:txEffectClrLst/>
-  </dgm:styleLbl>
-  <dgm:styleLbl name="bgAcc1">
-    <dgm:fillClrLst meth="repeat">
-      <a:schemeClr val="dk1">
-        <a:alpha val="90000"/>
-        <a:tint val="40000"/>
-      </a:schemeClr>
-    </dgm:fillClrLst>
-    <dgm:linClrLst meth="repeat">
-      <a:schemeClr val="dk1"/>
-    </dgm:linClrLst>
-    <dgm:effectClrLst/>
-    <dgm:txLinClrLst/>
-    <dgm:txFillClrLst meth="repeat">
-      <a:schemeClr val="dk1"/>
-    </dgm:txFillClrLst>
-    <dgm:txEffectClrLst/>
-  </dgm:styleLbl>
-  <dgm:styleLbl name="solidFgAcc1">
-    <dgm:fillClrLst meth="repeat">
-      <a:schemeClr val="lt1"/>
-    </dgm:fillClrLst>
-    <dgm:linClrLst meth="repeat">
-      <a:schemeClr val="dk1"/>
-    </dgm:linClrLst>
-    <dgm:effectClrLst/>
-    <dgm:txLinClrLst/>
-    <dgm:txFillClrLst meth="repeat">
-      <a:schemeClr val="dk1"/>
-    </dgm:txFillClrLst>
-    <dgm:txEffectClrLst/>
-  </dgm:styleLbl>
-  <dgm:styleLbl name="solidAlignAcc1">
-    <dgm:fillClrLst meth="repeat">
-      <a:schemeClr val="lt1"/>
-    </dgm:fillClrLst>
-    <dgm:linClrLst meth="repeat">
-      <a:schemeClr val="dk1"/>
-    </dgm:linClrLst>
-    <dgm:effectClrLst/>
-    <dgm:txLinClrLst/>
-    <dgm:txFillClrLst meth="repeat">
-      <a:schemeClr val="dk1"/>
-    </dgm:txFillClrLst>
-    <dgm:txEffectClrLst/>
-  </dgm:styleLbl>
-  <dgm:styleLbl name="solidBgAcc1">
-    <dgm:fillClrLst meth="repeat">
-      <a:schemeClr val="lt1"/>
-    </dgm:fillClrLst>
-    <dgm:linClrLst meth="repeat">
-      <a:schemeClr val="dk1"/>
-    </dgm:linClrLst>
-    <dgm:effectClrLst/>
-    <dgm:txLinClrLst/>
-    <dgm:txFillClrLst meth="repeat">
-      <a:schemeClr val="dk1"/>
-    </dgm:txFillClrLst>
-    <dgm:txEffectClrLst/>
-  </dgm:styleLbl>
-  <dgm:styleLbl name="fgAccFollowNode1">
-    <dgm:fillClrLst meth="repeat">
-      <a:schemeClr val="lt1">
-        <a:alpha val="90000"/>
-        <a:tint val="40000"/>
-      </a:schemeClr>
-    </dgm:fillClrLst>
-    <dgm:linClrLst meth="repeat">
-      <a:schemeClr val="dk1">
-        <a:alpha val="90000"/>
-      </a:schemeClr>
-    </dgm:linClrLst>
-    <dgm:effectClrLst/>
-    <dgm:txLinClrLst/>
-    <dgm:txFillClrLst meth="repeat">
-      <a:schemeClr val="dk1"/>
-    </dgm:txFillClrLst>
-    <dgm:txEffectClrLst/>
-  </dgm:styleLbl>
-  <dgm:styleLbl name="alignAccFollowNode1">
-    <dgm:fillClrLst meth="repeat">
-      <a:schemeClr val="lt1">
-        <a:alpha val="90000"/>
-        <a:tint val="40000"/>
-      </a:schemeClr>
-    </dgm:fillClrLst>
-    <dgm:linClrLst meth="repeat">
-      <a:schemeClr val="dk1">
-        <a:alpha val="90000"/>
-      </a:schemeClr>
-    </dgm:linClrLst>
-    <dgm:effectClrLst/>
-    <dgm:txLinClrLst/>
-    <dgm:txFillClrLst meth="repeat">
-      <a:schemeClr val="dk1"/>
-    </dgm:txFillClrLst>
-    <dgm:txEffectClrLst/>
-  </dgm:styleLbl>
-  <dgm:styleLbl name="bgAccFollowNode1">
-    <dgm:fillClrLst meth="repeat">
-      <a:schemeClr val="lt1">
-        <a:alpha val="90000"/>
-        <a:tint val="40000"/>
-      </a:schemeClr>
-    </dgm:fillClrLst>
-    <dgm:linClrLst meth="repeat">
-      <a:schemeClr val="dk1">
-        <a:alpha val="90000"/>
-      </a:schemeClr>
-    </dgm:linClrLst>
-    <dgm:effectClrLst/>
-    <dgm:txLinClrLst/>
-    <dgm:txFillClrLst meth="repeat">
-      <a:schemeClr val="dk1"/>
-    </dgm:txFillClrLst>
-    <dgm:txEffectClrLst/>
-  </dgm:styleLbl>
-  <dgm:styleLbl name="fgAcc0">
-    <dgm:fillClrLst meth="repeat">
-      <a:schemeClr val="dk1">
-        <a:alpha val="90000"/>
-        <a:tint val="40000"/>
-      </a:schemeClr>
-    </dgm:fillClrLst>
-    <dgm:linClrLst meth="repeat">
-      <a:schemeClr val="dk1"/>
-    </dgm:linClrLst>
-    <dgm:effectClrLst/>
-    <dgm:txLinClrLst/>
-    <dgm:txFillClrLst meth="repeat">
-      <a:schemeClr val="dk1"/>
-    </dgm:txFillClrLst>
-    <dgm:txEffectClrLst/>
-  </dgm:styleLbl>
-  <dgm:styleLbl name="fgAcc2">
-    <dgm:fillClrLst meth="repeat">
-      <a:schemeClr val="dk1">
-        <a:alpha val="90000"/>
-        <a:tint val="40000"/>
-      </a:schemeClr>
-    </dgm:fillClrLst>
-    <dgm:linClrLst meth="repeat">
-      <a:schemeClr val="dk1"/>
-    </dgm:linClrLst>
-    <dgm:effectClrLst/>
-    <dgm:txLinClrLst/>
-    <dgm:txFillClrLst meth="repeat">
-      <a:schemeClr val="dk1"/>
-    </dgm:txFillClrLst>
-    <dgm:txEffectClrLst/>
-  </dgm:styleLbl>
-  <dgm:styleLbl name="fgAcc3">
-    <dgm:fillClrLst meth="repeat">
-      <a:schemeClr val="dk1">
-        <a:alpha val="90000"/>
-        <a:tint val="40000"/>
-      </a:schemeClr>
-    </dgm:fillClrLst>
-    <dgm:linClrLst meth="repeat">
-      <a:schemeClr val="dk1"/>
-    </dgm:linClrLst>
-    <dgm:effectClrLst/>
-    <dgm:txLinClrLst/>
-    <dgm:txFillClrLst meth="repeat">
-      <a:schemeClr val="dk1"/>
-    </dgm:txFillClrLst>
-    <dgm:txEffectClrLst/>
-  </dgm:styleLbl>
-  <dgm:styleLbl name="fgAcc4">
-    <dgm:fillClrLst meth="repeat">
-      <a:schemeClr val="dk1">
-        <a:alpha val="90000"/>
-        <a:tint val="40000"/>
-      </a:schemeClr>
-    </dgm:fillClrLst>
-    <dgm:linClrLst meth="repeat">
-      <a:schemeClr val="dk1"/>
-    </dgm:linClrLst>
-    <dgm:effectClrLst/>
-    <dgm:txLinClrLst/>
-    <dgm:txFillClrLst meth="repeat">
-      <a:schemeClr val="dk1"/>
-    </dgm:txFillClrLst>
-    <dgm:txEffectClrLst/>
-  </dgm:styleLbl>
-  <dgm:styleLbl name="bgShp">
-    <dgm:fillClrLst meth="repeat">
-      <a:schemeClr val="dk1">
-        <a:tint val="40000"/>
-      </a:schemeClr>
-    </dgm:fillClrLst>
-    <dgm:linClrLst meth="repeat">
-      <a:schemeClr val="dk1"/>
-    </dgm:linClrLst>
-    <dgm:effectClrLst/>
-    <dgm:txLinClrLst/>
-    <dgm:txFillClrLst meth="repeat">
-      <a:schemeClr val="dk1"/>
-    </dgm:txFillClrLst>
-    <dgm:txEffectClrLst/>
-  </dgm:styleLbl>
-  <dgm:styleLbl name="dkBgShp">
-    <dgm:fillClrLst meth="repeat">
-      <a:schemeClr val="dk1">
-        <a:shade val="80000"/>
-      </a:schemeClr>
-    </dgm:fillClrLst>
-    <dgm:linClrLst meth="repeat">
-      <a:schemeClr val="dk1"/>
-    </dgm:linClrLst>
-    <dgm:effectClrLst/>
-    <dgm:txLinClrLst/>
-    <dgm:txFillClrLst meth="repeat">
-      <a:schemeClr val="lt1"/>
-    </dgm:txFillClrLst>
-    <dgm:txEffectClrLst/>
-  </dgm:styleLbl>
-  <dgm:styleLbl name="trBgShp">
-    <dgm:fillClrLst meth="repeat">
-      <a:schemeClr val="dk1">
-        <a:tint val="50000"/>
-        <a:alpha val="40000"/>
-      </a:schemeClr>
-    </dgm:fillClrLst>
-    <dgm:linClrLst meth="repeat">
-      <a:schemeClr val="dk1"/>
-    </dgm:linClrLst>
-    <dgm:effectClrLst/>
-    <dgm:txLinClrLst/>
-    <dgm:txFillClrLst meth="repeat">
-      <a:schemeClr val="lt1"/>
-    </dgm:txFillClrLst>
-    <dgm:txEffectClrLst/>
-  </dgm:styleLbl>
-  <dgm:styleLbl name="fgShp">
-    <dgm:fillClrLst meth="repeat">
-      <a:schemeClr val="dk1">
-        <a:tint val="60000"/>
-      </a:schemeClr>
-    </dgm:fillClrLst>
-    <dgm:linClrLst meth="repeat">
-      <a:schemeClr val="lt1"/>
-    </dgm:linClrLst>
-    <dgm:effectClrLst/>
-    <dgm:txLinClrLst/>
-    <dgm:txFillClrLst meth="repeat">
-      <a:schemeClr val="dk1"/>
-    </dgm:txFillClrLst>
-    <dgm:txEffectClrLst/>
-  </dgm:styleLbl>
-  <dgm:styleLbl name="revTx">
-    <dgm:fillClrLst meth="repeat">
-      <a:schemeClr val="lt1">
-        <a:alpha val="0"/>
-      </a:schemeClr>
-    </dgm:fillClrLst>
-    <dgm:linClrLst meth="repeat">
-      <a:schemeClr val="dk1">
-        <a:alpha val="0"/>
-      </a:schemeClr>
-    </dgm:linClrLst>
-    <dgm:effectClrLst/>
-    <dgm:txLinClrLst/>
-    <dgm:txFillClrLst meth="repeat">
-      <a:schemeClr val="tx1"/>
-    </dgm:txFillClrLst>
-    <dgm:txEffectClrLst/>
-  </dgm:styleLbl>
-</dgm:colorsDef>
-</file>
-
-<file path=ppt/diagrams/data1.xml><?xml version="1.0" encoding="utf-8"?>
-<dgm:dataModel xmlns:dgm="http://schemas.openxmlformats.org/drawingml/2006/diagram" xmlns:a="http://schemas.openxmlformats.org/drawingml/2006/main">
-  <dgm:ptLst>
-    <dgm:pt modelId="{3D86B2DE-F19A-48BF-8E34-512CB0AC97D3}" type="doc">
-      <dgm:prSet loTypeId="urn:microsoft.com/office/officeart/2005/8/layout/chevron1" loCatId="process" qsTypeId="urn:microsoft.com/office/officeart/2005/8/quickstyle/simple1" qsCatId="simple" csTypeId="urn:microsoft.com/office/officeart/2005/8/colors/accent0_1" csCatId="mainScheme" phldr="1"/>
-      <dgm:spPr/>
-    </dgm:pt>
-    <dgm:pt modelId="{60F4C772-B472-4CD4-99A0-7A1F0D372B86}">
-      <dgm:prSet phldrT="[Tekst]"/>
-      <dgm:spPr/>
-      <dgm:t>
-        <a:bodyPr/>
-        <a:lstStyle/>
-        <a:p>
-          <a:r>
-            <a:rPr lang="pl-PL" dirty="0"/>
-            <a:t>JSON</a:t>
-          </a:r>
-        </a:p>
-      </dgm:t>
-    </dgm:pt>
-    <dgm:pt modelId="{D676C0D2-1109-4FA2-9982-1625EEF62191}" type="parTrans" cxnId="{D8E8CC5A-A6B1-46F7-820A-AA77EF54B924}">
-      <dgm:prSet/>
-      <dgm:spPr/>
-      <dgm:t>
-        <a:bodyPr/>
-        <a:lstStyle/>
-        <a:p>
-          <a:endParaRPr lang="pl-PL"/>
-        </a:p>
-      </dgm:t>
-    </dgm:pt>
-    <dgm:pt modelId="{310C3BEC-1C9A-493D-8F30-207DCF7E05B5}" type="sibTrans" cxnId="{D8E8CC5A-A6B1-46F7-820A-AA77EF54B924}">
-      <dgm:prSet/>
-      <dgm:spPr/>
-      <dgm:t>
-        <a:bodyPr/>
-        <a:lstStyle/>
-        <a:p>
-          <a:endParaRPr lang="pl-PL"/>
-        </a:p>
-      </dgm:t>
-    </dgm:pt>
-    <dgm:pt modelId="{109B5530-C3FE-4555-B075-8314746797C9}">
-      <dgm:prSet phldrT="[Tekst]"/>
-      <dgm:spPr/>
-      <dgm:t>
-        <a:bodyPr/>
-        <a:lstStyle/>
-        <a:p>
-          <a:r>
-            <a:rPr lang="pl-PL" dirty="0"/>
-            <a:t>Filtrowanie danych</a:t>
-          </a:r>
-        </a:p>
-      </dgm:t>
-    </dgm:pt>
-    <dgm:pt modelId="{7CE7CB5D-D52B-428E-AE42-E2483B421C21}" type="parTrans" cxnId="{5A72A89B-7FF8-4EEC-9FE8-DE1D3368C250}">
-      <dgm:prSet/>
-      <dgm:spPr/>
-      <dgm:t>
-        <a:bodyPr/>
-        <a:lstStyle/>
-        <a:p>
-          <a:endParaRPr lang="pl-PL"/>
-        </a:p>
-      </dgm:t>
-    </dgm:pt>
-    <dgm:pt modelId="{03FC9162-06F2-4D30-A97E-5C97CFBD2FC4}" type="sibTrans" cxnId="{5A72A89B-7FF8-4EEC-9FE8-DE1D3368C250}">
-      <dgm:prSet/>
-      <dgm:spPr/>
-      <dgm:t>
-        <a:bodyPr/>
-        <a:lstStyle/>
-        <a:p>
-          <a:endParaRPr lang="pl-PL"/>
-        </a:p>
-      </dgm:t>
-    </dgm:pt>
-    <dgm:pt modelId="{7AEDF44E-31FC-45F2-B3A4-B30043646798}">
-      <dgm:prSet phldrT="[Tekst]"/>
-      <dgm:spPr/>
-      <dgm:t>
-        <a:bodyPr/>
-        <a:lstStyle/>
-        <a:p>
-          <a:r>
-            <a:rPr lang="pl-PL" dirty="0"/>
-            <a:t>Wykres</a:t>
-          </a:r>
-        </a:p>
-      </dgm:t>
-    </dgm:pt>
-    <dgm:pt modelId="{8F8119DC-F054-4186-BEEA-F7B9B4C0D482}" type="parTrans" cxnId="{04CA2751-83B7-43B9-B002-72006139CC38}">
-      <dgm:prSet/>
-      <dgm:spPr/>
-      <dgm:t>
-        <a:bodyPr/>
-        <a:lstStyle/>
-        <a:p>
-          <a:endParaRPr lang="pl-PL"/>
-        </a:p>
-      </dgm:t>
-    </dgm:pt>
-    <dgm:pt modelId="{68652878-A09D-4DBB-AB87-41F4062A475E}" type="sibTrans" cxnId="{04CA2751-83B7-43B9-B002-72006139CC38}">
-      <dgm:prSet/>
-      <dgm:spPr/>
-      <dgm:t>
-        <a:bodyPr/>
-        <a:lstStyle/>
-        <a:p>
-          <a:endParaRPr lang="pl-PL"/>
-        </a:p>
-      </dgm:t>
-    </dgm:pt>
-    <dgm:pt modelId="{92CBD714-6573-4134-8D0E-BEFF9A6764F3}" type="pres">
-      <dgm:prSet presAssocID="{3D86B2DE-F19A-48BF-8E34-512CB0AC97D3}" presName="Name0" presStyleCnt="0">
-        <dgm:presLayoutVars>
-          <dgm:dir/>
-          <dgm:animLvl val="lvl"/>
-          <dgm:resizeHandles val="exact"/>
-        </dgm:presLayoutVars>
-      </dgm:prSet>
-      <dgm:spPr/>
-    </dgm:pt>
-    <dgm:pt modelId="{BB893978-DC76-4E23-85D6-B76CA96A881A}" type="pres">
-      <dgm:prSet presAssocID="{60F4C772-B472-4CD4-99A0-7A1F0D372B86}" presName="parTxOnly" presStyleLbl="node1" presStyleIdx="0" presStyleCnt="3">
-        <dgm:presLayoutVars>
-          <dgm:chMax val="0"/>
-          <dgm:chPref val="0"/>
-          <dgm:bulletEnabled val="1"/>
-        </dgm:presLayoutVars>
-      </dgm:prSet>
-      <dgm:spPr/>
-    </dgm:pt>
-    <dgm:pt modelId="{7085B0EE-828A-4BFA-A59E-217E4B36DFE4}" type="pres">
-      <dgm:prSet presAssocID="{310C3BEC-1C9A-493D-8F30-207DCF7E05B5}" presName="parTxOnlySpace" presStyleCnt="0"/>
-      <dgm:spPr/>
-    </dgm:pt>
-    <dgm:pt modelId="{88C0761A-ECE2-48AA-AE43-4F63F41AA821}" type="pres">
-      <dgm:prSet presAssocID="{109B5530-C3FE-4555-B075-8314746797C9}" presName="parTxOnly" presStyleLbl="node1" presStyleIdx="1" presStyleCnt="3">
-        <dgm:presLayoutVars>
-          <dgm:chMax val="0"/>
-          <dgm:chPref val="0"/>
-          <dgm:bulletEnabled val="1"/>
-        </dgm:presLayoutVars>
-      </dgm:prSet>
-      <dgm:spPr/>
-    </dgm:pt>
-    <dgm:pt modelId="{B752B8C2-95FF-4F39-BBA7-22548BDCE233}" type="pres">
-      <dgm:prSet presAssocID="{03FC9162-06F2-4D30-A97E-5C97CFBD2FC4}" presName="parTxOnlySpace" presStyleCnt="0"/>
-      <dgm:spPr/>
-    </dgm:pt>
-    <dgm:pt modelId="{30D56F37-DD1E-4C89-8FF7-D96A18DF1B02}" type="pres">
-      <dgm:prSet presAssocID="{7AEDF44E-31FC-45F2-B3A4-B30043646798}" presName="parTxOnly" presStyleLbl="node1" presStyleIdx="2" presStyleCnt="3">
-        <dgm:presLayoutVars>
-          <dgm:chMax val="0"/>
-          <dgm:chPref val="0"/>
-          <dgm:bulletEnabled val="1"/>
-        </dgm:presLayoutVars>
-      </dgm:prSet>
-      <dgm:spPr/>
-    </dgm:pt>
-  </dgm:ptLst>
-  <dgm:cxnLst>
-    <dgm:cxn modelId="{18DCAF20-53F0-4169-B6C1-4ACEB2498A10}" type="presOf" srcId="{109B5530-C3FE-4555-B075-8314746797C9}" destId="{88C0761A-ECE2-48AA-AE43-4F63F41AA821}" srcOrd="0" destOrd="0" presId="urn:microsoft.com/office/officeart/2005/8/layout/chevron1"/>
-    <dgm:cxn modelId="{9193CF62-CF53-40A6-8C61-55220B5398C4}" type="presOf" srcId="{3D86B2DE-F19A-48BF-8E34-512CB0AC97D3}" destId="{92CBD714-6573-4134-8D0E-BEFF9A6764F3}" srcOrd="0" destOrd="0" presId="urn:microsoft.com/office/officeart/2005/8/layout/chevron1"/>
-    <dgm:cxn modelId="{2BC6084E-1883-408F-8E92-AEE09142C391}" type="presOf" srcId="{7AEDF44E-31FC-45F2-B3A4-B30043646798}" destId="{30D56F37-DD1E-4C89-8FF7-D96A18DF1B02}" srcOrd="0" destOrd="0" presId="urn:microsoft.com/office/officeart/2005/8/layout/chevron1"/>
-    <dgm:cxn modelId="{04CA2751-83B7-43B9-B002-72006139CC38}" srcId="{3D86B2DE-F19A-48BF-8E34-512CB0AC97D3}" destId="{7AEDF44E-31FC-45F2-B3A4-B30043646798}" srcOrd="2" destOrd="0" parTransId="{8F8119DC-F054-4186-BEEA-F7B9B4C0D482}" sibTransId="{68652878-A09D-4DBB-AB87-41F4062A475E}"/>
-    <dgm:cxn modelId="{D8E8CC5A-A6B1-46F7-820A-AA77EF54B924}" srcId="{3D86B2DE-F19A-48BF-8E34-512CB0AC97D3}" destId="{60F4C772-B472-4CD4-99A0-7A1F0D372B86}" srcOrd="0" destOrd="0" parTransId="{D676C0D2-1109-4FA2-9982-1625EEF62191}" sibTransId="{310C3BEC-1C9A-493D-8F30-207DCF7E05B5}"/>
-    <dgm:cxn modelId="{5A72A89B-7FF8-4EEC-9FE8-DE1D3368C250}" srcId="{3D86B2DE-F19A-48BF-8E34-512CB0AC97D3}" destId="{109B5530-C3FE-4555-B075-8314746797C9}" srcOrd="1" destOrd="0" parTransId="{7CE7CB5D-D52B-428E-AE42-E2483B421C21}" sibTransId="{03FC9162-06F2-4D30-A97E-5C97CFBD2FC4}"/>
-    <dgm:cxn modelId="{EFD8A1AE-C3FC-4948-812F-EE89BFA121AE}" type="presOf" srcId="{60F4C772-B472-4CD4-99A0-7A1F0D372B86}" destId="{BB893978-DC76-4E23-85D6-B76CA96A881A}" srcOrd="0" destOrd="0" presId="urn:microsoft.com/office/officeart/2005/8/layout/chevron1"/>
-    <dgm:cxn modelId="{13BBC2E4-5109-45FB-9462-38047B9BB9C2}" type="presParOf" srcId="{92CBD714-6573-4134-8D0E-BEFF9A6764F3}" destId="{BB893978-DC76-4E23-85D6-B76CA96A881A}" srcOrd="0" destOrd="0" presId="urn:microsoft.com/office/officeart/2005/8/layout/chevron1"/>
-    <dgm:cxn modelId="{58D9FD77-0BE2-4658-8D58-67DED774B428}" type="presParOf" srcId="{92CBD714-6573-4134-8D0E-BEFF9A6764F3}" destId="{7085B0EE-828A-4BFA-A59E-217E4B36DFE4}" srcOrd="1" destOrd="0" presId="urn:microsoft.com/office/officeart/2005/8/layout/chevron1"/>
-    <dgm:cxn modelId="{7721ED5C-6992-4291-8E33-C3B3C7D6BBB6}" type="presParOf" srcId="{92CBD714-6573-4134-8D0E-BEFF9A6764F3}" destId="{88C0761A-ECE2-48AA-AE43-4F63F41AA821}" srcOrd="2" destOrd="0" presId="urn:microsoft.com/office/officeart/2005/8/layout/chevron1"/>
-    <dgm:cxn modelId="{82D23970-445D-45A0-8672-F85EE5339360}" type="presParOf" srcId="{92CBD714-6573-4134-8D0E-BEFF9A6764F3}" destId="{B752B8C2-95FF-4F39-BBA7-22548BDCE233}" srcOrd="3" destOrd="0" presId="urn:microsoft.com/office/officeart/2005/8/layout/chevron1"/>
-    <dgm:cxn modelId="{F43BB05C-0141-429D-B149-255DDFEB6E0D}" type="presParOf" srcId="{92CBD714-6573-4134-8D0E-BEFF9A6764F3}" destId="{30D56F37-DD1E-4C89-8FF7-D96A18DF1B02}" srcOrd="4" destOrd="0" presId="urn:microsoft.com/office/officeart/2005/8/layout/chevron1"/>
-  </dgm:cxnLst>
-  <dgm:bg/>
-  <dgm:whole/>
-  <dgm:extLst>
-    <a:ext uri="http://schemas.microsoft.com/office/drawing/2008/diagram">
-      <dsp:dataModelExt xmlns:dsp="http://schemas.microsoft.com/office/drawing/2008/diagram" relId="rId6" minVer="http://schemas.openxmlformats.org/drawingml/2006/diagram"/>
-    </a:ext>
-  </dgm:extLst>
-</dgm:dataModel>
-</file>
-
-<file path=ppt/diagrams/drawing1.xml><?xml version="1.0" encoding="utf-8"?>
-<dsp:drawing xmlns:dgm="http://schemas.openxmlformats.org/drawingml/2006/diagram" xmlns:dsp="http://schemas.microsoft.com/office/drawing/2008/diagram" xmlns:a="http://schemas.openxmlformats.org/drawingml/2006/main">
-  <dsp:spTree>
-    <dsp:nvGrpSpPr>
-      <dsp:cNvPr id="0" name=""/>
-      <dsp:cNvGrpSpPr/>
-    </dsp:nvGrpSpPr>
-    <dsp:grpSpPr/>
-    <dsp:sp modelId="{BB893978-DC76-4E23-85D6-B76CA96A881A}">
-      <dsp:nvSpPr>
-        <dsp:cNvPr id="0" name=""/>
-        <dsp:cNvSpPr/>
-      </dsp:nvSpPr>
-      <dsp:spPr>
-        <a:xfrm>
-          <a:off x="2144" y="1649265"/>
-          <a:ext cx="2612173" cy="1044869"/>
-        </a:xfrm>
-        <a:prstGeom prst="chevron">
-          <a:avLst/>
-        </a:prstGeom>
-        <a:solidFill>
-          <a:schemeClr val="lt1">
-            <a:hueOff val="0"/>
-            <a:satOff val="0"/>
-            <a:lumOff val="0"/>
-            <a:alphaOff val="0"/>
-          </a:schemeClr>
-        </a:solidFill>
-        <a:ln w="25400" cap="flat" cmpd="sng" algn="ctr">
-          <a:solidFill>
-            <a:schemeClr val="dk1">
-              <a:shade val="80000"/>
-              <a:hueOff val="0"/>
-              <a:satOff val="0"/>
-              <a:lumOff val="0"/>
-              <a:alphaOff val="0"/>
-            </a:schemeClr>
-          </a:solidFill>
-          <a:miter lim="800000"/>
-        </a:ln>
-        <a:effectLst/>
-      </dsp:spPr>
-      <dsp:style>
-        <a:lnRef idx="2">
-          <a:scrgbClr r="0" g="0" b="0"/>
-        </a:lnRef>
-        <a:fillRef idx="1">
-          <a:scrgbClr r="0" g="0" b="0"/>
-        </a:fillRef>
-        <a:effectRef idx="0">
-          <a:scrgbClr r="0" g="0" b="0"/>
-        </a:effectRef>
-        <a:fontRef idx="minor">
-          <a:schemeClr val="lt1"/>
-        </a:fontRef>
-      </dsp:style>
-      <dsp:txBody>
-        <a:bodyPr spcFirstLastPara="0" vert="horz" wrap="square" lIns="88011" tIns="29337" rIns="29337" bIns="29337" numCol="1" spcCol="1270" anchor="ctr" anchorCtr="0">
-          <a:noAutofit/>
-        </a:bodyPr>
-        <a:lstStyle/>
-        <a:p>
-          <a:pPr marL="0" lvl="0" indent="0" algn="ctr" defTabSz="977900">
-            <a:lnSpc>
-              <a:spcPct val="90000"/>
-            </a:lnSpc>
-            <a:spcBef>
-              <a:spcPct val="0"/>
-            </a:spcBef>
-            <a:spcAft>
-              <a:spcPct val="35000"/>
-            </a:spcAft>
-            <a:buNone/>
-          </a:pPr>
-          <a:r>
-            <a:rPr lang="pl-PL" sz="2200" kern="1200" dirty="0"/>
-            <a:t>JSON</a:t>
-          </a:r>
-        </a:p>
-      </dsp:txBody>
-      <dsp:txXfrm>
-        <a:off x="524579" y="1649265"/>
-        <a:ext cx="1567304" cy="1044869"/>
-      </dsp:txXfrm>
-    </dsp:sp>
-    <dsp:sp modelId="{88C0761A-ECE2-48AA-AE43-4F63F41AA821}">
-      <dsp:nvSpPr>
-        <dsp:cNvPr id="0" name=""/>
-        <dsp:cNvSpPr/>
-      </dsp:nvSpPr>
-      <dsp:spPr>
-        <a:xfrm>
-          <a:off x="2353100" y="1649265"/>
-          <a:ext cx="2612173" cy="1044869"/>
-        </a:xfrm>
-        <a:prstGeom prst="chevron">
-          <a:avLst/>
-        </a:prstGeom>
-        <a:solidFill>
-          <a:schemeClr val="lt1">
-            <a:hueOff val="0"/>
-            <a:satOff val="0"/>
-            <a:lumOff val="0"/>
-            <a:alphaOff val="0"/>
-          </a:schemeClr>
-        </a:solidFill>
-        <a:ln w="25400" cap="flat" cmpd="sng" algn="ctr">
-          <a:solidFill>
-            <a:schemeClr val="dk1">
-              <a:shade val="80000"/>
-              <a:hueOff val="0"/>
-              <a:satOff val="0"/>
-              <a:lumOff val="0"/>
-              <a:alphaOff val="0"/>
-            </a:schemeClr>
-          </a:solidFill>
-          <a:miter lim="800000"/>
-        </a:ln>
-        <a:effectLst/>
-      </dsp:spPr>
-      <dsp:style>
-        <a:lnRef idx="2">
-          <a:scrgbClr r="0" g="0" b="0"/>
-        </a:lnRef>
-        <a:fillRef idx="1">
-          <a:scrgbClr r="0" g="0" b="0"/>
-        </a:fillRef>
-        <a:effectRef idx="0">
-          <a:scrgbClr r="0" g="0" b="0"/>
-        </a:effectRef>
-        <a:fontRef idx="minor">
-          <a:schemeClr val="lt1"/>
-        </a:fontRef>
-      </dsp:style>
-      <dsp:txBody>
-        <a:bodyPr spcFirstLastPara="0" vert="horz" wrap="square" lIns="88011" tIns="29337" rIns="29337" bIns="29337" numCol="1" spcCol="1270" anchor="ctr" anchorCtr="0">
-          <a:noAutofit/>
-        </a:bodyPr>
-        <a:lstStyle/>
-        <a:p>
-          <a:pPr marL="0" lvl="0" indent="0" algn="ctr" defTabSz="977900">
-            <a:lnSpc>
-              <a:spcPct val="90000"/>
-            </a:lnSpc>
-            <a:spcBef>
-              <a:spcPct val="0"/>
-            </a:spcBef>
-            <a:spcAft>
-              <a:spcPct val="35000"/>
-            </a:spcAft>
-            <a:buNone/>
-          </a:pPr>
-          <a:r>
-            <a:rPr lang="pl-PL" sz="2200" kern="1200" dirty="0"/>
-            <a:t>Filtrowanie danych</a:t>
-          </a:r>
-        </a:p>
-      </dsp:txBody>
-      <dsp:txXfrm>
-        <a:off x="2875535" y="1649265"/>
-        <a:ext cx="1567304" cy="1044869"/>
-      </dsp:txXfrm>
-    </dsp:sp>
-    <dsp:sp modelId="{30D56F37-DD1E-4C89-8FF7-D96A18DF1B02}">
-      <dsp:nvSpPr>
-        <dsp:cNvPr id="0" name=""/>
-        <dsp:cNvSpPr/>
-      </dsp:nvSpPr>
-      <dsp:spPr>
-        <a:xfrm>
-          <a:off x="4704057" y="1649265"/>
-          <a:ext cx="2612173" cy="1044869"/>
-        </a:xfrm>
-        <a:prstGeom prst="chevron">
-          <a:avLst/>
-        </a:prstGeom>
-        <a:solidFill>
-          <a:schemeClr val="lt1">
-            <a:hueOff val="0"/>
-            <a:satOff val="0"/>
-            <a:lumOff val="0"/>
-            <a:alphaOff val="0"/>
-          </a:schemeClr>
-        </a:solidFill>
-        <a:ln w="25400" cap="flat" cmpd="sng" algn="ctr">
-          <a:solidFill>
-            <a:schemeClr val="dk1">
-              <a:shade val="80000"/>
-              <a:hueOff val="0"/>
-              <a:satOff val="0"/>
-              <a:lumOff val="0"/>
-              <a:alphaOff val="0"/>
-            </a:schemeClr>
-          </a:solidFill>
-          <a:miter lim="800000"/>
-        </a:ln>
-        <a:effectLst/>
-      </dsp:spPr>
-      <dsp:style>
-        <a:lnRef idx="2">
-          <a:scrgbClr r="0" g="0" b="0"/>
-        </a:lnRef>
-        <a:fillRef idx="1">
-          <a:scrgbClr r="0" g="0" b="0"/>
-        </a:fillRef>
-        <a:effectRef idx="0">
-          <a:scrgbClr r="0" g="0" b="0"/>
-        </a:effectRef>
-        <a:fontRef idx="minor">
-          <a:schemeClr val="lt1"/>
-        </a:fontRef>
-      </dsp:style>
-      <dsp:txBody>
-        <a:bodyPr spcFirstLastPara="0" vert="horz" wrap="square" lIns="88011" tIns="29337" rIns="29337" bIns="29337" numCol="1" spcCol="1270" anchor="ctr" anchorCtr="0">
-          <a:noAutofit/>
-        </a:bodyPr>
-        <a:lstStyle/>
-        <a:p>
-          <a:pPr marL="0" lvl="0" indent="0" algn="ctr" defTabSz="977900">
-            <a:lnSpc>
-              <a:spcPct val="90000"/>
-            </a:lnSpc>
-            <a:spcBef>
-              <a:spcPct val="0"/>
-            </a:spcBef>
-            <a:spcAft>
-              <a:spcPct val="35000"/>
-            </a:spcAft>
-            <a:buNone/>
-          </a:pPr>
-          <a:r>
-            <a:rPr lang="pl-PL" sz="2200" kern="1200" dirty="0"/>
-            <a:t>Wykres</a:t>
-          </a:r>
-        </a:p>
-      </dsp:txBody>
-      <dsp:txXfrm>
-        <a:off x="5226492" y="1649265"/>
-        <a:ext cx="1567304" cy="1044869"/>
-      </dsp:txXfrm>
-    </dsp:sp>
-  </dsp:spTree>
-</dsp:drawing>
-</file>
-
-<file path=ppt/diagrams/layout1.xml><?xml version="1.0" encoding="utf-8"?>
-<dgm:layoutDef xmlns:dgm="http://schemas.openxmlformats.org/drawingml/2006/diagram" xmlns:a="http://schemas.openxmlformats.org/drawingml/2006/main" uniqueId="urn:microsoft.com/office/officeart/2005/8/layout/chevron1">
-  <dgm:title val=""/>
-  <dgm:desc val=""/>
-  <dgm:catLst>
-    <dgm:cat type="process" pri="9000"/>
-  </dgm:catLst>
-  <dgm:sampData useDef="1">
-    <dgm:dataModel>
-      <dgm:ptLst/>
-      <dgm:bg/>
-      <dgm:whole/>
-    </dgm:dataModel>
-  </dgm:sampData>
-  <dgm:styleData>
-    <dgm:dataModel>
-      <dgm:ptLst>
-        <dgm:pt modelId="0" type="doc"/>
-        <dgm:pt modelId="1"/>
-        <dgm:pt modelId="2"/>
-      </dgm:ptLst>
-      <dgm:cxnLst>
-        <dgm:cxn modelId="3" srcId="0" destId="1" srcOrd="0" destOrd="0"/>
-        <dgm:cxn modelId="4" srcId="0" destId="2" srcOrd="1" destOrd="0"/>
-      </dgm:cxnLst>
-      <dgm:bg/>
-      <dgm:whole/>
-    </dgm:dataModel>
-  </dgm:styleData>
-  <dgm:clrData>
-    <dgm:dataModel>
-      <dgm:ptLst>
-        <dgm:pt modelId="0" type="doc"/>
-        <dgm:pt modelId="1"/>
-        <dgm:pt modelId="2"/>
-        <dgm:pt modelId="3"/>
-        <dgm:pt modelId="4"/>
-      </dgm:ptLst>
-      <dgm:cxnLst>
-        <dgm:cxn modelId="5" srcId="0" destId="1" srcOrd="0" destOrd="0"/>
-        <dgm:cxn modelId="6" srcId="0" destId="2" srcOrd="1" destOrd="0"/>
-        <dgm:cxn modelId="7" srcId="0" destId="3" srcOrd="2" destOrd="0"/>
-        <dgm:cxn modelId="8" srcId="0" destId="4" srcOrd="3" destOrd="0"/>
-      </dgm:cxnLst>
-      <dgm:bg/>
-      <dgm:whole/>
-    </dgm:dataModel>
-  </dgm:clrData>
-  <dgm:layoutNode name="Name0">
-    <dgm:varLst>
-      <dgm:dir/>
-      <dgm:animLvl val="lvl"/>
-      <dgm:resizeHandles val="exact"/>
-    </dgm:varLst>
-    <dgm:choose name="Name1">
-      <dgm:if name="Name2" func="var" arg="dir" op="equ" val="norm">
-        <dgm:alg type="lin"/>
-      </dgm:if>
-      <dgm:else name="Name3">
-        <dgm:alg type="lin">
-          <dgm:param type="linDir" val="fromR"/>
-        </dgm:alg>
-      </dgm:else>
-    </dgm:choose>
-    <dgm:shape xmlns:r="http://schemas.openxmlformats.org/officeDocument/2006/relationships" r:blip="">
-      <dgm:adjLst/>
-    </dgm:shape>
-    <dgm:presOf/>
-    <dgm:choose name="Name4">
-      <dgm:if name="Name5" axis="des" func="maxDepth" op="gte" val="2">
-        <dgm:constrLst>
-          <dgm:constr type="h" for="ch" forName="composite" refType="h"/>
-          <dgm:constr type="w" for="ch" forName="composite" refType="w"/>
-          <dgm:constr type="w" for="des" forName="parTx"/>
-          <dgm:constr type="h" for="des" forName="parTx" op="equ"/>
-          <dgm:constr type="w" for="des" forName="desTx"/>
-          <dgm:constr type="h" for="des" forName="desTx" op="equ"/>
-          <dgm:constr type="primFontSz" for="des" forName="parTx" val="65"/>
-          <dgm:constr type="secFontSz" for="des" forName="desTx" refType="primFontSz" refFor="des" refForName="parTx" op="equ"/>
-          <dgm:constr type="h" for="des" forName="parTx" refType="primFontSz" refFor="des" refForName="parTx" fact="1.5"/>
-          <dgm:constr type="h" for="des" forName="desTx" refType="primFontSz" refFor="des" refForName="parTx" fact="0.5"/>
-          <dgm:constr type="w" for="ch" forName="space" op="equ" val="-6"/>
-        </dgm:constrLst>
-        <dgm:ruleLst>
-          <dgm:rule type="w" for="ch" forName="composite" val="0" fact="NaN" max="NaN"/>
-          <dgm:rule type="primFontSz" for="des" forName="parTx" val="5" fact="NaN" max="NaN"/>
-        </dgm:ruleLst>
-        <dgm:forEach name="Name6" axis="ch" ptType="node">
-          <dgm:layoutNode name="composite">
-            <dgm:alg type="composite"/>
-            <dgm:shape xmlns:r="http://schemas.openxmlformats.org/officeDocument/2006/relationships" r:blip="">
-              <dgm:adjLst/>
-            </dgm:shape>
-            <dgm:presOf/>
-            <dgm:choose name="Name7">
-              <dgm:if name="Name8" func="var" arg="dir" op="equ" val="norm">
-                <dgm:constrLst>
-                  <dgm:constr type="l" for="ch" forName="parTx"/>
-                  <dgm:constr type="w" for="ch" forName="parTx" refType="w"/>
-                  <dgm:constr type="t" for="ch" forName="parTx"/>
-                  <dgm:constr type="l" for="ch" forName="desTx"/>
-                  <dgm:constr type="w" for="ch" forName="desTx" refType="w" refFor="ch" refForName="parTx" fact="0.8"/>
-                  <dgm:constr type="t" for="ch" forName="desTx" refType="h" refFor="ch" refForName="parTx" fact="1.125"/>
-                </dgm:constrLst>
-              </dgm:if>
-              <dgm:else name="Name9">
-                <dgm:constrLst>
-                  <dgm:constr type="l" for="ch" forName="parTx"/>
-                  <dgm:constr type="w" for="ch" forName="parTx" refType="w"/>
-                  <dgm:constr type="t" for="ch" forName="parTx"/>
-                  <dgm:constr type="l" for="ch" forName="desTx" refType="w" fact="0.2"/>
-                  <dgm:constr type="w" for="ch" forName="desTx" refType="w" refFor="ch" refForName="parTx" fact="0.8"/>
-                  <dgm:constr type="t" for="ch" forName="desTx" refType="h" refFor="ch" refForName="parTx" fact="1.125"/>
-                </dgm:constrLst>
-              </dgm:else>
-            </dgm:choose>
-            <dgm:ruleLst>
-              <dgm:rule type="h" val="INF" fact="NaN" max="NaN"/>
-            </dgm:ruleLst>
-            <dgm:layoutNode name="parTx">
-              <dgm:varLst>
-                <dgm:chMax val="0"/>
-                <dgm:chPref val="0"/>
-                <dgm:bulletEnabled val="1"/>
-              </dgm:varLst>
-              <dgm:alg type="tx"/>
-              <dgm:choose name="Name10">
-                <dgm:if name="Name11" func="var" arg="dir" op="equ" val="norm">
-                  <dgm:shape xmlns:r="http://schemas.openxmlformats.org/officeDocument/2006/relationships" type="chevron" r:blip="">
-                    <dgm:adjLst/>
-                  </dgm:shape>
-                </dgm:if>
-                <dgm:else name="Name12">
-                  <dgm:shape xmlns:r="http://schemas.openxmlformats.org/officeDocument/2006/relationships" rot="180" type="chevron" r:blip="">
-                    <dgm:adjLst/>
-                  </dgm:shape>
-                </dgm:else>
-              </dgm:choose>
-              <dgm:presOf axis="self" ptType="node"/>
-              <dgm:choose name="Name13">
-                <dgm:if name="Name14" func="var" arg="dir" op="equ" val="norm">
-                  <dgm:constrLst>
-                    <dgm:constr type="h" refType="w" op="lte" fact="0.4"/>
-                    <dgm:constr type="h"/>
-                    <dgm:constr type="tMarg" refType="primFontSz" fact="0.105"/>
-                    <dgm:constr type="bMarg" refType="primFontSz" fact="0.105"/>
-                    <dgm:constr type="lMarg" refType="primFontSz" fact="0.315"/>
-                    <dgm:constr type="rMarg" refType="primFontSz" fact="0.105"/>
-                  </dgm:constrLst>
-                </dgm:if>
-                <dgm:else name="Name15">
-                  <dgm:constrLst>
-                    <dgm:constr type="h" refType="w" op="lte" fact="0.4"/>
-                    <dgm:constr type="h"/>
-                    <dgm:constr type="tMarg" refType="primFontSz" fact="0.105"/>
-                    <dgm:constr type="bMarg" refType="primFontSz" fact="0.105"/>
-                    <dgm:constr type="lMarg" refType="primFontSz" fact="0.105"/>
-                    <dgm:constr type="rMarg" refType="primFontSz" fact="0.315"/>
-                  </dgm:constrLst>
-                </dgm:else>
-              </dgm:choose>
-              <dgm:ruleLst>
-                <dgm:rule type="h" val="INF" fact="NaN" max="NaN"/>
-              </dgm:ruleLst>
-            </dgm:layoutNode>
-            <dgm:layoutNode name="desTx" styleLbl="revTx">
-              <dgm:varLst>
-                <dgm:bulletEnabled val="1"/>
-              </dgm:varLst>
-              <dgm:alg type="tx">
-                <dgm:param type="stBulletLvl" val="1"/>
-              </dgm:alg>
-              <dgm:choose name="Name16">
-                <dgm:if name="Name17" axis="ch" ptType="node" func="cnt" op="gte" val="1">
-                  <dgm:shape xmlns:r="http://schemas.openxmlformats.org/officeDocument/2006/relationships" type="rect" r:blip="">
-                    <dgm:adjLst/>
-                  </dgm:shape>
-                </dgm:if>
-                <dgm:else name="Name18">
-                  <dgm:shape xmlns:r="http://schemas.openxmlformats.org/officeDocument/2006/relationships" type="rect" r:blip="" hideGeom="1">
-                    <dgm:adjLst/>
-                  </dgm:shape>
-                </dgm:else>
-              </dgm:choose>
-              <dgm:presOf axis="des" ptType="node"/>
-              <dgm:constrLst>
-                <dgm:constr type="secFontSz" val="65"/>
-                <dgm:constr type="primFontSz" refType="secFontSz"/>
-                <dgm:constr type="h"/>
-                <dgm:constr type="tMarg"/>
-                <dgm:constr type="bMarg"/>
-                <dgm:constr type="rMarg"/>
-                <dgm:constr type="lMarg"/>
-              </dgm:constrLst>
-              <dgm:ruleLst>
-                <dgm:rule type="h" val="INF" fact="NaN" max="NaN"/>
-              </dgm:ruleLst>
-            </dgm:layoutNode>
-          </dgm:layoutNode>
-          <dgm:forEach name="Name19" axis="followSib" ptType="sibTrans" cnt="1">
-            <dgm:layoutNode name="space">
-              <dgm:alg type="sp"/>
-              <dgm:shape xmlns:r="http://schemas.openxmlformats.org/officeDocument/2006/relationships" r:blip="">
-                <dgm:adjLst/>
-              </dgm:shape>
-              <dgm:presOf/>
-              <dgm:constrLst/>
-              <dgm:ruleLst/>
-            </dgm:layoutNode>
-          </dgm:forEach>
-        </dgm:forEach>
-      </dgm:if>
-      <dgm:else name="Name20">
-        <dgm:constrLst>
-          <dgm:constr type="w" for="ch" forName="parTxOnly" refType="w"/>
-          <dgm:constr type="h" for="des" forName="parTxOnly" op="equ"/>
-          <dgm:constr type="primFontSz" for="des" forName="parTxOnly" op="equ" val="65"/>
-          <dgm:constr type="w" for="ch" forName="parTxOnlySpace" refType="w" refFor="ch" refForName="parTxOnly" fact="-0.1"/>
-        </dgm:constrLst>
-        <dgm:ruleLst/>
-        <dgm:forEach name="Name21" axis="ch" ptType="node">
-          <dgm:layoutNode name="parTxOnly">
-            <dgm:varLst>
-              <dgm:chMax val="0"/>
-              <dgm:chPref val="0"/>
-              <dgm:bulletEnabled val="1"/>
-            </dgm:varLst>
-            <dgm:alg type="tx"/>
-            <dgm:choose name="Name22">
-              <dgm:if name="Name23" func="var" arg="dir" op="equ" val="norm">
-                <dgm:shape xmlns:r="http://schemas.openxmlformats.org/officeDocument/2006/relationships" type="chevron" r:blip="">
-                  <dgm:adjLst/>
-                </dgm:shape>
-              </dgm:if>
-              <dgm:else name="Name24">
-                <dgm:shape xmlns:r="http://schemas.openxmlformats.org/officeDocument/2006/relationships" rot="180" type="chevron" r:blip="">
-                  <dgm:adjLst/>
-                </dgm:shape>
-              </dgm:else>
-            </dgm:choose>
-            <dgm:presOf axis="self" ptType="node"/>
-            <dgm:choose name="Name25">
-              <dgm:if name="Name26" func="var" arg="dir" op="equ" val="norm">
-                <dgm:constrLst>
-                  <dgm:constr type="h" refType="w" op="equ" fact="0.4"/>
-                  <dgm:constr type="tMarg" refType="primFontSz" fact="0.105"/>
-                  <dgm:constr type="bMarg" refType="primFontSz" fact="0.105"/>
-                  <dgm:constr type="lMarg" refType="primFontSz" fact="0.315"/>
-                  <dgm:constr type="rMarg" refType="primFontSz" fact="0.105"/>
-                </dgm:constrLst>
-              </dgm:if>
-              <dgm:else name="Name27">
-                <dgm:constrLst>
-                  <dgm:constr type="h" refType="w" op="equ" fact="0.4"/>
-                  <dgm:constr type="tMarg" refType="primFontSz" fact="0.105"/>
-                  <dgm:constr type="bMarg" refType="primFontSz" fact="0.105"/>
-                  <dgm:constr type="lMarg" refType="primFontSz" fact="0.105"/>
-                  <dgm:constr type="rMarg" refType="primFontSz" fact="0.315"/>
-                </dgm:constrLst>
-              </dgm:else>
-            </dgm:choose>
-            <dgm:ruleLst>
-              <dgm:rule type="primFontSz" val="5" fact="NaN" max="NaN"/>
-            </dgm:ruleLst>
-          </dgm:layoutNode>
-          <dgm:forEach name="Name28" axis="followSib" ptType="sibTrans" cnt="1">
-            <dgm:layoutNode name="parTxOnlySpace">
-              <dgm:alg type="sp"/>
-              <dgm:shape xmlns:r="http://schemas.openxmlformats.org/officeDocument/2006/relationships" r:blip="">
-                <dgm:adjLst/>
-              </dgm:shape>
-              <dgm:presOf/>
-              <dgm:constrLst/>
-              <dgm:ruleLst/>
-            </dgm:layoutNode>
-          </dgm:forEach>
-        </dgm:forEach>
-      </dgm:else>
-    </dgm:choose>
-  </dgm:layoutNode>
-</dgm:layoutDef>
-</file>
-
-<file path=ppt/diagrams/quickStyle1.xml><?xml version="1.0" encoding="utf-8"?>
-<dgm:styleDef xmlns:dgm="http://schemas.openxmlformats.org/drawingml/2006/diagram" xmlns:a="http://schemas.openxmlformats.org/drawingml/2006/main" uniqueId="urn:microsoft.com/office/officeart/2005/8/quickstyle/simple1">
-  <dgm:title val=""/>
-  <dgm:desc val=""/>
-  <dgm:catLst>
-    <dgm:cat type="simple" pri="10100"/>
-  </dgm:catLst>
-  <dgm:scene3d>
-    <a:camera prst="orthographicFront"/>
-    <a:lightRig rig="threePt" dir="t"/>
-  </dgm:scene3d>
-  <dgm:styleLbl name="node0">
-    <dgm:scene3d>
-      <a:camera prst="orthographicFront"/>
-      <a:lightRig rig="threePt" dir="t"/>
-    </dgm:scene3d>
-    <dgm:sp3d/>
-    <dgm:txPr/>
-    <dgm:style>
-      <a:lnRef idx="2">
-        <a:scrgbClr r="0" g="0" b="0"/>
-      </a:lnRef>
-      <a:fillRef idx="1">
-        <a:scrgbClr r="0" g="0" b="0"/>
-      </a:fillRef>
-      <a:effectRef idx="0">
-        <a:scrgbClr r="0" g="0" b="0"/>
-      </a:effectRef>
-      <a:fontRef idx="minor">
-        <a:schemeClr val="lt1"/>
-      </a:fontRef>
-    </dgm:style>
-  </dgm:styleLbl>
-  <dgm:styleLbl name="lnNode1">
-    <dgm:scene3d>
-      <a:camera prst="orthographicFront"/>
-      <a:lightRig rig="threePt" dir="t"/>
-    </dgm:scene3d>
-    <dgm:sp3d/>
-    <dgm:txPr/>
-    <dgm:style>
-      <a:lnRef idx="2">
-        <a:scrgbClr r="0" g="0" b="0"/>
-      </a:lnRef>
-      <a:fillRef idx="1">
-        <a:scrgbClr r="0" g="0" b="0"/>
-      </a:fillRef>
-      <a:effectRef idx="0">
-        <a:scrgbClr r="0" g="0" b="0"/>
-      </a:effectRef>
-      <a:fontRef idx="minor">
-        <a:schemeClr val="lt1"/>
-      </a:fontRef>
-    </dgm:style>
-  </dgm:styleLbl>
-  <dgm:styleLbl name="vennNode1">
-    <dgm:scene3d>
-      <a:camera prst="orthographicFront"/>
-      <a:lightRig rig="threePt" dir="t"/>
-    </dgm:scene3d>
-    <dgm:sp3d/>
-    <dgm:txPr/>
-    <dgm:style>
-      <a:lnRef idx="2">
-        <a:scrgbClr r="0" g="0" b="0"/>
-      </a:lnRef>
-      <a:fillRef idx="1">
-        <a:scrgbClr r="0" g="0" b="0"/>
-      </a:fillRef>
-      <a:effectRef idx="0">
-        <a:scrgbClr r="0" g="0" b="0"/>
-      </a:effectRef>
-      <a:fontRef idx="minor">
-        <a:schemeClr val="tx1"/>
-      </a:fontRef>
-    </dgm:style>
-  </dgm:styleLbl>
-  <dgm:styleLbl name="alignNode1">
-    <dgm:scene3d>
-      <a:camera prst="orthographicFront"/>
-      <a:lightRig rig="threePt" dir="t"/>
-    </dgm:scene3d>
-    <dgm:sp3d/>
-    <dgm:txPr/>
-    <dgm:style>
-      <a:lnRef idx="2">
-        <a:scrgbClr r="0" g="0" b="0"/>
-      </a:lnRef>
-      <a:fillRef idx="1">
-        <a:scrgbClr r="0" g="0" b="0"/>
-      </a:fillRef>
-      <a:effectRef idx="0">
-        <a:scrgbClr r="0" g="0" b="0"/>
-      </a:effectRef>
-      <a:fontRef idx="minor">
-        <a:schemeClr val="lt1"/>
-      </a:fontRef>
-    </dgm:style>
-  </dgm:styleLbl>
-  <dgm:styleLbl name="node1">
-    <dgm:scene3d>
-      <a:camera prst="orthographicFront"/>
-      <a:lightRig rig="threePt" dir="t"/>
-    </dgm:scene3d>
-    <dgm:sp3d/>
-    <dgm:txPr/>
-    <dgm:style>
-      <a:lnRef idx="2">
-        <a:scrgbClr r="0" g="0" b="0"/>
-      </a:lnRef>
-      <a:fillRef idx="1">
-        <a:scrgbClr r="0" g="0" b="0"/>
-      </a:fillRef>
-      <a:effectRef idx="0">
-        <a:scrgbClr r="0" g="0" b="0"/>
-      </a:effectRef>
-      <a:fontRef idx="minor">
-        <a:schemeClr val="lt1"/>
-      </a:fontRef>
-    </dgm:style>
-  </dgm:styleLbl>
-  <dgm:styleLbl name="node2">
-    <dgm:scene3d>
-      <a:camera prst="orthographicFront"/>
-      <a:lightRig rig="threePt" dir="t"/>
-    </dgm:scene3d>
-    <dgm:sp3d/>
-    <dgm:txPr/>
-    <dgm:style>
-      <a:lnRef idx="2">
-        <a:scrgbClr r="0" g="0" b="0"/>
-      </a:lnRef>
-      <a:fillRef idx="1">
-        <a:scrgbClr r="0" g="0" b="0"/>
-      </a:fillRef>
-      <a:effectRef idx="0">
-        <a:scrgbClr r="0" g="0" b="0"/>
-      </a:effectRef>
-      <a:fontRef idx="minor">
-        <a:schemeClr val="lt1"/>
-      </a:fontRef>
-    </dgm:style>
-  </dgm:styleLbl>
-  <dgm:styleLbl name="node3">
-    <dgm:scene3d>
-      <a:camera prst="orthographicFront"/>
-      <a:lightRig rig="threePt" dir="t"/>
-    </dgm:scene3d>
-    <dgm:sp3d/>
-    <dgm:txPr/>
-    <dgm:style>
-      <a:lnRef idx="2">
-        <a:scrgbClr r="0" g="0" b="0"/>
-      </a:lnRef>
-      <a:fillRef idx="1">
-        <a:scrgbClr r="0" g="0" b="0"/>
-      </a:fillRef>
-      <a:effectRef idx="0">
-        <a:scrgbClr r="0" g="0" b="0"/>
-      </a:effectRef>
-      <a:fontRef idx="minor">
-        <a:schemeClr val="lt1"/>
-      </a:fontRef>
-    </dgm:style>
-  </dgm:styleLbl>
-  <dgm:styleLbl name="node4">
-    <dgm:scene3d>
-      <a:camera prst="orthographicFront"/>
-      <a:lightRig rig="threePt" dir="t"/>
-    </dgm:scene3d>
-    <dgm:sp3d/>
-    <dgm:txPr/>
-    <dgm:style>
-      <a:lnRef idx="2">
-        <a:scrgbClr r="0" g="0" b="0"/>
-      </a:lnRef>
-      <a:fillRef idx="1">
-        <a:scrgbClr r="0" g="0" b="0"/>
-      </a:fillRef>
-      <a:effectRef idx="0">
-        <a:scrgbClr r="0" g="0" b="0"/>
-      </a:effectRef>
-      <a:fontRef idx="minor">
-        <a:schemeClr val="lt1"/>
-      </a:fontRef>
-    </dgm:style>
-  </dgm:styleLbl>
-  <dgm:styleLbl name="fgImgPlace1">
-    <dgm:scene3d>
-      <a:camera prst="orthographicFront"/>
-      <a:lightRig rig="threePt" dir="t"/>
-    </dgm:scene3d>
-    <dgm:sp3d/>
-    <dgm:txPr/>
-    <dgm:style>
-      <a:lnRef idx="2">
-        <a:scrgbClr r="0" g="0" b="0"/>
-      </a:lnRef>
-      <a:fillRef idx="1">
-        <a:scrgbClr r="0" g="0" b="0"/>
-      </a:fillRef>
-      <a:effectRef idx="0">
-        <a:scrgbClr r="0" g="0" b="0"/>
-      </a:effectRef>
-      <a:fontRef idx="minor"/>
-    </dgm:style>
-  </dgm:styleLbl>
-  <dgm:styleLbl name="alignImgPlace1">
-    <dgm:scene3d>
-      <a:camera prst="orthographicFront"/>
-      <a:lightRig rig="threePt" dir="t"/>
-    </dgm:scene3d>
-    <dgm:sp3d/>
-    <dgm:txPr/>
-    <dgm:style>
-      <a:lnRef idx="2">
-        <a:scrgbClr r="0" g="0" b="0"/>
-      </a:lnRef>
-      <a:fillRef idx="1">
-        <a:scrgbClr r="0" g="0" b="0"/>
-      </a:fillRef>
-      <a:effectRef idx="0">
-        <a:scrgbClr r="0" g="0" b="0"/>
-      </a:effectRef>
-      <a:fontRef idx="minor"/>
-    </dgm:style>
-  </dgm:styleLbl>
-  <dgm:styleLbl name="bgImgPlace1">
-    <dgm:scene3d>
-      <a:camera prst="orthographicFront"/>
-      <a:lightRig rig="threePt" dir="t"/>
-    </dgm:scene3d>
-    <dgm:sp3d/>
-    <dgm:txPr/>
-    <dgm:style>
-      <a:lnRef idx="2">
-        <a:scrgbClr r="0" g="0" b="0"/>
-      </a:lnRef>
-      <a:fillRef idx="1">
-        <a:scrgbClr r="0" g="0" b="0"/>
-      </a:fillRef>
-      <a:effectRef idx="0">
-        <a:scrgbClr r="0" g="0" b="0"/>
-      </a:effectRef>
-      <a:fontRef idx="minor"/>
-    </dgm:style>
-  </dgm:styleLbl>
-  <dgm:styleLbl name="sibTrans2D1">
-    <dgm:scene3d>
-      <a:camera prst="orthographicFront"/>
-      <a:lightRig rig="threePt" dir="t"/>
-    </dgm:scene3d>
-    <dgm:sp3d/>
-    <dgm:txPr/>
-    <dgm:style>
-      <a:lnRef idx="0">
-        <a:scrgbClr r="0" g="0" b="0"/>
-      </a:lnRef>
-      <a:fillRef idx="1">
-        <a:scrgbClr r="0" g="0" b="0"/>
-      </a:fillRef>
-      <a:effectRef idx="0">
-        <a:scrgbClr r="0" g="0" b="0"/>
-      </a:effectRef>
-      <a:fontRef idx="minor">
-        <a:schemeClr val="lt1"/>
-      </a:fontRef>
-    </dgm:style>
-  </dgm:styleLbl>
-  <dgm:styleLbl name="fgSibTrans2D1">
-    <dgm:scene3d>
-      <a:camera prst="orthographicFront"/>
-      <a:lightRig rig="threePt" dir="t"/>
-    </dgm:scene3d>
-    <dgm:sp3d/>
-    <dgm:txPr/>
-    <dgm:style>
-      <a:lnRef idx="0">
-        <a:scrgbClr r="0" g="0" b="0"/>
-      </a:lnRef>
-      <a:fillRef idx="1">
-        <a:scrgbClr r="0" g="0" b="0"/>
-      </a:fillRef>
-      <a:effectRef idx="0">
-        <a:scrgbClr r="0" g="0" b="0"/>
-      </a:effectRef>
-      <a:fontRef idx="minor">
-        <a:schemeClr val="lt1"/>
-      </a:fontRef>
-    </dgm:style>
-  </dgm:styleLbl>
-  <dgm:styleLbl name="bgSibTrans2D1">
-    <dgm:scene3d>
-      <a:camera prst="orthographicFront"/>
-      <a:lightRig rig="threePt" dir="t"/>
-    </dgm:scene3d>
-    <dgm:sp3d/>
-    <dgm:txPr/>
-    <dgm:style>
-      <a:lnRef idx="0">
-        <a:scrgbClr r="0" g="0" b="0"/>
-      </a:lnRef>
-      <a:fillRef idx="1">
-        <a:scrgbClr r="0" g="0" b="0"/>
-      </a:fillRef>
-      <a:effectRef idx="0">
-        <a:scrgbClr r="0" g="0" b="0"/>
-      </a:effectRef>
-      <a:fontRef idx="minor">
-        <a:schemeClr val="lt1"/>
-      </a:fontRef>
-    </dgm:style>
-  </dgm:styleLbl>
-  <dgm:styleLbl name="sibTrans1D1">
-    <dgm:scene3d>
-      <a:camera prst="orthographicFront"/>
-      <a:lightRig rig="threePt" dir="t"/>
-    </dgm:scene3d>
-    <dgm:sp3d/>
-    <dgm:txPr/>
-    <dgm:style>
-      <a:lnRef idx="1">
-        <a:scrgbClr r="0" g="0" b="0"/>
-      </a:lnRef>
-      <a:fillRef idx="0">
-        <a:scrgbClr r="0" g="0" b="0"/>
-      </a:fillRef>
-      <a:effectRef idx="0">
-        <a:scrgbClr r="0" g="0" b="0"/>
-      </a:effectRef>
-      <a:fontRef idx="minor"/>
-    </dgm:style>
-  </dgm:styleLbl>
-  <dgm:styleLbl name="callout">
-    <dgm:scene3d>
-      <a:camera prst="orthographicFront"/>
-      <a:lightRig rig="threePt" dir="t"/>
-    </dgm:scene3d>
-    <dgm:sp3d/>
-    <dgm:txPr/>
-    <dgm:style>
-      <a:lnRef idx="2">
-        <a:scrgbClr r="0" g="0" b="0"/>
-      </a:lnRef>
-      <a:fillRef idx="1">
-        <a:scrgbClr r="0" g="0" b="0"/>
-      </a:fillRef>
-      <a:effectRef idx="0">
-        <a:scrgbClr r="0" g="0" b="0"/>
-      </a:effectRef>
-      <a:fontRef idx="minor"/>
-    </dgm:style>
-  </dgm:styleLbl>
-  <dgm:styleLbl name="asst0">
-    <dgm:scene3d>
-      <a:camera prst="orthographicFront"/>
-      <a:lightRig rig="threePt" dir="t"/>
-    </dgm:scene3d>
-    <dgm:sp3d/>
-    <dgm:txPr/>
-    <dgm:style>
-      <a:lnRef idx="2">
-        <a:scrgbClr r="0" g="0" b="0"/>
-      </a:lnRef>
-      <a:fillRef idx="1">
-        <a:scrgbClr r="0" g="0" b="0"/>
-      </a:fillRef>
-      <a:effectRef idx="0">
-        <a:scrgbClr r="0" g="0" b="0"/>
-      </a:effectRef>
-      <a:fontRef idx="minor">
-        <a:schemeClr val="lt1"/>
-      </a:fontRef>
-    </dgm:style>
-  </dgm:styleLbl>
-  <dgm:styleLbl name="asst1">
-    <dgm:scene3d>
-      <a:camera prst="orthographicFront"/>
-      <a:lightRig rig="threePt" dir="t"/>
-    </dgm:scene3d>
-    <dgm:sp3d/>
-    <dgm:txPr/>
-    <dgm:style>
-      <a:lnRef idx="2">
-        <a:scrgbClr r="0" g="0" b="0"/>
-      </a:lnRef>
-      <a:fillRef idx="1">
-        <a:scrgbClr r="0" g="0" b="0"/>
-      </a:fillRef>
-      <a:effectRef idx="0">
-        <a:scrgbClr r="0" g="0" b="0"/>
-      </a:effectRef>
-      <a:fontRef idx="minor">
-        <a:schemeClr val="lt1"/>
-      </a:fontRef>
-    </dgm:style>
-  </dgm:styleLbl>
-  <dgm:styleLbl name="asst2">
-    <dgm:scene3d>
-      <a:camera prst="orthographicFront"/>
-      <a:lightRig rig="threePt" dir="t"/>
-    </dgm:scene3d>
-    <dgm:sp3d/>
-    <dgm:txPr/>
-    <dgm:style>
-      <a:lnRef idx="2">
-        <a:scrgbClr r="0" g="0" b="0"/>
-      </a:lnRef>
-      <a:fillRef idx="1">
-        <a:scrgbClr r="0" g="0" b="0"/>
-      </a:fillRef>
-      <a:effectRef idx="0">
-        <a:scrgbClr r="0" g="0" b="0"/>
-      </a:effectRef>
-      <a:fontRef idx="minor">
-        <a:schemeClr val="lt1"/>
-      </a:fontRef>
-    </dgm:style>
-  </dgm:styleLbl>
-  <dgm:styleLbl name="asst3">
-    <dgm:scene3d>
-      <a:camera prst="orthographicFront"/>
-      <a:lightRig rig="threePt" dir="t"/>
-    </dgm:scene3d>
-    <dgm:sp3d/>
-    <dgm:txPr/>
-    <dgm:style>
-      <a:lnRef idx="2">
-        <a:scrgbClr r="0" g="0" b="0"/>
-      </a:lnRef>
-      <a:fillRef idx="1">
-        <a:scrgbClr r="0" g="0" b="0"/>
-      </a:fillRef>
-      <a:effectRef idx="0">
-        <a:scrgbClr r="0" g="0" b="0"/>
-      </a:effectRef>
-      <a:fontRef idx="minor">
-        <a:schemeClr val="lt1"/>
-      </a:fontRef>
-    </dgm:style>
-  </dgm:styleLbl>
-  <dgm:styleLbl name="asst4">
-    <dgm:scene3d>
-      <a:camera prst="orthographicFront"/>
-      <a:lightRig rig="threePt" dir="t"/>
-    </dgm:scene3d>
-    <dgm:sp3d/>
-    <dgm:txPr/>
-    <dgm:style>
-      <a:lnRef idx="2">
-        <a:scrgbClr r="0" g="0" b="0"/>
-      </a:lnRef>
-      <a:fillRef idx="1">
-        <a:scrgbClr r="0" g="0" b="0"/>
-      </a:fillRef>
-      <a:effectRef idx="0">
-        <a:scrgbClr r="0" g="0" b="0"/>
-      </a:effectRef>
-      <a:fontRef idx="minor">
-        <a:schemeClr val="lt1"/>
-      </a:fontRef>
-    </dgm:style>
-  </dgm:styleLbl>
-  <dgm:styleLbl name="parChTrans2D1">
-    <dgm:scene3d>
-      <a:camera prst="orthographicFront"/>
-      <a:lightRig rig="threePt" dir="t"/>
-    </dgm:scene3d>
-    <dgm:sp3d/>
-    <dgm:txPr/>
-    <dgm:style>
-      <a:lnRef idx="2">
-        <a:scrgbClr r="0" g="0" b="0"/>
-      </a:lnRef>
-      <a:fillRef idx="1">
-        <a:scrgbClr r="0" g="0" b="0"/>
-      </a:fillRef>
-      <a:effectRef idx="0">
-        <a:scrgbClr r="0" g="0" b="0"/>
-      </a:effectRef>
-      <a:fontRef idx="minor">
-        <a:schemeClr val="lt1"/>
-      </a:fontRef>
-    </dgm:style>
-  </dgm:styleLbl>
-  <dgm:styleLbl name="parChTrans2D2">
-    <dgm:scene3d>
-      <a:camera prst="orthographicFront"/>
-      <a:lightRig rig="threePt" dir="t"/>
-    </dgm:scene3d>
-    <dgm:sp3d/>
-    <dgm:txPr/>
-    <dgm:style>
-      <a:lnRef idx="2">
-        <a:scrgbClr r="0" g="0" b="0"/>
-      </a:lnRef>
-      <a:fillRef idx="1">
-        <a:scrgbClr r="0" g="0" b="0"/>
-      </a:fillRef>
-      <a:effectRef idx="0">
-        <a:scrgbClr r="0" g="0" b="0"/>
-      </a:effectRef>
-      <a:fontRef idx="minor">
-        <a:schemeClr val="lt1"/>
-      </a:fontRef>
-    </dgm:style>
-  </dgm:styleLbl>
-  <dgm:styleLbl name="parChTrans2D3">
-    <dgm:scene3d>
-      <a:camera prst="orthographicFront"/>
-      <a:lightRig rig="threePt" dir="t"/>
-    </dgm:scene3d>
-    <dgm:sp3d/>
-    <dgm:txPr/>
-    <dgm:style>
-      <a:lnRef idx="2">
-        <a:scrgbClr r="0" g="0" b="0"/>
-      </a:lnRef>
-      <a:fillRef idx="1">
-        <a:scrgbClr r="0" g="0" b="0"/>
-      </a:fillRef>
-      <a:effectRef idx="0">
-        <a:scrgbClr r="0" g="0" b="0"/>
-      </a:effectRef>
-      <a:fontRef idx="minor">
-        <a:schemeClr val="lt1"/>
-      </a:fontRef>
-    </dgm:style>
-  </dgm:styleLbl>
-  <dgm:styleLbl name="parChTrans2D4">
-    <dgm:scene3d>
-      <a:camera prst="orthographicFront"/>
-      <a:lightRig rig="threePt" dir="t"/>
-    </dgm:scene3d>
-    <dgm:sp3d/>
-    <dgm:txPr/>
-    <dgm:style>
-      <a:lnRef idx="2">
-        <a:scrgbClr r="0" g="0" b="0"/>
-      </a:lnRef>
-      <a:fillRef idx="1">
-        <a:scrgbClr r="0" g="0" b="0"/>
-      </a:fillRef>
-      <a:effectRef idx="0">
-        <a:scrgbClr r="0" g="0" b="0"/>
-      </a:effectRef>
-      <a:fontRef idx="minor">
-        <a:schemeClr val="lt1"/>
-      </a:fontRef>
-    </dgm:style>
-  </dgm:styleLbl>
-  <dgm:styleLbl name="parChTrans1D1">
-    <dgm:scene3d>
-      <a:camera prst="orthographicFront"/>
-      <a:lightRig rig="threePt" dir="t"/>
-    </dgm:scene3d>
-    <dgm:sp3d/>
-    <dgm:txPr/>
-    <dgm:style>
-      <a:lnRef idx="2">
-        <a:scrgbClr r="0" g="0" b="0"/>
-      </a:lnRef>
-      <a:fillRef idx="0">
-        <a:scrgbClr r="0" g="0" b="0"/>
-      </a:fillRef>
-      <a:effectRef idx="0">
-        <a:scrgbClr r="0" g="0" b="0"/>
-      </a:effectRef>
-      <a:fontRef idx="minor"/>
-    </dgm:style>
-  </dgm:styleLbl>
-  <dgm:styleLbl name="parChTrans1D2">
-    <dgm:scene3d>
-      <a:camera prst="orthographicFront"/>
-      <a:lightRig rig="threePt" dir="t"/>
-    </dgm:scene3d>
-    <dgm:sp3d/>
-    <dgm:txPr/>
-    <dgm:style>
-      <a:lnRef idx="2">
-        <a:scrgbClr r="0" g="0" b="0"/>
-      </a:lnRef>
-      <a:fillRef idx="0">
-        <a:scrgbClr r="0" g="0" b="0"/>
-      </a:fillRef>
-      <a:effectRef idx="0">
-        <a:scrgbClr r="0" g="0" b="0"/>
-      </a:effectRef>
-      <a:fontRef idx="minor"/>
-    </dgm:style>
-  </dgm:styleLbl>
-  <dgm:styleLbl name="parChTrans1D3">
-    <dgm:scene3d>
-      <a:camera prst="orthographicFront"/>
-      <a:lightRig rig="threePt" dir="t"/>
-    </dgm:scene3d>
-    <dgm:sp3d/>
-    <dgm:txPr/>
-    <dgm:style>
-      <a:lnRef idx="2">
-        <a:scrgbClr r="0" g="0" b="0"/>
-      </a:lnRef>
-      <a:fillRef idx="0">
-        <a:scrgbClr r="0" g="0" b="0"/>
-      </a:fillRef>
-      <a:effectRef idx="0">
-        <a:scrgbClr r="0" g="0" b="0"/>
-      </a:effectRef>
-      <a:fontRef idx="minor"/>
-    </dgm:style>
-  </dgm:styleLbl>
-  <dgm:styleLbl name="parChTrans1D4">
-    <dgm:scene3d>
-      <a:camera prst="orthographicFront"/>
-      <a:lightRig rig="threePt" dir="t"/>
-    </dgm:scene3d>
-    <dgm:sp3d/>
-    <dgm:txPr/>
-    <dgm:style>
-      <a:lnRef idx="2">
-        <a:scrgbClr r="0" g="0" b="0"/>
-      </a:lnRef>
-      <a:fillRef idx="0">
-        <a:scrgbClr r="0" g="0" b="0"/>
-      </a:fillRef>
-      <a:effectRef idx="0">
-        <a:scrgbClr r="0" g="0" b="0"/>
-      </a:effectRef>
-      <a:fontRef idx="minor"/>
-    </dgm:style>
-  </dgm:styleLbl>
-  <dgm:styleLbl name="fgAcc1">
-    <dgm:scene3d>
-      <a:camera prst="orthographicFront"/>
-      <a:lightRig rig="threePt" dir="t"/>
-    </dgm:scene3d>
-    <dgm:sp3d/>
-    <dgm:txPr/>
-    <dgm:style>
-      <a:lnRef idx="2">
-        <a:scrgbClr r="0" g="0" b="0"/>
-      </a:lnRef>
-      <a:fillRef idx="1">
-        <a:scrgbClr r="0" g="0" b="0"/>
-      </a:fillRef>
-      <a:effectRef idx="0">
-        <a:scrgbClr r="0" g="0" b="0"/>
-      </a:effectRef>
-      <a:fontRef idx="minor"/>
-    </dgm:style>
-  </dgm:styleLbl>
-  <dgm:styleLbl name="conFgAcc1">
-    <dgm:scene3d>
-      <a:camera prst="orthographicFront"/>
-      <a:lightRig rig="threePt" dir="t"/>
-    </dgm:scene3d>
-    <dgm:sp3d/>
-    <dgm:txPr/>
-    <dgm:style>
-      <a:lnRef idx="2">
-        <a:scrgbClr r="0" g="0" b="0"/>
-      </a:lnRef>
-      <a:fillRef idx="1">
-        <a:scrgbClr r="0" g="0" b="0"/>
-      </a:fillRef>
-      <a:effectRef idx="0">
-        <a:scrgbClr r="0" g="0" b="0"/>
-      </a:effectRef>
-      <a:fontRef idx="minor"/>
-    </dgm:style>
-  </dgm:styleLbl>
-  <dgm:styleLbl name="alignAcc1">
-    <dgm:scene3d>
-      <a:camera prst="orthographicFront"/>
-      <a:lightRig rig="threePt" dir="t"/>
-    </dgm:scene3d>
-    <dgm:sp3d/>
-    <dgm:txPr/>
-    <dgm:style>
-      <a:lnRef idx="2">
-        <a:scrgbClr r="0" g="0" b="0"/>
-      </a:lnRef>
-      <a:fillRef idx="1">
-        <a:scrgbClr r="0" g="0" b="0"/>
-      </a:fillRef>
-      <a:effectRef idx="0">
-        <a:scrgbClr r="0" g="0" b="0"/>
-      </a:effectRef>
-      <a:fontRef idx="minor"/>
-    </dgm:style>
-  </dgm:styleLbl>
-  <dgm:styleLbl name="trAlignAcc1">
-    <dgm:scene3d>
-      <a:camera prst="orthographicFront"/>
-      <a:lightRig rig="threePt" dir="t"/>
-    </dgm:scene3d>
-    <dgm:sp3d/>
-    <dgm:txPr/>
-    <dgm:style>
-      <a:lnRef idx="1">
-        <a:scrgbClr r="0" g="0" b="0"/>
-      </a:lnRef>
-      <a:fillRef idx="1">
-        <a:scrgbClr r="0" g="0" b="0"/>
-      </a:fillRef>
-      <a:effectRef idx="0">
-        <a:scrgbClr r="0" g="0" b="0"/>
-      </a:effectRef>
-      <a:fontRef idx="minor"/>
-    </dgm:style>
-  </dgm:styleLbl>
-  <dgm:styleLbl name="bgAcc1">
-    <dgm:scene3d>
-      <a:camera prst="orthographicFront"/>
-      <a:lightRig rig="threePt" dir="t"/>
-    </dgm:scene3d>
-    <dgm:sp3d/>
-    <dgm:txPr/>
-    <dgm:style>
-      <a:lnRef idx="2">
-        <a:scrgbClr r="0" g="0" b="0"/>
-      </a:lnRef>
-      <a:fillRef idx="1">
-        <a:scrgbClr r="0" g="0" b="0"/>
-      </a:fillRef>
-      <a:effectRef idx="0">
-        <a:scrgbClr r="0" g="0" b="0"/>
-      </a:effectRef>
-      <a:fontRef idx="minor"/>
-    </dgm:style>
-  </dgm:styleLbl>
-  <dgm:styleLbl name="solidFgAcc1">
-    <dgm:scene3d>
-      <a:camera prst="orthographicFront"/>
-      <a:lightRig rig="threePt" dir="t"/>
-    </dgm:scene3d>
-    <dgm:sp3d/>
-    <dgm:txPr/>
-    <dgm:style>
-      <a:lnRef idx="2">
-        <a:scrgbClr r="0" g="0" b="0"/>
-      </a:lnRef>
-      <a:fillRef idx="1">
-        <a:scrgbClr r="0" g="0" b="0"/>
-      </a:fillRef>
-      <a:effectRef idx="0">
-        <a:scrgbClr r="0" g="0" b="0"/>
-      </a:effectRef>
-      <a:fontRef idx="minor"/>
-    </dgm:style>
-  </dgm:styleLbl>
-  <dgm:styleLbl name="solidAlignAcc1">
-    <dgm:scene3d>
-      <a:camera prst="orthographicFront"/>
-      <a:lightRig rig="threePt" dir="t"/>
-    </dgm:scene3d>
-    <dgm:sp3d/>
-    <dgm:txPr/>
-    <dgm:style>
-      <a:lnRef idx="2">
-        <a:scrgbClr r="0" g="0" b="0"/>
-      </a:lnRef>
-      <a:fillRef idx="1">
-        <a:scrgbClr r="0" g="0" b="0"/>
-      </a:fillRef>
-      <a:effectRef idx="0">
-        <a:scrgbClr r="0" g="0" b="0"/>
-      </a:effectRef>
-      <a:fontRef idx="minor"/>
-    </dgm:style>
-  </dgm:styleLbl>
-  <dgm:styleLbl name="solidBgAcc1">
-    <dgm:scene3d>
-      <a:camera prst="orthographicFront"/>
-      <a:lightRig rig="threePt" dir="t"/>
-    </dgm:scene3d>
-    <dgm:sp3d/>
-    <dgm:txPr/>
-    <dgm:style>
-      <a:lnRef idx="2">
-        <a:scrgbClr r="0" g="0" b="0"/>
-      </a:lnRef>
-      <a:fillRef idx="1">
-        <a:scrgbClr r="0" g="0" b="0"/>
-      </a:fillRef>
-      <a:effectRef idx="0">
-        <a:scrgbClr r="0" g="0" b="0"/>
-      </a:effectRef>
-      <a:fontRef idx="minor"/>
-    </dgm:style>
-  </dgm:styleLbl>
-  <dgm:styleLbl name="fgAccFollowNode1">
-    <dgm:scene3d>
-      <a:camera prst="orthographicFront"/>
-      <a:lightRig rig="threePt" dir="t"/>
-    </dgm:scene3d>
-    <dgm:sp3d/>
-    <dgm:txPr/>
-    <dgm:style>
-      <a:lnRef idx="2">
-        <a:scrgbClr r="0" g="0" b="0"/>
-      </a:lnRef>
-      <a:fillRef idx="1">
-        <a:scrgbClr r="0" g="0" b="0"/>
-      </a:fillRef>
-      <a:effectRef idx="0">
-        <a:scrgbClr r="0" g="0" b="0"/>
-      </a:effectRef>
-      <a:fontRef idx="minor"/>
-    </dgm:style>
-  </dgm:styleLbl>
-  <dgm:styleLbl name="alignAccFollowNode1">
-    <dgm:scene3d>
-      <a:camera prst="orthographicFront"/>
-      <a:lightRig rig="threePt" dir="t"/>
-    </dgm:scene3d>
-    <dgm:sp3d/>
-    <dgm:txPr/>
-    <dgm:style>
-      <a:lnRef idx="2">
-        <a:scrgbClr r="0" g="0" b="0"/>
-      </a:lnRef>
-      <a:fillRef idx="1">
-        <a:scrgbClr r="0" g="0" b="0"/>
-      </a:fillRef>
-      <a:effectRef idx="0">
-        <a:scrgbClr r="0" g="0" b="0"/>
-      </a:effectRef>
-      <a:fontRef idx="minor"/>
-    </dgm:style>
-  </dgm:styleLbl>
-  <dgm:styleLbl name="bgAccFollowNode1">
-    <dgm:scene3d>
-      <a:camera prst="orthographicFront"/>
-      <a:lightRig rig="threePt" dir="t"/>
-    </dgm:scene3d>
-    <dgm:sp3d/>
-    <dgm:txPr/>
-    <dgm:style>
-      <a:lnRef idx="2">
-        <a:scrgbClr r="0" g="0" b="0"/>
-      </a:lnRef>
-      <a:fillRef idx="1">
-        <a:scrgbClr r="0" g="0" b="0"/>
-      </a:fillRef>
-      <a:effectRef idx="0">
-        <a:scrgbClr r="0" g="0" b="0"/>
-      </a:effectRef>
-      <a:fontRef idx="minor"/>
-    </dgm:style>
-  </dgm:styleLbl>
-  <dgm:styleLbl name="fgAcc0">
-    <dgm:scene3d>
-      <a:camera prst="orthographicFront"/>
-      <a:lightRig rig="threePt" dir="t"/>
-    </dgm:scene3d>
-    <dgm:sp3d/>
-    <dgm:txPr/>
-    <dgm:style>
-      <a:lnRef idx="2">
-        <a:scrgbClr r="0" g="0" b="0"/>
-      </a:lnRef>
-      <a:fillRef idx="1">
-        <a:scrgbClr r="0" g="0" b="0"/>
-      </a:fillRef>
-      <a:effectRef idx="0">
-        <a:scrgbClr r="0" g="0" b="0"/>
-      </a:effectRef>
-      <a:fontRef idx="minor"/>
-    </dgm:style>
-  </dgm:styleLbl>
-  <dgm:styleLbl name="fgAcc2">
-    <dgm:scene3d>
-      <a:camera prst="orthographicFront"/>
-      <a:lightRig rig="threePt" dir="t"/>
-    </dgm:scene3d>
-    <dgm:sp3d/>
-    <dgm:txPr/>
-    <dgm:style>
-      <a:lnRef idx="2">
-        <a:scrgbClr r="0" g="0" b="0"/>
-      </a:lnRef>
-      <a:fillRef idx="1">
-        <a:scrgbClr r="0" g="0" b="0"/>
-      </a:fillRef>
-      <a:effectRef idx="0">
-        <a:scrgbClr r="0" g="0" b="0"/>
-      </a:effectRef>
-      <a:fontRef idx="minor"/>
-    </dgm:style>
-  </dgm:styleLbl>
-  <dgm:styleLbl name="fgAcc3">
-    <dgm:scene3d>
-      <a:camera prst="orthographicFront"/>
-      <a:lightRig rig="threePt" dir="t"/>
-    </dgm:scene3d>
-    <dgm:sp3d/>
-    <dgm:txPr/>
-    <dgm:style>
-      <a:lnRef idx="2">
-        <a:scrgbClr r="0" g="0" b="0"/>
-      </a:lnRef>
-      <a:fillRef idx="1">
-        <a:scrgbClr r="0" g="0" b="0"/>
-      </a:fillRef>
-      <a:effectRef idx="0">
-        <a:scrgbClr r="0" g="0" b="0"/>
-      </a:effectRef>
-      <a:fontRef idx="minor"/>
-    </dgm:style>
-  </dgm:styleLbl>
-  <dgm:styleLbl name="fgAcc4">
-    <dgm:scene3d>
-      <a:camera prst="orthographicFront"/>
-      <a:lightRig rig="threePt" dir="t"/>
-    </dgm:scene3d>
-    <dgm:sp3d/>
-    <dgm:txPr/>
-    <dgm:style>
-      <a:lnRef idx="2">
-        <a:scrgbClr r="0" g="0" b="0"/>
-      </a:lnRef>
-      <a:fillRef idx="1">
-        <a:scrgbClr r="0" g="0" b="0"/>
-      </a:fillRef>
-      <a:effectRef idx="0">
-        <a:scrgbClr r="0" g="0" b="0"/>
-      </a:effectRef>
-      <a:fontRef idx="minor"/>
-    </dgm:style>
-  </dgm:styleLbl>
-  <dgm:styleLbl name="bgShp">
-    <dgm:scene3d>
-      <a:camera prst="orthographicFront"/>
-      <a:lightRig rig="threePt" dir="t"/>
-    </dgm:scene3d>
-    <dgm:sp3d/>
-    <dgm:txPr/>
-    <dgm:style>
-      <a:lnRef idx="0">
-        <a:scrgbClr r="0" g="0" b="0"/>
-      </a:lnRef>
-      <a:fillRef idx="1">
-        <a:scrgbClr r="0" g="0" b="0"/>
-      </a:fillRef>
-      <a:effectRef idx="0">
-        <a:scrgbClr r="0" g="0" b="0"/>
-      </a:effectRef>
-      <a:fontRef idx="minor"/>
-    </dgm:style>
-  </dgm:styleLbl>
-  <dgm:styleLbl name="dkBgShp">
-    <dgm:scene3d>
-      <a:camera prst="orthographicFront"/>
-      <a:lightRig rig="threePt" dir="t"/>
-    </dgm:scene3d>
-    <dgm:sp3d/>
-    <dgm:txPr/>
-    <dgm:style>
-      <a:lnRef idx="0">
-        <a:scrgbClr r="0" g="0" b="0"/>
-      </a:lnRef>
-      <a:fillRef idx="1">
-        <a:scrgbClr r="0" g="0" b="0"/>
-      </a:fillRef>
-      <a:effectRef idx="0">
-        <a:scrgbClr r="0" g="0" b="0"/>
-      </a:effectRef>
-      <a:fontRef idx="minor"/>
-    </dgm:style>
-  </dgm:styleLbl>
-  <dgm:styleLbl name="trBgShp">
-    <dgm:scene3d>
-      <a:camera prst="orthographicFront"/>
-      <a:lightRig rig="threePt" dir="t"/>
-    </dgm:scene3d>
-    <dgm:sp3d/>
-    <dgm:txPr/>
-    <dgm:style>
-      <a:lnRef idx="0">
-        <a:scrgbClr r="0" g="0" b="0"/>
-      </a:lnRef>
-      <a:fillRef idx="1">
-        <a:scrgbClr r="0" g="0" b="0"/>
-      </a:fillRef>
-      <a:effectRef idx="0">
-        <a:scrgbClr r="0" g="0" b="0"/>
-      </a:effectRef>
-      <a:fontRef idx="minor"/>
-    </dgm:style>
-  </dgm:styleLbl>
-  <dgm:styleLbl name="fgShp">
-    <dgm:scene3d>
-      <a:camera prst="orthographicFront"/>
-      <a:lightRig rig="threePt" dir="t"/>
-    </dgm:scene3d>
-    <dgm:sp3d/>
-    <dgm:txPr/>
-    <dgm:style>
-      <a:lnRef idx="2">
-        <a:scrgbClr r="0" g="0" b="0"/>
-      </a:lnRef>
-      <a:fillRef idx="1">
-        <a:scrgbClr r="0" g="0" b="0"/>
-      </a:fillRef>
-      <a:effectRef idx="0">
-        <a:scrgbClr r="0" g="0" b="0"/>
-      </a:effectRef>
-      <a:fontRef idx="minor"/>
-    </dgm:style>
-  </dgm:styleLbl>
-  <dgm:styleLbl name="revTx">
-    <dgm:scene3d>
-      <a:camera prst="orthographicFront"/>
-      <a:lightRig rig="threePt" dir="t"/>
-    </dgm:scene3d>
-    <dgm:sp3d/>
-    <dgm:txPr/>
-    <dgm:style>
-      <a:lnRef idx="0">
-        <a:scrgbClr r="0" g="0" b="0"/>
-      </a:lnRef>
-      <a:fillRef idx="0">
-        <a:scrgbClr r="0" g="0" b="0"/>
-      </a:fillRef>
-      <a:effectRef idx="0">
-        <a:scrgbClr r="0" g="0" b="0"/>
-      </a:effectRef>
-      <a:fontRef idx="minor"/>
-    </dgm:style>
-  </dgm:styleLbl>
-</dgm:styleDef>
-</file>
-
 <file path=ppt/handoutMasters/handoutMaster1.xml><?xml version="1.0" encoding="utf-8"?>
 <p:handoutMaster xmlns:a="http://schemas.openxmlformats.org/drawingml/2006/main" xmlns:r="http://schemas.openxmlformats.org/officeDocument/2006/relationships" xmlns:p="http://schemas.openxmlformats.org/presentationml/2006/main">
   <p:cSld>
@@ -2857,7 +298,7 @@
             <a:fld id="{128FCA9C-FF92-4024-BDEC-A6D3B663DC09}" type="datetimeFigureOut">
               <a:rPr lang="pl-PL" smtClean="0"/>
               <a:pPr/>
-              <a:t>19.06.2017</a:t>
+              <a:t>18.06.2017</a:t>
             </a:fld>
             <a:endParaRPr lang="pl-PL" dirty="0"/>
           </a:p>
@@ -3024,7 +465,7 @@
             <a:fld id="{772AB877-E7B1-4681-847E-D0918612832B}" type="datetimeFigureOut">
               <a:rPr lang="pl-PL" smtClean="0"/>
               <a:pPr/>
-              <a:t>19.06.2017</a:t>
+              <a:t>18.06.2017</a:t>
             </a:fld>
             <a:endParaRPr lang="pl-PL" dirty="0"/>
           </a:p>
@@ -46236,7 +43677,7 @@
             <a:fld id="{EDF33987-6305-4E2A-BF18-EF013ECE927B}" type="datetimeFigureOut">
               <a:rPr lang="pl-PL" smtClean="0"/>
               <a:pPr/>
-              <a:t>19.06.2017</a:t>
+              <a:t>18.06.2017</a:t>
             </a:fld>
             <a:endParaRPr lang="pl-PL" dirty="0"/>
           </a:p>
@@ -46446,7 +43887,7 @@
             <a:fld id="{EDF33987-6305-4E2A-BF18-EF013ECE927B}" type="datetimeFigureOut">
               <a:rPr lang="pl-PL" smtClean="0"/>
               <a:pPr/>
-              <a:t>19.06.2017</a:t>
+              <a:t>18.06.2017</a:t>
             </a:fld>
             <a:endParaRPr lang="pl-PL" dirty="0"/>
           </a:p>
@@ -46646,7 +44087,7 @@
             <a:fld id="{EDF33987-6305-4E2A-BF18-EF013ECE927B}" type="datetimeFigureOut">
               <a:rPr lang="pl-PL" smtClean="0"/>
               <a:pPr/>
-              <a:t>19.06.2017</a:t>
+              <a:t>18.06.2017</a:t>
             </a:fld>
             <a:endParaRPr lang="pl-PL" dirty="0"/>
           </a:p>
@@ -46909,7 +44350,7 @@
             <a:fld id="{EDF33987-6305-4E2A-BF18-EF013ECE927B}" type="datetimeFigureOut">
               <a:rPr lang="pl-PL" smtClean="0"/>
               <a:pPr/>
-              <a:t>19.06.2017</a:t>
+              <a:t>18.06.2017</a:t>
             </a:fld>
             <a:endParaRPr lang="pl-PL" dirty="0"/>
           </a:p>
@@ -47215,7 +44656,7 @@
             <a:fld id="{EDF33987-6305-4E2A-BF18-EF013ECE927B}" type="datetimeFigureOut">
               <a:rPr lang="pl-PL" smtClean="0"/>
               <a:pPr/>
-              <a:t>19.06.2017</a:t>
+              <a:t>18.06.2017</a:t>
             </a:fld>
             <a:endParaRPr lang="pl-PL" dirty="0"/>
           </a:p>
@@ -47678,7 +45119,7 @@
             <a:fld id="{EDF33987-6305-4E2A-BF18-EF013ECE927B}" type="datetimeFigureOut">
               <a:rPr lang="pl-PL" smtClean="0"/>
               <a:pPr/>
-              <a:t>19.06.2017</a:t>
+              <a:t>18.06.2017</a:t>
             </a:fld>
             <a:endParaRPr lang="pl-PL" dirty="0"/>
           </a:p>
@@ -47810,7 +45251,7 @@
             <a:fld id="{EDF33987-6305-4E2A-BF18-EF013ECE927B}" type="datetimeFigureOut">
               <a:rPr lang="pl-PL" smtClean="0"/>
               <a:pPr/>
-              <a:t>19.06.2017</a:t>
+              <a:t>18.06.2017</a:t>
             </a:fld>
             <a:endParaRPr lang="pl-PL" dirty="0"/>
           </a:p>
@@ -47919,7 +45360,7 @@
             <a:fld id="{EDF33987-6305-4E2A-BF18-EF013ECE927B}" type="datetimeFigureOut">
               <a:rPr lang="pl-PL" smtClean="0"/>
               <a:pPr/>
-              <a:t>19.06.2017</a:t>
+              <a:t>18.06.2017</a:t>
             </a:fld>
             <a:endParaRPr lang="pl-PL" dirty="0"/>
           </a:p>
@@ -48288,7 +45729,7 @@
             <a:fld id="{EDF33987-6305-4E2A-BF18-EF013ECE927B}" type="datetimeFigureOut">
               <a:rPr lang="pl-PL" smtClean="0"/>
               <a:pPr/>
-              <a:t>19.06.2017</a:t>
+              <a:t>18.06.2017</a:t>
             </a:fld>
             <a:endParaRPr lang="pl-PL" dirty="0"/>
           </a:p>
@@ -48650,7 +46091,7 @@
             <a:fld id="{EDF33987-6305-4E2A-BF18-EF013ECE927B}" type="datetimeFigureOut">
               <a:rPr lang="pl-PL" smtClean="0"/>
               <a:pPr/>
-              <a:t>19.06.2017</a:t>
+              <a:t>18.06.2017</a:t>
             </a:fld>
             <a:endParaRPr lang="pl-PL" dirty="0"/>
           </a:p>
@@ -48897,7 +46338,7 @@
             <a:fld id="{EDF33987-6305-4E2A-BF18-EF013ECE927B}" type="datetimeFigureOut">
               <a:rPr lang="pl-PL" smtClean="0"/>
               <a:pPr/>
-              <a:t>19.06.2017</a:t>
+              <a:t>18.06.2017</a:t>
             </a:fld>
             <a:endParaRPr lang="pl-PL" dirty="0"/>
           </a:p>
@@ -49445,147 +46886,6 @@
       </p:transition>
     </mc:Fallback>
   </mc:AlternateContent>
-  <p:timing>
-    <p:tnLst>
-      <p:par>
-        <p:cTn id="1" dur="indefinite" restart="never" nodeType="tmRoot">
-          <p:childTnLst>
-            <p:seq concurrent="1" nextAc="seek">
-              <p:cTn id="2" dur="indefinite" nodeType="mainSeq">
-                <p:childTnLst>
-                  <p:par>
-                    <p:cTn id="3" fill="hold">
-                      <p:stCondLst>
-                        <p:cond delay="indefinite"/>
-                        <p:cond evt="onBegin" delay="0">
-                          <p:tn val="2"/>
-                        </p:cond>
-                      </p:stCondLst>
-                      <p:childTnLst>
-                        <p:par>
-                          <p:cTn id="4" fill="hold">
-                            <p:stCondLst>
-                              <p:cond delay="0"/>
-                            </p:stCondLst>
-                            <p:childTnLst>
-                              <p:par>
-                                <p:cTn id="5" presetID="10" presetClass="entr" presetSubtype="0" fill="hold" nodeType="withEffect">
-                                  <p:stCondLst>
-                                    <p:cond delay="250"/>
-                                  </p:stCondLst>
-                                  <p:childTnLst>
-                                    <p:set>
-                                      <p:cBhvr>
-                                        <p:cTn id="6" dur="1" fill="hold">
-                                          <p:stCondLst>
-                                            <p:cond delay="0"/>
-                                          </p:stCondLst>
-                                        </p:cTn>
-                                        <p:tgtEl>
-                                          <p:spTgt spid="8"/>
-                                        </p:tgtEl>
-                                        <p:attrNameLst>
-                                          <p:attrName>style.visibility</p:attrName>
-                                        </p:attrNameLst>
-                                      </p:cBhvr>
-                                      <p:to>
-                                        <p:strVal val="visible"/>
-                                      </p:to>
-                                    </p:set>
-                                    <p:animEffect transition="in" filter="fade">
-                                      <p:cBhvr>
-                                        <p:cTn id="7" dur="250"/>
-                                        <p:tgtEl>
-                                          <p:spTgt spid="8"/>
-                                        </p:tgtEl>
-                                      </p:cBhvr>
-                                    </p:animEffect>
-                                  </p:childTnLst>
-                                </p:cTn>
-                              </p:par>
-                            </p:childTnLst>
-                          </p:cTn>
-                        </p:par>
-                        <p:par>
-                          <p:cTn id="8" fill="hold">
-                            <p:stCondLst>
-                              <p:cond delay="500"/>
-                            </p:stCondLst>
-                            <p:childTnLst>
-                              <p:par>
-                                <p:cTn id="9" presetID="10" presetClass="entr" presetSubtype="0" fill="hold" grpId="0" nodeType="afterEffect">
-                                  <p:stCondLst>
-                                    <p:cond delay="500"/>
-                                  </p:stCondLst>
-                                  <p:childTnLst>
-                                    <p:set>
-                                      <p:cBhvr>
-                                        <p:cTn id="10" dur="1" fill="hold">
-                                          <p:stCondLst>
-                                            <p:cond delay="0"/>
-                                          </p:stCondLst>
-                                        </p:cTn>
-                                        <p:tgtEl>
-                                          <p:spTgt spid="3">
-                                            <p:txEl>
-                                              <p:pRg st="0" end="0"/>
-                                            </p:txEl>
-                                          </p:spTgt>
-                                        </p:tgtEl>
-                                        <p:attrNameLst>
-                                          <p:attrName>style.visibility</p:attrName>
-                                        </p:attrNameLst>
-                                      </p:cBhvr>
-                                      <p:to>
-                                        <p:strVal val="visible"/>
-                                      </p:to>
-                                    </p:set>
-                                    <p:animEffect transition="in" filter="fade">
-                                      <p:cBhvr>
-                                        <p:cTn id="11" dur="250"/>
-                                        <p:tgtEl>
-                                          <p:spTgt spid="3">
-                                            <p:txEl>
-                                              <p:pRg st="0" end="0"/>
-                                            </p:txEl>
-                                          </p:spTgt>
-                                        </p:tgtEl>
-                                      </p:cBhvr>
-                                    </p:animEffect>
-                                  </p:childTnLst>
-                                </p:cTn>
-                              </p:par>
-                            </p:childTnLst>
-                          </p:cTn>
-                        </p:par>
-                      </p:childTnLst>
-                    </p:cTn>
-                  </p:par>
-                </p:childTnLst>
-              </p:cTn>
-              <p:prevCondLst>
-                <p:cond evt="onPrev" delay="0">
-                  <p:tgtEl>
-                    <p:sldTgt/>
-                  </p:tgtEl>
-                </p:cond>
-              </p:prevCondLst>
-              <p:nextCondLst>
-                <p:cond evt="onNext" delay="0">
-                  <p:tgtEl>
-                    <p:sldTgt/>
-                  </p:tgtEl>
-                </p:cond>
-              </p:nextCondLst>
-            </p:seq>
-          </p:childTnLst>
-        </p:cTn>
-      </p:par>
-    </p:tnLst>
-    <p:bldLst>
-      <p:bldP spid="3" grpId="0" build="p"/>
-    </p:bldLst>
-  </p:timing>
 </p:sld>
 </file>
 
@@ -49629,7 +46929,7 @@
           <a:p>
             <a:r>
               <a:rPr lang="pl-PL" dirty="0"/>
-              <a:t>Po co robi?</a:t>
+              <a:t>Po co?</a:t>
             </a:r>
           </a:p>
         </p:txBody>
@@ -49650,19 +46950,14 @@
             <p:ph idx="1"/>
           </p:nvPr>
         </p:nvSpPr>
-        <p:spPr>
-          <a:xfrm>
-            <a:off x="913452" y="1828800"/>
-            <a:ext cx="7317105" cy="3616424"/>
-          </a:xfrm>
-        </p:spPr>
+        <p:spPr/>
         <p:txBody>
-          <a:bodyPr anchor="ctr"/>
+          <a:bodyPr/>
           <a:lstStyle/>
           <a:p>
             <a:r>
               <a:rPr lang="pl-PL" dirty="0"/>
-              <a:t>Graficzna wizualizacja danych liczbowych</a:t>
+              <a:t>Prosta wizualizacja danych liczbowych</a:t>
             </a:r>
           </a:p>
           <a:p>
@@ -49695,432 +46990,10 @@
       </p:transition>
     </mc:Fallback>
   </mc:AlternateContent>
-  <p:timing>
-    <p:tnLst>
-      <p:par>
-        <p:cTn id="1" dur="indefinite" restart="never" nodeType="tmRoot">
-          <p:childTnLst>
-            <p:seq concurrent="1" nextAc="seek">
-              <p:cTn id="2" dur="indefinite" nodeType="mainSeq">
-                <p:childTnLst>
-                  <p:par>
-                    <p:cTn id="3" fill="hold">
-                      <p:stCondLst>
-                        <p:cond delay="indefinite"/>
-                        <p:cond evt="onBegin" delay="0">
-                          <p:tn val="2"/>
-                        </p:cond>
-                      </p:stCondLst>
-                      <p:childTnLst>
-                        <p:par>
-                          <p:cTn id="4" fill="hold">
-                            <p:stCondLst>
-                              <p:cond delay="0"/>
-                            </p:stCondLst>
-                            <p:childTnLst>
-                              <p:par>
-                                <p:cTn id="5" presetID="10" presetClass="entr" presetSubtype="0" fill="hold" grpId="0" nodeType="afterEffect">
-                                  <p:stCondLst>
-                                    <p:cond delay="0"/>
-                                  </p:stCondLst>
-                                  <p:childTnLst>
-                                    <p:set>
-                                      <p:cBhvr>
-                                        <p:cTn id="6" dur="1" fill="hold">
-                                          <p:stCondLst>
-                                            <p:cond delay="0"/>
-                                          </p:stCondLst>
-                                        </p:cTn>
-                                        <p:tgtEl>
-                                          <p:spTgt spid="2"/>
-                                        </p:tgtEl>
-                                        <p:attrNameLst>
-                                          <p:attrName>style.visibility</p:attrName>
-                                        </p:attrNameLst>
-                                      </p:cBhvr>
-                                      <p:to>
-                                        <p:strVal val="visible"/>
-                                      </p:to>
-                                    </p:set>
-                                    <p:animEffect transition="in" filter="fade">
-                                      <p:cBhvr>
-                                        <p:cTn id="7" dur="500"/>
-                                        <p:tgtEl>
-                                          <p:spTgt spid="2"/>
-                                        </p:tgtEl>
-                                      </p:cBhvr>
-                                    </p:animEffect>
-                                  </p:childTnLst>
-                                </p:cTn>
-                              </p:par>
-                            </p:childTnLst>
-                          </p:cTn>
-                        </p:par>
-                        <p:par>
-                          <p:cTn id="8" fill="hold">
-                            <p:stCondLst>
-                              <p:cond delay="500"/>
-                            </p:stCondLst>
-                            <p:childTnLst>
-                              <p:par>
-                                <p:cTn id="9" presetID="10" presetClass="entr" presetSubtype="0" fill="hold" grpId="0" nodeType="afterEffect">
-                                  <p:stCondLst>
-                                    <p:cond delay="0"/>
-                                  </p:stCondLst>
-                                  <p:childTnLst>
-                                    <p:set>
-                                      <p:cBhvr>
-                                        <p:cTn id="10" dur="1" fill="hold">
-                                          <p:stCondLst>
-                                            <p:cond delay="0"/>
-                                          </p:stCondLst>
-                                        </p:cTn>
-                                        <p:tgtEl>
-                                          <p:spTgt spid="3">
-                                            <p:txEl>
-                                              <p:pRg st="0" end="0"/>
-                                            </p:txEl>
-                                          </p:spTgt>
-                                        </p:tgtEl>
-                                        <p:attrNameLst>
-                                          <p:attrName>style.visibility</p:attrName>
-                                        </p:attrNameLst>
-                                      </p:cBhvr>
-                                      <p:to>
-                                        <p:strVal val="visible"/>
-                                      </p:to>
-                                    </p:set>
-                                    <p:animEffect transition="in" filter="fade">
-                                      <p:cBhvr>
-                                        <p:cTn id="11" dur="500"/>
-                                        <p:tgtEl>
-                                          <p:spTgt spid="3">
-                                            <p:txEl>
-                                              <p:pRg st="0" end="0"/>
-                                            </p:txEl>
-                                          </p:spTgt>
-                                        </p:tgtEl>
-                                      </p:cBhvr>
-                                    </p:animEffect>
-                                  </p:childTnLst>
-                                </p:cTn>
-                              </p:par>
-                              <p:par>
-                                <p:cTn id="12" presetID="10" presetClass="entr" presetSubtype="0" fill="hold" grpId="0" nodeType="withEffect">
-                                  <p:stCondLst>
-                                    <p:cond delay="0"/>
-                                  </p:stCondLst>
-                                  <p:childTnLst>
-                                    <p:set>
-                                      <p:cBhvr>
-                                        <p:cTn id="13" dur="1" fill="hold">
-                                          <p:stCondLst>
-                                            <p:cond delay="0"/>
-                                          </p:stCondLst>
-                                        </p:cTn>
-                                        <p:tgtEl>
-                                          <p:spTgt spid="3">
-                                            <p:txEl>
-                                              <p:pRg st="1" end="1"/>
-                                            </p:txEl>
-                                          </p:spTgt>
-                                        </p:tgtEl>
-                                        <p:attrNameLst>
-                                          <p:attrName>style.visibility</p:attrName>
-                                        </p:attrNameLst>
-                                      </p:cBhvr>
-                                      <p:to>
-                                        <p:strVal val="visible"/>
-                                      </p:to>
-                                    </p:set>
-                                    <p:animEffect transition="in" filter="fade">
-                                      <p:cBhvr>
-                                        <p:cTn id="14" dur="500"/>
-                                        <p:tgtEl>
-                                          <p:spTgt spid="3">
-                                            <p:txEl>
-                                              <p:pRg st="1" end="1"/>
-                                            </p:txEl>
-                                          </p:spTgt>
-                                        </p:tgtEl>
-                                      </p:cBhvr>
-                                    </p:animEffect>
-                                  </p:childTnLst>
-                                </p:cTn>
-                              </p:par>
-                            </p:childTnLst>
-                          </p:cTn>
-                        </p:par>
-                      </p:childTnLst>
-                    </p:cTn>
-                  </p:par>
-                </p:childTnLst>
-              </p:cTn>
-              <p:prevCondLst>
-                <p:cond evt="onPrev" delay="0">
-                  <p:tgtEl>
-                    <p:sldTgt/>
-                  </p:tgtEl>
-                </p:cond>
-              </p:prevCondLst>
-              <p:nextCondLst>
-                <p:cond evt="onNext" delay="0">
-                  <p:tgtEl>
-                    <p:sldTgt/>
-                  </p:tgtEl>
-                </p:cond>
-              </p:nextCondLst>
-            </p:seq>
-          </p:childTnLst>
-        </p:cTn>
-      </p:par>
-    </p:tnLst>
-    <p:bldLst>
-      <p:bldP spid="2" grpId="0"/>
-      <p:bldP spid="3" grpId="0" uiExpand="1" build="p"/>
-    </p:bldLst>
-  </p:timing>
 </p:sld>
 </file>
 
 <file path=ppt/slides/slide3.xml><?xml version="1.0" encoding="utf-8"?>
-<p:sld xmlns:a="http://schemas.openxmlformats.org/drawingml/2006/main" xmlns:r="http://schemas.openxmlformats.org/officeDocument/2006/relationships" xmlns:p="http://schemas.openxmlformats.org/presentationml/2006/main">
-  <p:cSld>
-    <p:spTree>
-      <p:nvGrpSpPr>
-        <p:cNvPr id="1" name=""/>
-        <p:cNvGrpSpPr/>
-        <p:nvPr/>
-      </p:nvGrpSpPr>
-      <p:grpSpPr>
-        <a:xfrm>
-          <a:off x="0" y="0"/>
-          <a:ext cx="0" cy="0"/>
-          <a:chOff x="0" y="0"/>
-          <a:chExt cx="0" cy="0"/>
-        </a:xfrm>
-      </p:grpSpPr>
-      <p:sp>
-        <p:nvSpPr>
-          <p:cNvPr id="2" name="Tytuł 1">
-            <a:extLst>
-              <a:ext uri="{FF2B5EF4-FFF2-40B4-BE49-F238E27FC236}">
-                <a16:creationId xmlns:a16="http://schemas.microsoft.com/office/drawing/2014/main" id="{6A05233D-C646-41B7-8CF5-8170338579F4}"/>
-              </a:ext>
-            </a:extLst>
-          </p:cNvPr>
-          <p:cNvSpPr>
-            <a:spLocks noGrp="1"/>
-          </p:cNvSpPr>
-          <p:nvPr>
-            <p:ph type="title"/>
-          </p:nvPr>
-        </p:nvSpPr>
-        <p:spPr/>
-        <p:txBody>
-          <a:bodyPr/>
-          <a:lstStyle/>
-          <a:p>
-            <a:r>
-              <a:rPr lang="pl-PL" dirty="0"/>
-              <a:t>Co robi?</a:t>
-            </a:r>
-          </a:p>
-        </p:txBody>
-      </p:sp>
-      <p:graphicFrame>
-        <p:nvGraphicFramePr>
-          <p:cNvPr id="4" name="Symbol zastępczy zawartości 3">
-            <a:extLst>
-              <a:ext uri="{FF2B5EF4-FFF2-40B4-BE49-F238E27FC236}">
-                <a16:creationId xmlns:a16="http://schemas.microsoft.com/office/drawing/2014/main" id="{84B90EBD-5F09-4CFB-9A4F-B9066D5A7E7E}"/>
-              </a:ext>
-            </a:extLst>
-          </p:cNvPr>
-          <p:cNvGraphicFramePr>
-            <a:graphicFrameLocks noGrp="1"/>
-          </p:cNvGraphicFramePr>
-          <p:nvPr>
-            <p:ph idx="1"/>
-            <p:extLst>
-              <p:ext uri="{D42A27DB-BD31-4B8C-83A1-F6EECF244321}">
-                <p14:modId xmlns:p14="http://schemas.microsoft.com/office/powerpoint/2010/main" val="67803563"/>
-              </p:ext>
-            </p:extLst>
-          </p:nvPr>
-        </p:nvGraphicFramePr>
-        <p:xfrm>
-          <a:off x="912813" y="1828800"/>
-          <a:ext cx="7318375" cy="4343400"/>
-        </p:xfrm>
-        <a:graphic>
-          <a:graphicData uri="http://schemas.openxmlformats.org/drawingml/2006/diagram">
-            <dgm:relIds xmlns:dgm="http://schemas.openxmlformats.org/drawingml/2006/diagram" xmlns:r="http://schemas.openxmlformats.org/officeDocument/2006/relationships" r:dm="rId2" r:lo="rId3" r:qs="rId4" r:cs="rId5"/>
-          </a:graphicData>
-        </a:graphic>
-      </p:graphicFrame>
-    </p:spTree>
-    <p:extLst>
-      <p:ext uri="{BB962C8B-B14F-4D97-AF65-F5344CB8AC3E}">
-        <p14:creationId xmlns:p14="http://schemas.microsoft.com/office/powerpoint/2010/main" val="3016211128"/>
-      </p:ext>
-    </p:extLst>
-  </p:cSld>
-  <p:clrMapOvr>
-    <a:masterClrMapping/>
-  </p:clrMapOvr>
-  <mc:AlternateContent xmlns:mc="http://schemas.openxmlformats.org/markup-compatibility/2006" xmlns:p14="http://schemas.microsoft.com/office/powerpoint/2010/main">
-    <mc:Choice Requires="p14">
-      <p:transition spd="med" p14:dur="700">
-        <p:fade/>
-      </p:transition>
-    </mc:Choice>
-    <mc:Fallback xmlns="">
-      <p:transition spd="med">
-        <p:fade/>
-      </p:transition>
-    </mc:Fallback>
-  </mc:AlternateContent>
-  <p:timing>
-    <p:tnLst>
-      <p:par>
-        <p:cTn id="1" dur="indefinite" restart="never" nodeType="tmRoot">
-          <p:childTnLst>
-            <p:seq concurrent="1" nextAc="seek">
-              <p:cTn id="2" dur="indefinite" nodeType="mainSeq">
-                <p:childTnLst>
-                  <p:par>
-                    <p:cTn id="3" fill="hold">
-                      <p:stCondLst>
-                        <p:cond delay="indefinite"/>
-                        <p:cond evt="onBegin" delay="0">
-                          <p:tn val="2"/>
-                        </p:cond>
-                      </p:stCondLst>
-                      <p:childTnLst>
-                        <p:par>
-                          <p:cTn id="4" fill="hold">
-                            <p:stCondLst>
-                              <p:cond delay="0"/>
-                            </p:stCondLst>
-                            <p:childTnLst>
-                              <p:par>
-                                <p:cTn id="5" presetID="10" presetClass="entr" presetSubtype="0" fill="hold" grpId="0" nodeType="afterEffect">
-                                  <p:stCondLst>
-                                    <p:cond delay="0"/>
-                                  </p:stCondLst>
-                                  <p:childTnLst>
-                                    <p:set>
-                                      <p:cBhvr>
-                                        <p:cTn id="6" dur="1" fill="hold">
-                                          <p:stCondLst>
-                                            <p:cond delay="0"/>
-                                          </p:stCondLst>
-                                        </p:cTn>
-                                        <p:tgtEl>
-                                          <p:spTgt spid="2"/>
-                                        </p:tgtEl>
-                                        <p:attrNameLst>
-                                          <p:attrName>style.visibility</p:attrName>
-                                        </p:attrNameLst>
-                                      </p:cBhvr>
-                                      <p:to>
-                                        <p:strVal val="visible"/>
-                                      </p:to>
-                                    </p:set>
-                                    <p:animEffect transition="in" filter="fade">
-                                      <p:cBhvr>
-                                        <p:cTn id="7" dur="500"/>
-                                        <p:tgtEl>
-                                          <p:spTgt spid="2"/>
-                                        </p:tgtEl>
-                                      </p:cBhvr>
-                                    </p:animEffect>
-                                  </p:childTnLst>
-                                </p:cTn>
-                              </p:par>
-                            </p:childTnLst>
-                          </p:cTn>
-                        </p:par>
-                        <p:par>
-                          <p:cTn id="8" fill="hold">
-                            <p:stCondLst>
-                              <p:cond delay="500"/>
-                            </p:stCondLst>
-                            <p:childTnLst>
-                              <p:par>
-                                <p:cTn id="9" presetID="10" presetClass="entr" presetSubtype="0" fill="hold" grpId="0" nodeType="afterEffect">
-                                  <p:stCondLst>
-                                    <p:cond delay="0"/>
-                                  </p:stCondLst>
-                                  <p:childTnLst>
-                                    <p:set>
-                                      <p:cBhvr>
-                                        <p:cTn id="10" dur="1" fill="hold">
-                                          <p:stCondLst>
-                                            <p:cond delay="0"/>
-                                          </p:stCondLst>
-                                        </p:cTn>
-                                        <p:tgtEl>
-                                          <p:spTgt spid="4"/>
-                                        </p:tgtEl>
-                                        <p:attrNameLst>
-                                          <p:attrName>style.visibility</p:attrName>
-                                        </p:attrNameLst>
-                                      </p:cBhvr>
-                                      <p:to>
-                                        <p:strVal val="visible"/>
-                                      </p:to>
-                                    </p:set>
-                                    <p:animEffect transition="in" filter="fade">
-                                      <p:cBhvr>
-                                        <p:cTn id="11" dur="500"/>
-                                        <p:tgtEl>
-                                          <p:spTgt spid="4"/>
-                                        </p:tgtEl>
-                                      </p:cBhvr>
-                                    </p:animEffect>
-                                  </p:childTnLst>
-                                </p:cTn>
-                              </p:par>
-                            </p:childTnLst>
-                          </p:cTn>
-                        </p:par>
-                      </p:childTnLst>
-                    </p:cTn>
-                  </p:par>
-                </p:childTnLst>
-              </p:cTn>
-              <p:prevCondLst>
-                <p:cond evt="onPrev" delay="0">
-                  <p:tgtEl>
-                    <p:sldTgt/>
-                  </p:tgtEl>
-                </p:cond>
-              </p:prevCondLst>
-              <p:nextCondLst>
-                <p:cond evt="onNext" delay="0">
-                  <p:tgtEl>
-                    <p:sldTgt/>
-                  </p:tgtEl>
-                </p:cond>
-              </p:nextCondLst>
-            </p:seq>
-          </p:childTnLst>
-        </p:cTn>
-      </p:par>
-    </p:tnLst>
-    <p:bldLst>
-      <p:bldP spid="2" grpId="0"/>
-      <p:bldGraphic spid="4" grpId="0">
-        <p:bldAsOne/>
-      </p:bldGraphic>
-    </p:bldLst>
-  </p:timing>
-</p:sld>
-</file>
-
-<file path=ppt/slides/slide4.xml><?xml version="1.0" encoding="utf-8"?>
 <p:sld xmlns:a="http://schemas.openxmlformats.org/drawingml/2006/main" xmlns:r="http://schemas.openxmlformats.org/officeDocument/2006/relationships" xmlns:p="http://schemas.openxmlformats.org/presentationml/2006/main">
   <p:cSld>
     <p:spTree>
@@ -50165,7 +47038,7 @@
           <a:p>
             <a:r>
               <a:rPr lang="pl-PL" dirty="0"/>
-              <a:t>Jak robi?</a:t>
+              <a:t>Użyte technologie</a:t>
             </a:r>
           </a:p>
         </p:txBody>
@@ -50242,10 +47115,10 @@
       </p:sp>
       <p:pic>
         <p:nvPicPr>
-          <p:cNvPr id="4" name="Obraz 3">
+          <p:cNvPr id="5" name="Obraz 4">
             <a:extLst>
               <a:ext uri="{FF2B5EF4-FFF2-40B4-BE49-F238E27FC236}">
-                <a16:creationId xmlns:a16="http://schemas.microsoft.com/office/drawing/2014/main" id="{A127FBB4-D571-4597-BDC4-48A2B518FC58}"/>
+                <a16:creationId xmlns:a16="http://schemas.microsoft.com/office/drawing/2014/main" id="{38E0B2E8-260F-4B15-8EFE-0B6312181C1C}"/>
               </a:ext>
             </a:extLst>
           </p:cNvPr>
@@ -50262,8 +47135,8 @@
         </p:blipFill>
         <p:spPr>
           <a:xfrm>
-            <a:off x="-10955" y="1828800"/>
-            <a:ext cx="9144000" cy="6249828"/>
+            <a:off x="0" y="1600200"/>
+            <a:ext cx="9144000" cy="6725344"/>
           </a:xfrm>
           <a:prstGeom prst="rect">
             <a:avLst/>
@@ -50304,9 +47177,6 @@
                     <p:cTn id="3" fill="hold">
                       <p:stCondLst>
                         <p:cond delay="indefinite"/>
-                        <p:cond evt="onBegin" delay="0">
-                          <p:tn val="2"/>
-                        </p:cond>
                       </p:stCondLst>
                       <p:childTnLst>
                         <p:par>
@@ -50316,409 +47186,23 @@
                             </p:stCondLst>
                             <p:childTnLst>
                               <p:par>
-                                <p:cTn id="5" presetID="10" presetClass="entr" presetSubtype="0" fill="hold" grpId="0" nodeType="afterEffect">
+                                <p:cTn id="5" presetID="42" presetClass="path" presetSubtype="0" accel="50000" decel="50000" fill="hold" nodeType="clickEffect">
                                   <p:stCondLst>
                                     <p:cond delay="0"/>
                                   </p:stCondLst>
                                   <p:childTnLst>
-                                    <p:set>
+                                    <p:animMotion origin="layout" path="M 0 -1.11111E-6 L 0 0.53241 " pathEditMode="relative" rAng="0" ptsTypes="AA">
                                       <p:cBhvr>
-                                        <p:cTn id="6" dur="1" fill="hold">
-                                          <p:stCondLst>
-                                            <p:cond delay="0"/>
-                                          </p:stCondLst>
-                                        </p:cTn>
+                                        <p:cTn id="6" dur="2000" fill="hold"/>
                                         <p:tgtEl>
-                                          <p:spTgt spid="2"/>
-                                        </p:tgtEl>
-                                        <p:attrNameLst>
-                                          <p:attrName>style.visibility</p:attrName>
-                                        </p:attrNameLst>
-                                      </p:cBhvr>
-                                      <p:to>
-                                        <p:strVal val="visible"/>
-                                      </p:to>
-                                    </p:set>
-                                    <p:animEffect transition="in" filter="fade">
-                                      <p:cBhvr>
-                                        <p:cTn id="7" dur="500"/>
-                                        <p:tgtEl>
-                                          <p:spTgt spid="2"/>
-                                        </p:tgtEl>
-                                      </p:cBhvr>
-                                    </p:animEffect>
-                                  </p:childTnLst>
-                                </p:cTn>
-                              </p:par>
-                            </p:childTnLst>
-                          </p:cTn>
-                        </p:par>
-                        <p:par>
-                          <p:cTn id="8" fill="hold">
-                            <p:stCondLst>
-                              <p:cond delay="500"/>
-                            </p:stCondLst>
-                            <p:childTnLst>
-                              <p:par>
-                                <p:cTn id="9" presetID="10" presetClass="entr" presetSubtype="0" fill="hold" nodeType="afterEffect">
-                                  <p:stCondLst>
-                                    <p:cond delay="0"/>
-                                  </p:stCondLst>
-                                  <p:childTnLst>
-                                    <p:set>
-                                      <p:cBhvr>
-                                        <p:cTn id="10" dur="1" fill="hold">
-                                          <p:stCondLst>
-                                            <p:cond delay="0"/>
-                                          </p:stCondLst>
-                                        </p:cTn>
-                                        <p:tgtEl>
-                                          <p:spTgt spid="4"/>
-                                        </p:tgtEl>
-                                        <p:attrNameLst>
-                                          <p:attrName>style.visibility</p:attrName>
-                                        </p:attrNameLst>
-                                      </p:cBhvr>
-                                      <p:to>
-                                        <p:strVal val="visible"/>
-                                      </p:to>
-                                    </p:set>
-                                    <p:animEffect transition="in" filter="fade">
-                                      <p:cBhvr>
-                                        <p:cTn id="11" dur="500"/>
-                                        <p:tgtEl>
-                                          <p:spTgt spid="4"/>
-                                        </p:tgtEl>
-                                      </p:cBhvr>
-                                    </p:animEffect>
-                                  </p:childTnLst>
-                                </p:cTn>
-                              </p:par>
-                            </p:childTnLst>
-                          </p:cTn>
-                        </p:par>
-                        <p:par>
-                          <p:cTn id="12" fill="hold">
-                            <p:stCondLst>
-                              <p:cond delay="1000"/>
-                            </p:stCondLst>
-                            <p:childTnLst>
-                              <p:par>
-                                <p:cTn id="13" presetID="1" presetClass="entr" presetSubtype="0" fill="hold" grpId="0" nodeType="afterEffect">
-                                  <p:stCondLst>
-                                    <p:cond delay="0"/>
-                                  </p:stCondLst>
-                                  <p:childTnLst>
-                                    <p:set>
-                                      <p:cBhvr>
-                                        <p:cTn id="14" dur="1" fill="hold">
-                                          <p:stCondLst>
-                                            <p:cond delay="0"/>
-                                          </p:stCondLst>
-                                        </p:cTn>
-                                        <p:tgtEl>
-                                          <p:spTgt spid="3">
-                                            <p:txEl>
-                                              <p:pRg st="0" end="0"/>
-                                            </p:txEl>
-                                          </p:spTgt>
-                                        </p:tgtEl>
-                                        <p:attrNameLst>
-                                          <p:attrName>style.visibility</p:attrName>
-                                        </p:attrNameLst>
-                                      </p:cBhvr>
-                                      <p:to>
-                                        <p:strVal val="visible"/>
-                                      </p:to>
-                                    </p:set>
-                                  </p:childTnLst>
-                                </p:cTn>
-                              </p:par>
-                              <p:par>
-                                <p:cTn id="15" presetID="10" presetClass="entr" presetSubtype="0" fill="hold" grpId="0" nodeType="withEffect">
-                                  <p:stCondLst>
-                                    <p:cond delay="0"/>
-                                  </p:stCondLst>
-                                  <p:childTnLst>
-                                    <p:set>
-                                      <p:cBhvr>
-                                        <p:cTn id="16" dur="1" fill="hold">
-                                          <p:stCondLst>
-                                            <p:cond delay="0"/>
-                                          </p:stCondLst>
-                                        </p:cTn>
-                                        <p:tgtEl>
-                                          <p:spTgt spid="3">
-                                            <p:txEl>
-                                              <p:pRg st="1" end="1"/>
-                                            </p:txEl>
-                                          </p:spTgt>
-                                        </p:tgtEl>
-                                        <p:attrNameLst>
-                                          <p:attrName>style.visibility</p:attrName>
-                                        </p:attrNameLst>
-                                      </p:cBhvr>
-                                      <p:to>
-                                        <p:strVal val="visible"/>
-                                      </p:to>
-                                    </p:set>
-                                    <p:animEffect transition="in" filter="fade">
-                                      <p:cBhvr>
-                                        <p:cTn id="17" dur="500"/>
-                                        <p:tgtEl>
-                                          <p:spTgt spid="3">
-                                            <p:txEl>
-                                              <p:pRg st="1" end="1"/>
-                                            </p:txEl>
-                                          </p:spTgt>
-                                        </p:tgtEl>
-                                      </p:cBhvr>
-                                    </p:animEffect>
-                                  </p:childTnLst>
-                                </p:cTn>
-                              </p:par>
-                              <p:par>
-                                <p:cTn id="18" presetID="10" presetClass="entr" presetSubtype="0" fill="hold" grpId="0" nodeType="withEffect">
-                                  <p:stCondLst>
-                                    <p:cond delay="0"/>
-                                  </p:stCondLst>
-                                  <p:childTnLst>
-                                    <p:set>
-                                      <p:cBhvr>
-                                        <p:cTn id="19" dur="1" fill="hold">
-                                          <p:stCondLst>
-                                            <p:cond delay="0"/>
-                                          </p:stCondLst>
-                                        </p:cTn>
-                                        <p:tgtEl>
-                                          <p:spTgt spid="3">
-                                            <p:txEl>
-                                              <p:pRg st="2" end="2"/>
-                                            </p:txEl>
-                                          </p:spTgt>
-                                        </p:tgtEl>
-                                        <p:attrNameLst>
-                                          <p:attrName>style.visibility</p:attrName>
-                                        </p:attrNameLst>
-                                      </p:cBhvr>
-                                      <p:to>
-                                        <p:strVal val="visible"/>
-                                      </p:to>
-                                    </p:set>
-                                    <p:animEffect transition="in" filter="fade">
-                                      <p:cBhvr>
-                                        <p:cTn id="20" dur="500"/>
-                                        <p:tgtEl>
-                                          <p:spTgt spid="3">
-                                            <p:txEl>
-                                              <p:pRg st="2" end="2"/>
-                                            </p:txEl>
-                                          </p:spTgt>
-                                        </p:tgtEl>
-                                      </p:cBhvr>
-                                    </p:animEffect>
-                                  </p:childTnLst>
-                                </p:cTn>
-                              </p:par>
-                              <p:par>
-                                <p:cTn id="21" presetID="10" presetClass="entr" presetSubtype="0" fill="hold" grpId="0" nodeType="withEffect">
-                                  <p:stCondLst>
-                                    <p:cond delay="0"/>
-                                  </p:stCondLst>
-                                  <p:childTnLst>
-                                    <p:set>
-                                      <p:cBhvr>
-                                        <p:cTn id="22" dur="1" fill="hold">
-                                          <p:stCondLst>
-                                            <p:cond delay="0"/>
-                                          </p:stCondLst>
-                                        </p:cTn>
-                                        <p:tgtEl>
-                                          <p:spTgt spid="3">
-                                            <p:txEl>
-                                              <p:pRg st="3" end="3"/>
-                                            </p:txEl>
-                                          </p:spTgt>
-                                        </p:tgtEl>
-                                        <p:attrNameLst>
-                                          <p:attrName>style.visibility</p:attrName>
-                                        </p:attrNameLst>
-                                      </p:cBhvr>
-                                      <p:to>
-                                        <p:strVal val="visible"/>
-                                      </p:to>
-                                    </p:set>
-                                    <p:animEffect transition="in" filter="fade">
-                                      <p:cBhvr>
-                                        <p:cTn id="23" dur="500"/>
-                                        <p:tgtEl>
-                                          <p:spTgt spid="3">
-                                            <p:txEl>
-                                              <p:pRg st="3" end="3"/>
-                                            </p:txEl>
-                                          </p:spTgt>
-                                        </p:tgtEl>
-                                      </p:cBhvr>
-                                    </p:animEffect>
-                                  </p:childTnLst>
-                                </p:cTn>
-                              </p:par>
-                              <p:par>
-                                <p:cTn id="24" presetID="10" presetClass="entr" presetSubtype="0" fill="hold" grpId="0" nodeType="withEffect">
-                                  <p:stCondLst>
-                                    <p:cond delay="0"/>
-                                  </p:stCondLst>
-                                  <p:childTnLst>
-                                    <p:set>
-                                      <p:cBhvr>
-                                        <p:cTn id="25" dur="1" fill="hold">
-                                          <p:stCondLst>
-                                            <p:cond delay="0"/>
-                                          </p:stCondLst>
-                                        </p:cTn>
-                                        <p:tgtEl>
-                                          <p:spTgt spid="3">
-                                            <p:txEl>
-                                              <p:pRg st="4" end="4"/>
-                                            </p:txEl>
-                                          </p:spTgt>
-                                        </p:tgtEl>
-                                        <p:attrNameLst>
-                                          <p:attrName>style.visibility</p:attrName>
-                                        </p:attrNameLst>
-                                      </p:cBhvr>
-                                      <p:to>
-                                        <p:strVal val="visible"/>
-                                      </p:to>
-                                    </p:set>
-                                    <p:animEffect transition="in" filter="fade">
-                                      <p:cBhvr>
-                                        <p:cTn id="26" dur="500"/>
-                                        <p:tgtEl>
-                                          <p:spTgt spid="3">
-                                            <p:txEl>
-                                              <p:pRg st="4" end="4"/>
-                                            </p:txEl>
-                                          </p:spTgt>
-                                        </p:tgtEl>
-                                      </p:cBhvr>
-                                    </p:animEffect>
-                                  </p:childTnLst>
-                                </p:cTn>
-                              </p:par>
-                              <p:par>
-                                <p:cTn id="27" presetID="10" presetClass="entr" presetSubtype="0" fill="hold" grpId="0" nodeType="withEffect">
-                                  <p:stCondLst>
-                                    <p:cond delay="0"/>
-                                  </p:stCondLst>
-                                  <p:childTnLst>
-                                    <p:set>
-                                      <p:cBhvr>
-                                        <p:cTn id="28" dur="1" fill="hold">
-                                          <p:stCondLst>
-                                            <p:cond delay="0"/>
-                                          </p:stCondLst>
-                                        </p:cTn>
-                                        <p:tgtEl>
-                                          <p:spTgt spid="3">
-                                            <p:txEl>
-                                              <p:pRg st="5" end="5"/>
-                                            </p:txEl>
-                                          </p:spTgt>
-                                        </p:tgtEl>
-                                        <p:attrNameLst>
-                                          <p:attrName>style.visibility</p:attrName>
-                                        </p:attrNameLst>
-                                      </p:cBhvr>
-                                      <p:to>
-                                        <p:strVal val="visible"/>
-                                      </p:to>
-                                    </p:set>
-                                    <p:animEffect transition="in" filter="fade">
-                                      <p:cBhvr>
-                                        <p:cTn id="29" dur="500"/>
-                                        <p:tgtEl>
-                                          <p:spTgt spid="3">
-                                            <p:txEl>
-                                              <p:pRg st="5" end="5"/>
-                                            </p:txEl>
-                                          </p:spTgt>
-                                        </p:tgtEl>
-                                      </p:cBhvr>
-                                    </p:animEffect>
-                                  </p:childTnLst>
-                                </p:cTn>
-                              </p:par>
-                              <p:par>
-                                <p:cTn id="30" presetID="10" presetClass="entr" presetSubtype="0" fill="hold" grpId="0" nodeType="withEffect">
-                                  <p:stCondLst>
-                                    <p:cond delay="0"/>
-                                  </p:stCondLst>
-                                  <p:childTnLst>
-                                    <p:set>
-                                      <p:cBhvr>
-                                        <p:cTn id="31" dur="1" fill="hold">
-                                          <p:stCondLst>
-                                            <p:cond delay="0"/>
-                                          </p:stCondLst>
-                                        </p:cTn>
-                                        <p:tgtEl>
-                                          <p:spTgt spid="3">
-                                            <p:txEl>
-                                              <p:pRg st="6" end="6"/>
-                                            </p:txEl>
-                                          </p:spTgt>
-                                        </p:tgtEl>
-                                        <p:attrNameLst>
-                                          <p:attrName>style.visibility</p:attrName>
-                                        </p:attrNameLst>
-                                      </p:cBhvr>
-                                      <p:to>
-                                        <p:strVal val="visible"/>
-                                      </p:to>
-                                    </p:set>
-                                    <p:animEffect transition="in" filter="fade">
-                                      <p:cBhvr>
-                                        <p:cTn id="32" dur="500"/>
-                                        <p:tgtEl>
-                                          <p:spTgt spid="3">
-                                            <p:txEl>
-                                              <p:pRg st="6" end="6"/>
-                                            </p:txEl>
-                                          </p:spTgt>
-                                        </p:tgtEl>
-                                      </p:cBhvr>
-                                    </p:animEffect>
-                                  </p:childTnLst>
-                                </p:cTn>
-                              </p:par>
-                            </p:childTnLst>
-                          </p:cTn>
-                        </p:par>
-                        <p:par>
-                          <p:cTn id="33" fill="hold">
-                            <p:stCondLst>
-                              <p:cond delay="1500"/>
-                            </p:stCondLst>
-                            <p:childTnLst>
-                              <p:par>
-                                <p:cTn id="34" presetID="42" presetClass="path" presetSubtype="0" accel="50000" decel="50000" fill="hold" nodeType="afterEffect">
-                                  <p:stCondLst>
-                                    <p:cond delay="0"/>
-                                  </p:stCondLst>
-                                  <p:childTnLst>
-                                    <p:animMotion origin="layout" path="M -4.72222E-6 -2.22222E-6 L 0.00122 0.49167 " pathEditMode="relative" rAng="0" ptsTypes="AA">
-                                      <p:cBhvr>
-                                        <p:cTn id="35" dur="2000" fill="hold"/>
-                                        <p:tgtEl>
-                                          <p:spTgt spid="4"/>
+                                          <p:spTgt spid="5"/>
                                         </p:tgtEl>
                                         <p:attrNameLst>
                                           <p:attrName>ppt_x</p:attrName>
                                           <p:attrName>ppt_y</p:attrName>
                                         </p:attrNameLst>
                                       </p:cBhvr>
-                                      <p:rCtr x="52" y="24583"/>
+                                      <p:rCtr x="0" y="26620"/>
                                     </p:animMotion>
                                   </p:childTnLst>
                                 </p:cTn>
@@ -50750,15 +47234,11 @@
         </p:cTn>
       </p:par>
     </p:tnLst>
-    <p:bldLst>
-      <p:bldP spid="2" grpId="0"/>
-      <p:bldP spid="3" grpId="0" uiExpand="1" build="p"/>
-    </p:bldLst>
   </p:timing>
 </p:sld>
 </file>
 
-<file path=ppt/slides/slide5.xml><?xml version="1.0" encoding="utf-8"?>
+<file path=ppt/slides/slide4.xml><?xml version="1.0" encoding="utf-8"?>
 <p:sld xmlns:a="http://schemas.openxmlformats.org/drawingml/2006/main" xmlns:r="http://schemas.openxmlformats.org/officeDocument/2006/relationships" xmlns:p="http://schemas.openxmlformats.org/presentationml/2006/main">
   <p:cSld>
     <p:spTree>
@@ -50775,6 +47255,59 @@
           <a:chExt cx="0" cy="0"/>
         </a:xfrm>
       </p:grpSpPr>
+      <p:sp>
+        <p:nvSpPr>
+          <p:cNvPr id="2" name="Tytuł 1">
+            <a:extLst>
+              <a:ext uri="{FF2B5EF4-FFF2-40B4-BE49-F238E27FC236}">
+                <a16:creationId xmlns:a16="http://schemas.microsoft.com/office/drawing/2014/main" id="{8A23F60B-7468-4FBD-82C4-4C072852C005}"/>
+              </a:ext>
+            </a:extLst>
+          </p:cNvPr>
+          <p:cNvSpPr>
+            <a:spLocks noGrp="1"/>
+          </p:cNvSpPr>
+          <p:nvPr>
+            <p:ph type="title"/>
+          </p:nvPr>
+        </p:nvSpPr>
+        <p:spPr/>
+        <p:txBody>
+          <a:bodyPr/>
+          <a:lstStyle/>
+          <a:p>
+            <a:r>
+              <a:rPr lang="pl-PL" dirty="0"/>
+              <a:t>Demo</a:t>
+            </a:r>
+          </a:p>
+        </p:txBody>
+      </p:sp>
+      <p:sp>
+        <p:nvSpPr>
+          <p:cNvPr id="3" name="Symbol zastępczy zawartości 2">
+            <a:extLst>
+              <a:ext uri="{FF2B5EF4-FFF2-40B4-BE49-F238E27FC236}">
+                <a16:creationId xmlns:a16="http://schemas.microsoft.com/office/drawing/2014/main" id="{A44AB08C-B075-43C7-9257-23FA42D7BA89}"/>
+              </a:ext>
+            </a:extLst>
+          </p:cNvPr>
+          <p:cNvSpPr>
+            <a:spLocks noGrp="1"/>
+          </p:cNvSpPr>
+          <p:nvPr>
+            <p:ph idx="1"/>
+          </p:nvPr>
+        </p:nvSpPr>
+        <p:spPr/>
+        <p:txBody>
+          <a:bodyPr/>
+          <a:lstStyle/>
+          <a:p>
+            <a:endParaRPr lang="pl-PL" dirty="0"/>
+          </a:p>
+        </p:txBody>
+      </p:sp>
     </p:spTree>
     <p:extLst>
       <p:ext uri="{BB962C8B-B14F-4D97-AF65-F5344CB8AC3E}">
